--- a/nim_game/ES nim game.pptx
+++ b/nim_game/ES nim game.pptx
@@ -5,7 +5,7 @@
     <p:sldMasterId id="2147483749" r:id="rId1"/>
   </p:sldMasterIdLst>
   <p:notesMasterIdLst>
-    <p:notesMasterId r:id="rId13"/>
+    <p:notesMasterId r:id="rId14"/>
   </p:notesMasterIdLst>
   <p:sldIdLst>
     <p:sldId id="256" r:id="rId2"/>
@@ -19,6 +19,7 @@
     <p:sldId id="265" r:id="rId10"/>
     <p:sldId id="266" r:id="rId11"/>
     <p:sldId id="267" r:id="rId12"/>
+    <p:sldId id="268" r:id="rId13"/>
   </p:sldIdLst>
   <p:sldSz cx="12192000" cy="6858000"/>
   <p:notesSz cx="6858000" cy="9144000"/>
@@ -117,6 +118,11 @@
       </a:defRPr>
     </a:lvl9pPr>
   </p:defaultTextStyle>
+  <p:extLst>
+    <p:ext uri="{EFAFB233-063F-42B5-8137-9DF3F51BA10A}">
+      <p15:sldGuideLst xmlns:p15="http://schemas.microsoft.com/office/powerpoint/2012/main"/>
+    </p:ext>
+  </p:extLst>
 </p:presentation>
 </file>
 
@@ -5817,6 +5823,749 @@
   </p:cSld>
   <p:clrMapOvr>
     <a:overrideClrMapping bg1="dk1" tx1="lt1" bg2="dk2" tx2="lt2" accent1="accent1" accent2="accent2" accent3="accent3" accent4="accent4" accent5="accent5" accent6="accent6" hlink="hlink" folHlink="folHlink"/>
+  </p:clrMapOvr>
+</p:sld>
+</file>
+
+<file path=ppt/slides/slide12.xml><?xml version="1.0" encoding="utf-8"?>
+<p:sld xmlns:a="http://schemas.openxmlformats.org/drawingml/2006/main" xmlns:r="http://schemas.openxmlformats.org/officeDocument/2006/relationships" xmlns:p="http://schemas.openxmlformats.org/presentationml/2006/main">
+  <p:cSld>
+    <p:bg>
+      <p:bgPr>
+        <a:solidFill>
+          <a:schemeClr val="bg1">
+            <a:tint val="98000"/>
+            <a:satMod val="170000"/>
+          </a:schemeClr>
+        </a:solidFill>
+        <a:effectLst/>
+      </p:bgPr>
+    </p:bg>
+    <p:spTree>
+      <p:nvGrpSpPr>
+        <p:cNvPr id="1" name=""/>
+        <p:cNvGrpSpPr/>
+        <p:nvPr/>
+      </p:nvGrpSpPr>
+      <p:grpSpPr>
+        <a:xfrm>
+          <a:off x="0" y="0"/>
+          <a:ext cx="0" cy="0"/>
+          <a:chOff x="0" y="0"/>
+          <a:chExt cx="0" cy="0"/>
+        </a:xfrm>
+      </p:grpSpPr>
+      <p:sp>
+        <p:nvSpPr>
+          <p:cNvPr id="8" name="Freeform 6">
+            <a:extLst>
+              <a:ext uri="{FF2B5EF4-FFF2-40B4-BE49-F238E27FC236}">
+                <a16:creationId xmlns:a16="http://schemas.microsoft.com/office/drawing/2014/main" id="{DD4C4B28-6B4B-4445-8535-F516D74E4AA9}"/>
+              </a:ext>
+              <a:ext uri="{C183D7F6-B498-43B3-948B-1728B52AA6E4}">
+                <adec:decorative xmlns:adec="http://schemas.microsoft.com/office/drawing/2017/decorative" val="1"/>
+              </a:ext>
+            </a:extLst>
+          </p:cNvPr>
+          <p:cNvSpPr>
+            <a:spLocks noGrp="1" noRot="1" noChangeAspect="1" noMove="1" noResize="1" noEditPoints="1" noAdjustHandles="1" noChangeArrowheads="1" noChangeShapeType="1" noTextEdit="1"/>
+          </p:cNvSpPr>
+          <p:nvPr>
+            <p:extLst>
+              <p:ext uri="{386F3935-93C4-4BCD-93E2-E3B085C9AB24}">
+                <p16:designElem xmlns:p16="http://schemas.microsoft.com/office/powerpoint/2015/main" val="1"/>
+              </p:ext>
+            </p:extLst>
+          </p:nvPr>
+        </p:nvSpPr>
+        <p:spPr bwMode="auto">
+          <a:xfrm>
+            <a:off x="11784011" y="5783564"/>
+            <a:ext cx="407988" cy="819150"/>
+          </a:xfrm>
+          <a:custGeom>
+            <a:avLst/>
+            <a:gdLst/>
+            <a:ahLst/>
+            <a:cxnLst/>
+            <a:rect l="0" t="0" r="r" b="b"/>
+            <a:pathLst>
+              <a:path w="1799" h="3612">
+                <a:moveTo>
+                  <a:pt x="1799" y="0"/>
+                </a:moveTo>
+                <a:lnTo>
+                  <a:pt x="1799" y="3612"/>
+                </a:lnTo>
+                <a:lnTo>
+                  <a:pt x="1686" y="3609"/>
+                </a:lnTo>
+                <a:lnTo>
+                  <a:pt x="1574" y="3598"/>
+                </a:lnTo>
+                <a:lnTo>
+                  <a:pt x="1464" y="3581"/>
+                </a:lnTo>
+                <a:lnTo>
+                  <a:pt x="1357" y="3557"/>
+                </a:lnTo>
+                <a:lnTo>
+                  <a:pt x="1251" y="3527"/>
+                </a:lnTo>
+                <a:lnTo>
+                  <a:pt x="1150" y="3490"/>
+                </a:lnTo>
+                <a:lnTo>
+                  <a:pt x="1050" y="3448"/>
+                </a:lnTo>
+                <a:lnTo>
+                  <a:pt x="953" y="3401"/>
+                </a:lnTo>
+                <a:lnTo>
+                  <a:pt x="860" y="3347"/>
+                </a:lnTo>
+                <a:lnTo>
+                  <a:pt x="771" y="3289"/>
+                </a:lnTo>
+                <a:lnTo>
+                  <a:pt x="686" y="3224"/>
+                </a:lnTo>
+                <a:lnTo>
+                  <a:pt x="604" y="3156"/>
+                </a:lnTo>
+                <a:lnTo>
+                  <a:pt x="527" y="3083"/>
+                </a:lnTo>
+                <a:lnTo>
+                  <a:pt x="454" y="3005"/>
+                </a:lnTo>
+                <a:lnTo>
+                  <a:pt x="386" y="2923"/>
+                </a:lnTo>
+                <a:lnTo>
+                  <a:pt x="323" y="2838"/>
+                </a:lnTo>
+                <a:lnTo>
+                  <a:pt x="265" y="2748"/>
+                </a:lnTo>
+                <a:lnTo>
+                  <a:pt x="211" y="2655"/>
+                </a:lnTo>
+                <a:lnTo>
+                  <a:pt x="163" y="2559"/>
+                </a:lnTo>
+                <a:lnTo>
+                  <a:pt x="121" y="2459"/>
+                </a:lnTo>
+                <a:lnTo>
+                  <a:pt x="85" y="2356"/>
+                </a:lnTo>
+                <a:lnTo>
+                  <a:pt x="55" y="2251"/>
+                </a:lnTo>
+                <a:lnTo>
+                  <a:pt x="32" y="2143"/>
+                </a:lnTo>
+                <a:lnTo>
+                  <a:pt x="14" y="2033"/>
+                </a:lnTo>
+                <a:lnTo>
+                  <a:pt x="4" y="1920"/>
+                </a:lnTo>
+                <a:lnTo>
+                  <a:pt x="0" y="1806"/>
+                </a:lnTo>
+                <a:lnTo>
+                  <a:pt x="4" y="1692"/>
+                </a:lnTo>
+                <a:lnTo>
+                  <a:pt x="14" y="1580"/>
+                </a:lnTo>
+                <a:lnTo>
+                  <a:pt x="32" y="1469"/>
+                </a:lnTo>
+                <a:lnTo>
+                  <a:pt x="55" y="1362"/>
+                </a:lnTo>
+                <a:lnTo>
+                  <a:pt x="85" y="1256"/>
+                </a:lnTo>
+                <a:lnTo>
+                  <a:pt x="121" y="1154"/>
+                </a:lnTo>
+                <a:lnTo>
+                  <a:pt x="163" y="1054"/>
+                </a:lnTo>
+                <a:lnTo>
+                  <a:pt x="211" y="958"/>
+                </a:lnTo>
+                <a:lnTo>
+                  <a:pt x="265" y="864"/>
+                </a:lnTo>
+                <a:lnTo>
+                  <a:pt x="323" y="774"/>
+                </a:lnTo>
+                <a:lnTo>
+                  <a:pt x="386" y="689"/>
+                </a:lnTo>
+                <a:lnTo>
+                  <a:pt x="454" y="607"/>
+                </a:lnTo>
+                <a:lnTo>
+                  <a:pt x="527" y="529"/>
+                </a:lnTo>
+                <a:lnTo>
+                  <a:pt x="604" y="456"/>
+                </a:lnTo>
+                <a:lnTo>
+                  <a:pt x="686" y="388"/>
+                </a:lnTo>
+                <a:lnTo>
+                  <a:pt x="771" y="325"/>
+                </a:lnTo>
+                <a:lnTo>
+                  <a:pt x="860" y="266"/>
+                </a:lnTo>
+                <a:lnTo>
+                  <a:pt x="953" y="212"/>
+                </a:lnTo>
+                <a:lnTo>
+                  <a:pt x="1050" y="164"/>
+                </a:lnTo>
+                <a:lnTo>
+                  <a:pt x="1150" y="122"/>
+                </a:lnTo>
+                <a:lnTo>
+                  <a:pt x="1251" y="85"/>
+                </a:lnTo>
+                <a:lnTo>
+                  <a:pt x="1357" y="55"/>
+                </a:lnTo>
+                <a:lnTo>
+                  <a:pt x="1464" y="32"/>
+                </a:lnTo>
+                <a:lnTo>
+                  <a:pt x="1574" y="14"/>
+                </a:lnTo>
+                <a:lnTo>
+                  <a:pt x="1686" y="5"/>
+                </a:lnTo>
+                <a:lnTo>
+                  <a:pt x="1799" y="0"/>
+                </a:lnTo>
+                <a:close/>
+              </a:path>
+            </a:pathLst>
+          </a:custGeom>
+          <a:solidFill>
+            <a:schemeClr val="tx1">
+              <a:lumMod val="85000"/>
+              <a:lumOff val="15000"/>
+            </a:schemeClr>
+          </a:solidFill>
+          <a:ln w="0">
+            <a:noFill/>
+            <a:prstDash val="solid"/>
+            <a:round/>
+            <a:headEnd/>
+            <a:tailEnd/>
+          </a:ln>
+        </p:spPr>
+        <p:txBody>
+          <a:bodyPr anchor="ctr"/>
+          <a:lstStyle/>
+          <a:p>
+            <a:endParaRPr lang="en-US"/>
+          </a:p>
+        </p:txBody>
+      </p:sp>
+      <p:cxnSp>
+        <p:nvCxnSpPr>
+          <p:cNvPr id="10" name="Straight Connector 9">
+            <a:extLst>
+              <a:ext uri="{FF2B5EF4-FFF2-40B4-BE49-F238E27FC236}">
+                <a16:creationId xmlns:a16="http://schemas.microsoft.com/office/drawing/2014/main" id="{0CB1C732-7193-4253-8746-850D090A6B4E}"/>
+              </a:ext>
+              <a:ext uri="{C183D7F6-B498-43B3-948B-1728B52AA6E4}">
+                <adec:decorative xmlns:adec="http://schemas.microsoft.com/office/drawing/2017/decorative" val="1"/>
+              </a:ext>
+            </a:extLst>
+          </p:cNvPr>
+          <p:cNvCxnSpPr>
+            <a:cxnSpLocks noGrp="1" noRot="1" noChangeAspect="1" noMove="1" noResize="1" noEditPoints="1" noAdjustHandles="1" noChangeArrowheads="1" noChangeShapeType="1"/>
+          </p:cNvCxnSpPr>
+          <p:nvPr>
+            <p:extLst>
+              <p:ext uri="{386F3935-93C4-4BCD-93E2-E3B085C9AB24}">
+                <p16:designElem xmlns:p16="http://schemas.microsoft.com/office/powerpoint/2015/main" val="1"/>
+              </p:ext>
+            </p:extLst>
+          </p:nvPr>
+        </p:nvCxnSpPr>
+        <p:spPr>
+          <a:xfrm>
+            <a:off x="758952" y="1280160"/>
+            <a:ext cx="0" cy="5577840"/>
+          </a:xfrm>
+          <a:prstGeom prst="line">
+            <a:avLst/>
+          </a:prstGeom>
+          <a:ln w="19050">
+            <a:solidFill>
+              <a:schemeClr val="tx2"/>
+            </a:solidFill>
+          </a:ln>
+        </p:spPr>
+        <p:style>
+          <a:lnRef idx="1">
+            <a:schemeClr val="accent1"/>
+          </a:lnRef>
+          <a:fillRef idx="0">
+            <a:schemeClr val="accent1"/>
+          </a:fillRef>
+          <a:effectRef idx="0">
+            <a:schemeClr val="accent1"/>
+          </a:effectRef>
+          <a:fontRef idx="minor">
+            <a:schemeClr val="tx1"/>
+          </a:fontRef>
+        </p:style>
+      </p:cxnSp>
+      <p:sp useBgFill="1">
+        <p:nvSpPr>
+          <p:cNvPr id="12" name="Rectangle 11">
+            <a:extLst>
+              <a:ext uri="{FF2B5EF4-FFF2-40B4-BE49-F238E27FC236}">
+                <a16:creationId xmlns:a16="http://schemas.microsoft.com/office/drawing/2014/main" id="{55B419A7-F817-4767-8CCB-FB0E189C4ACD}"/>
+              </a:ext>
+              <a:ext uri="{C183D7F6-B498-43B3-948B-1728B52AA6E4}">
+                <adec:decorative xmlns:adec="http://schemas.microsoft.com/office/drawing/2017/decorative" val="1"/>
+              </a:ext>
+            </a:extLst>
+          </p:cNvPr>
+          <p:cNvSpPr>
+            <a:spLocks noGrp="1" noRot="1" noChangeAspect="1" noMove="1" noResize="1" noEditPoints="1" noAdjustHandles="1" noChangeArrowheads="1" noChangeShapeType="1" noTextEdit="1"/>
+          </p:cNvSpPr>
+          <p:nvPr>
+            <p:extLst>
+              <p:ext uri="{386F3935-93C4-4BCD-93E2-E3B085C9AB24}">
+                <p16:designElem xmlns:p16="http://schemas.microsoft.com/office/powerpoint/2015/main" val="1"/>
+              </p:ext>
+            </p:extLst>
+          </p:nvPr>
+        </p:nvSpPr>
+        <p:spPr>
+          <a:xfrm>
+            <a:off x="0" y="0"/>
+            <a:ext cx="12192000" cy="6858000"/>
+          </a:xfrm>
+          <a:prstGeom prst="rect">
+            <a:avLst/>
+          </a:prstGeom>
+          <a:ln>
+            <a:noFill/>
+          </a:ln>
+        </p:spPr>
+        <p:style>
+          <a:lnRef idx="2">
+            <a:schemeClr val="accent1">
+              <a:shade val="50000"/>
+            </a:schemeClr>
+          </a:lnRef>
+          <a:fillRef idx="1">
+            <a:schemeClr val="accent1"/>
+          </a:fillRef>
+          <a:effectRef idx="0">
+            <a:schemeClr val="accent1"/>
+          </a:effectRef>
+          <a:fontRef idx="minor">
+            <a:schemeClr val="lt1"/>
+          </a:fontRef>
+        </p:style>
+        <p:txBody>
+          <a:bodyPr rtlCol="0" anchor="ctr"/>
+          <a:lstStyle/>
+          <a:p>
+            <a:pPr algn="ctr"/>
+            <a:endParaRPr lang="en-US"/>
+          </a:p>
+        </p:txBody>
+      </p:sp>
+      <p:sp>
+        <p:nvSpPr>
+          <p:cNvPr id="2" name="Titolo 1">
+            <a:extLst>
+              <a:ext uri="{FF2B5EF4-FFF2-40B4-BE49-F238E27FC236}">
+                <a16:creationId xmlns:a16="http://schemas.microsoft.com/office/drawing/2014/main" id="{5FD3030B-500C-389B-F31E-06202FDB9B31}"/>
+              </a:ext>
+            </a:extLst>
+          </p:cNvPr>
+          <p:cNvSpPr>
+            <a:spLocks noGrp="1"/>
+          </p:cNvSpPr>
+          <p:nvPr>
+            <p:ph type="title"/>
+          </p:nvPr>
+        </p:nvSpPr>
+        <p:spPr>
+          <a:xfrm>
+            <a:off x="1078993" y="1074420"/>
+            <a:ext cx="6072246" cy="4709160"/>
+          </a:xfrm>
+        </p:spPr>
+        <p:txBody>
+          <a:bodyPr vert="horz" lIns="91440" tIns="45720" rIns="91440" bIns="45720" rtlCol="0" anchor="ctr">
+            <a:normAutofit/>
+          </a:bodyPr>
+          <a:lstStyle/>
+          <a:p>
+            <a:pPr algn="r"/>
+            <a:r>
+              <a:rPr lang="en-US" sz="7200"/>
+              <a:t>Thanks for the attention</a:t>
+            </a:r>
+          </a:p>
+        </p:txBody>
+      </p:sp>
+      <p:sp>
+        <p:nvSpPr>
+          <p:cNvPr id="3" name="Segnaposto contenuto 2">
+            <a:extLst>
+              <a:ext uri="{FF2B5EF4-FFF2-40B4-BE49-F238E27FC236}">
+                <a16:creationId xmlns:a16="http://schemas.microsoft.com/office/drawing/2014/main" id="{DA3F2101-B32C-0B1F-F7DE-A48684280113}"/>
+              </a:ext>
+            </a:extLst>
+          </p:cNvPr>
+          <p:cNvSpPr>
+            <a:spLocks noGrp="1"/>
+          </p:cNvSpPr>
+          <p:nvPr>
+            <p:ph idx="1"/>
+          </p:nvPr>
+        </p:nvSpPr>
+        <p:spPr>
+          <a:xfrm>
+            <a:off x="7856387" y="1074420"/>
+            <a:ext cx="3457605" cy="4709160"/>
+          </a:xfrm>
+        </p:spPr>
+        <p:txBody>
+          <a:bodyPr vert="horz" lIns="91440" tIns="45720" rIns="91440" bIns="45720" rtlCol="0" anchor="ctr">
+            <a:normAutofit/>
+          </a:bodyPr>
+          <a:lstStyle/>
+          <a:p>
+            <a:pPr marL="0" indent="0">
+              <a:lnSpc>
+                <a:spcPct val="100000"/>
+              </a:lnSpc>
+              <a:buNone/>
+            </a:pPr>
+            <a:r>
+              <a:rPr lang="en-US" sz="2200" dirty="0"/>
+              <a:t>Alessandro De Marco - 317626 – </a:t>
+            </a:r>
+            <a:r>
+              <a:rPr lang="en-US" sz="2200" dirty="0" err="1"/>
+              <a:t>github</a:t>
+            </a:r>
+            <a:r>
+              <a:rPr lang="en-US" sz="2200" dirty="0"/>
+              <a:t>: </a:t>
+            </a:r>
+            <a:r>
+              <a:rPr lang="en-US" sz="2200" dirty="0" err="1"/>
+              <a:t>Aleedm</a:t>
+            </a:r>
+            <a:endParaRPr lang="en-US" sz="2200" dirty="0"/>
+          </a:p>
+        </p:txBody>
+      </p:sp>
+      <p:cxnSp>
+        <p:nvCxnSpPr>
+          <p:cNvPr id="14" name="Straight Connector 13">
+            <a:extLst>
+              <a:ext uri="{FF2B5EF4-FFF2-40B4-BE49-F238E27FC236}">
+                <a16:creationId xmlns:a16="http://schemas.microsoft.com/office/drawing/2014/main" id="{8CE3FEC8-6867-4FFD-9D09-065F2D54A302}"/>
+              </a:ext>
+              <a:ext uri="{C183D7F6-B498-43B3-948B-1728B52AA6E4}">
+                <adec:decorative xmlns:adec="http://schemas.microsoft.com/office/drawing/2017/decorative" val="1"/>
+              </a:ext>
+            </a:extLst>
+          </p:cNvPr>
+          <p:cNvCxnSpPr>
+            <a:cxnSpLocks noGrp="1" noRot="1" noChangeAspect="1" noMove="1" noResize="1" noEditPoints="1" noAdjustHandles="1" noChangeArrowheads="1" noChangeShapeType="1"/>
+          </p:cNvCxnSpPr>
+          <p:nvPr>
+            <p:extLst>
+              <p:ext uri="{386F3935-93C4-4BCD-93E2-E3B085C9AB24}">
+                <p16:designElem xmlns:p16="http://schemas.microsoft.com/office/powerpoint/2015/main" val="1"/>
+              </p:ext>
+            </p:extLst>
+          </p:nvPr>
+        </p:nvCxnSpPr>
+        <p:spPr>
+          <a:xfrm rot="5400000">
+            <a:off x="5705855" y="3429000"/>
+            <a:ext cx="3657600" cy="0"/>
+          </a:xfrm>
+          <a:prstGeom prst="line">
+            <a:avLst/>
+          </a:prstGeom>
+          <a:ln w="19050">
+            <a:solidFill>
+              <a:schemeClr val="tx1"/>
+            </a:solidFill>
+          </a:ln>
+        </p:spPr>
+        <p:style>
+          <a:lnRef idx="1">
+            <a:schemeClr val="accent1"/>
+          </a:lnRef>
+          <a:fillRef idx="0">
+            <a:schemeClr val="accent1"/>
+          </a:fillRef>
+          <a:effectRef idx="0">
+            <a:schemeClr val="accent1"/>
+          </a:effectRef>
+          <a:fontRef idx="minor">
+            <a:schemeClr val="tx1"/>
+          </a:fontRef>
+        </p:style>
+      </p:cxnSp>
+      <p:sp>
+        <p:nvSpPr>
+          <p:cNvPr id="16" name="Freeform 6">
+            <a:extLst>
+              <a:ext uri="{FF2B5EF4-FFF2-40B4-BE49-F238E27FC236}">
+                <a16:creationId xmlns:a16="http://schemas.microsoft.com/office/drawing/2014/main" id="{7021D92D-08FF-45A6-9109-AC9462C7E8E3}"/>
+              </a:ext>
+              <a:ext uri="{C183D7F6-B498-43B3-948B-1728B52AA6E4}">
+                <adec:decorative xmlns:adec="http://schemas.microsoft.com/office/drawing/2017/decorative" val="1"/>
+              </a:ext>
+            </a:extLst>
+          </p:cNvPr>
+          <p:cNvSpPr>
+            <a:spLocks noGrp="1" noRot="1" noChangeAspect="1" noMove="1" noResize="1" noEditPoints="1" noAdjustHandles="1" noChangeArrowheads="1" noChangeShapeType="1" noTextEdit="1"/>
+          </p:cNvSpPr>
+          <p:nvPr>
+            <p:extLst>
+              <p:ext uri="{386F3935-93C4-4BCD-93E2-E3B085C9AB24}">
+                <p16:designElem xmlns:p16="http://schemas.microsoft.com/office/powerpoint/2015/main" val="1"/>
+              </p:ext>
+            </p:extLst>
+          </p:nvPr>
+        </p:nvSpPr>
+        <p:spPr bwMode="auto">
+          <a:xfrm>
+            <a:off x="11784011" y="5788152"/>
+            <a:ext cx="407988" cy="819150"/>
+          </a:xfrm>
+          <a:custGeom>
+            <a:avLst/>
+            <a:gdLst/>
+            <a:ahLst/>
+            <a:cxnLst/>
+            <a:rect l="0" t="0" r="r" b="b"/>
+            <a:pathLst>
+              <a:path w="1799" h="3612">
+                <a:moveTo>
+                  <a:pt x="1799" y="0"/>
+                </a:moveTo>
+                <a:lnTo>
+                  <a:pt x="1799" y="3612"/>
+                </a:lnTo>
+                <a:lnTo>
+                  <a:pt x="1686" y="3609"/>
+                </a:lnTo>
+                <a:lnTo>
+                  <a:pt x="1574" y="3598"/>
+                </a:lnTo>
+                <a:lnTo>
+                  <a:pt x="1464" y="3581"/>
+                </a:lnTo>
+                <a:lnTo>
+                  <a:pt x="1357" y="3557"/>
+                </a:lnTo>
+                <a:lnTo>
+                  <a:pt x="1251" y="3527"/>
+                </a:lnTo>
+                <a:lnTo>
+                  <a:pt x="1150" y="3490"/>
+                </a:lnTo>
+                <a:lnTo>
+                  <a:pt x="1050" y="3448"/>
+                </a:lnTo>
+                <a:lnTo>
+                  <a:pt x="953" y="3401"/>
+                </a:lnTo>
+                <a:lnTo>
+                  <a:pt x="860" y="3347"/>
+                </a:lnTo>
+                <a:lnTo>
+                  <a:pt x="771" y="3289"/>
+                </a:lnTo>
+                <a:lnTo>
+                  <a:pt x="686" y="3224"/>
+                </a:lnTo>
+                <a:lnTo>
+                  <a:pt x="604" y="3156"/>
+                </a:lnTo>
+                <a:lnTo>
+                  <a:pt x="527" y="3083"/>
+                </a:lnTo>
+                <a:lnTo>
+                  <a:pt x="454" y="3005"/>
+                </a:lnTo>
+                <a:lnTo>
+                  <a:pt x="386" y="2923"/>
+                </a:lnTo>
+                <a:lnTo>
+                  <a:pt x="323" y="2838"/>
+                </a:lnTo>
+                <a:lnTo>
+                  <a:pt x="265" y="2748"/>
+                </a:lnTo>
+                <a:lnTo>
+                  <a:pt x="211" y="2655"/>
+                </a:lnTo>
+                <a:lnTo>
+                  <a:pt x="163" y="2559"/>
+                </a:lnTo>
+                <a:lnTo>
+                  <a:pt x="121" y="2459"/>
+                </a:lnTo>
+                <a:lnTo>
+                  <a:pt x="85" y="2356"/>
+                </a:lnTo>
+                <a:lnTo>
+                  <a:pt x="55" y="2251"/>
+                </a:lnTo>
+                <a:lnTo>
+                  <a:pt x="32" y="2143"/>
+                </a:lnTo>
+                <a:lnTo>
+                  <a:pt x="14" y="2033"/>
+                </a:lnTo>
+                <a:lnTo>
+                  <a:pt x="4" y="1920"/>
+                </a:lnTo>
+                <a:lnTo>
+                  <a:pt x="0" y="1806"/>
+                </a:lnTo>
+                <a:lnTo>
+                  <a:pt x="4" y="1692"/>
+                </a:lnTo>
+                <a:lnTo>
+                  <a:pt x="14" y="1580"/>
+                </a:lnTo>
+                <a:lnTo>
+                  <a:pt x="32" y="1469"/>
+                </a:lnTo>
+                <a:lnTo>
+                  <a:pt x="55" y="1362"/>
+                </a:lnTo>
+                <a:lnTo>
+                  <a:pt x="85" y="1256"/>
+                </a:lnTo>
+                <a:lnTo>
+                  <a:pt x="121" y="1154"/>
+                </a:lnTo>
+                <a:lnTo>
+                  <a:pt x="163" y="1054"/>
+                </a:lnTo>
+                <a:lnTo>
+                  <a:pt x="211" y="958"/>
+                </a:lnTo>
+                <a:lnTo>
+                  <a:pt x="265" y="864"/>
+                </a:lnTo>
+                <a:lnTo>
+                  <a:pt x="323" y="774"/>
+                </a:lnTo>
+                <a:lnTo>
+                  <a:pt x="386" y="689"/>
+                </a:lnTo>
+                <a:lnTo>
+                  <a:pt x="454" y="607"/>
+                </a:lnTo>
+                <a:lnTo>
+                  <a:pt x="527" y="529"/>
+                </a:lnTo>
+                <a:lnTo>
+                  <a:pt x="604" y="456"/>
+                </a:lnTo>
+                <a:lnTo>
+                  <a:pt x="686" y="388"/>
+                </a:lnTo>
+                <a:lnTo>
+                  <a:pt x="771" y="325"/>
+                </a:lnTo>
+                <a:lnTo>
+                  <a:pt x="860" y="266"/>
+                </a:lnTo>
+                <a:lnTo>
+                  <a:pt x="953" y="212"/>
+                </a:lnTo>
+                <a:lnTo>
+                  <a:pt x="1050" y="164"/>
+                </a:lnTo>
+                <a:lnTo>
+                  <a:pt x="1150" y="122"/>
+                </a:lnTo>
+                <a:lnTo>
+                  <a:pt x="1251" y="85"/>
+                </a:lnTo>
+                <a:lnTo>
+                  <a:pt x="1357" y="55"/>
+                </a:lnTo>
+                <a:lnTo>
+                  <a:pt x="1464" y="32"/>
+                </a:lnTo>
+                <a:lnTo>
+                  <a:pt x="1574" y="14"/>
+                </a:lnTo>
+                <a:lnTo>
+                  <a:pt x="1686" y="5"/>
+                </a:lnTo>
+                <a:lnTo>
+                  <a:pt x="1799" y="0"/>
+                </a:lnTo>
+                <a:close/>
+              </a:path>
+            </a:pathLst>
+          </a:custGeom>
+          <a:solidFill>
+            <a:schemeClr val="tx1">
+              <a:lumMod val="85000"/>
+              <a:lumOff val="15000"/>
+            </a:schemeClr>
+          </a:solidFill>
+          <a:ln w="0">
+            <a:noFill/>
+            <a:prstDash val="solid"/>
+            <a:round/>
+            <a:headEnd/>
+            <a:tailEnd/>
+          </a:ln>
+        </p:spPr>
+        <p:txBody>
+          <a:bodyPr anchor="ctr"/>
+          <a:lstStyle/>
+          <a:p>
+            <a:endParaRPr lang="en-US"/>
+          </a:p>
+        </p:txBody>
+      </p:sp>
+    </p:spTree>
+    <p:extLst>
+      <p:ext uri="{BB962C8B-B14F-4D97-AF65-F5344CB8AC3E}">
+        <p14:creationId xmlns:p14="http://schemas.microsoft.com/office/powerpoint/2010/main" val="3543589015"/>
+      </p:ext>
+    </p:extLst>
+  </p:cSld>
+  <p:clrMapOvr>
+    <a:masterClrMapping/>
   </p:clrMapOvr>
 </p:sld>
 </file>

--- a/nim_game/ES nim game.pptx
+++ b/nim_game/ES nim game.pptx
@@ -519,6 +519,463 @@
           <a:bodyPr/>
           <a:lstStyle/>
           <a:p>
+            <a:r>
+              <a:rPr lang="it-IT" dirty="0">
+                <a:effectLst/>
+                <a:latin typeface="Helvetica Neue" panose="02000503000000020004" pitchFamily="2" charset="0"/>
+              </a:rPr>
+              <a:t>The </a:t>
+            </a:r>
+            <a:r>
+              <a:rPr lang="it-IT" dirty="0" err="1">
+                <a:effectLst/>
+                <a:latin typeface="Helvetica Neue" panose="02000503000000020004" pitchFamily="2" charset="0"/>
+              </a:rPr>
+              <a:t>optimal</a:t>
+            </a:r>
+            <a:r>
+              <a:rPr lang="it-IT" dirty="0">
+                <a:effectLst/>
+                <a:latin typeface="Helvetica Neue" panose="02000503000000020004" pitchFamily="2" charset="0"/>
+              </a:rPr>
+              <a:t> strategy for </a:t>
+            </a:r>
+            <a:r>
+              <a:rPr lang="it-IT" dirty="0" err="1">
+                <a:effectLst/>
+                <a:latin typeface="Helvetica Neue" panose="02000503000000020004" pitchFamily="2" charset="0"/>
+              </a:rPr>
+              <a:t>winning</a:t>
+            </a:r>
+            <a:r>
+              <a:rPr lang="it-IT" dirty="0">
+                <a:effectLst/>
+                <a:latin typeface="Helvetica Neue" panose="02000503000000020004" pitchFamily="2" charset="0"/>
+              </a:rPr>
+              <a:t> the Nim game </a:t>
+            </a:r>
+            <a:r>
+              <a:rPr lang="it-IT" dirty="0" err="1">
+                <a:effectLst/>
+                <a:latin typeface="Helvetica Neue" panose="02000503000000020004" pitchFamily="2" charset="0"/>
+              </a:rPr>
+              <a:t>is</a:t>
+            </a:r>
+            <a:r>
+              <a:rPr lang="it-IT" dirty="0">
+                <a:effectLst/>
+                <a:latin typeface="Helvetica Neue" panose="02000503000000020004" pitchFamily="2" charset="0"/>
+              </a:rPr>
+              <a:t> </a:t>
+            </a:r>
+            <a:r>
+              <a:rPr lang="it-IT" dirty="0" err="1">
+                <a:effectLst/>
+                <a:latin typeface="Helvetica Neue" panose="02000503000000020004" pitchFamily="2" charset="0"/>
+              </a:rPr>
+              <a:t>based</a:t>
+            </a:r>
+            <a:r>
+              <a:rPr lang="it-IT" dirty="0">
+                <a:effectLst/>
+                <a:latin typeface="Helvetica Neue" panose="02000503000000020004" pitchFamily="2" charset="0"/>
+              </a:rPr>
+              <a:t> on the concept of Nim sum. Nim sum </a:t>
+            </a:r>
+            <a:r>
+              <a:rPr lang="it-IT" dirty="0" err="1">
+                <a:effectLst/>
+                <a:latin typeface="Helvetica Neue" panose="02000503000000020004" pitchFamily="2" charset="0"/>
+              </a:rPr>
+              <a:t>involves</a:t>
+            </a:r>
+            <a:r>
+              <a:rPr lang="it-IT" dirty="0">
+                <a:effectLst/>
+                <a:latin typeface="Helvetica Neue" panose="02000503000000020004" pitchFamily="2" charset="0"/>
+              </a:rPr>
+              <a:t> </a:t>
+            </a:r>
+            <a:r>
+              <a:rPr lang="it-IT" dirty="0" err="1">
+                <a:effectLst/>
+                <a:latin typeface="Helvetica Neue" panose="02000503000000020004" pitchFamily="2" charset="0"/>
+              </a:rPr>
+              <a:t>converting</a:t>
+            </a:r>
+            <a:r>
+              <a:rPr lang="it-IT" dirty="0">
+                <a:effectLst/>
+                <a:latin typeface="Helvetica Neue" panose="02000503000000020004" pitchFamily="2" charset="0"/>
+              </a:rPr>
+              <a:t> </a:t>
+            </a:r>
+            <a:r>
+              <a:rPr lang="it-IT" dirty="0" err="1">
+                <a:effectLst/>
+                <a:latin typeface="Helvetica Neue" panose="02000503000000020004" pitchFamily="2" charset="0"/>
+              </a:rPr>
+              <a:t>each</a:t>
+            </a:r>
+            <a:r>
+              <a:rPr lang="it-IT" dirty="0">
+                <a:effectLst/>
+                <a:latin typeface="Helvetica Neue" panose="02000503000000020004" pitchFamily="2" charset="0"/>
+              </a:rPr>
+              <a:t> </a:t>
+            </a:r>
+            <a:r>
+              <a:rPr lang="it-IT" dirty="0" err="1">
+                <a:effectLst/>
+                <a:latin typeface="Helvetica Neue" panose="02000503000000020004" pitchFamily="2" charset="0"/>
+              </a:rPr>
+              <a:t>row</a:t>
+            </a:r>
+            <a:r>
+              <a:rPr lang="it-IT" dirty="0">
+                <a:effectLst/>
+                <a:latin typeface="Helvetica Neue" panose="02000503000000020004" pitchFamily="2" charset="0"/>
+              </a:rPr>
+              <a:t> of the game </a:t>
+            </a:r>
+            <a:r>
+              <a:rPr lang="it-IT" dirty="0" err="1">
+                <a:effectLst/>
+                <a:latin typeface="Helvetica Neue" panose="02000503000000020004" pitchFamily="2" charset="0"/>
+              </a:rPr>
+              <a:t>into</a:t>
+            </a:r>
+            <a:r>
+              <a:rPr lang="it-IT" dirty="0">
+                <a:effectLst/>
+                <a:latin typeface="Helvetica Neue" panose="02000503000000020004" pitchFamily="2" charset="0"/>
+              </a:rPr>
+              <a:t> a </a:t>
+            </a:r>
+            <a:r>
+              <a:rPr lang="it-IT" dirty="0" err="1">
+                <a:effectLst/>
+                <a:latin typeface="Helvetica Neue" panose="02000503000000020004" pitchFamily="2" charset="0"/>
+              </a:rPr>
+              <a:t>binary</a:t>
+            </a:r>
+            <a:r>
+              <a:rPr lang="it-IT" dirty="0">
+                <a:effectLst/>
+                <a:latin typeface="Helvetica Neue" panose="02000503000000020004" pitchFamily="2" charset="0"/>
+              </a:rPr>
+              <a:t> </a:t>
+            </a:r>
+            <a:r>
+              <a:rPr lang="it-IT" dirty="0" err="1">
+                <a:effectLst/>
+                <a:latin typeface="Helvetica Neue" panose="02000503000000020004" pitchFamily="2" charset="0"/>
+              </a:rPr>
+              <a:t>number</a:t>
+            </a:r>
+            <a:r>
+              <a:rPr lang="it-IT" dirty="0">
+                <a:effectLst/>
+                <a:latin typeface="Helvetica Neue" panose="02000503000000020004" pitchFamily="2" charset="0"/>
+              </a:rPr>
+              <a:t> and </a:t>
+            </a:r>
+            <a:r>
+              <a:rPr lang="it-IT" dirty="0" err="1">
+                <a:effectLst/>
+                <a:latin typeface="Helvetica Neue" panose="02000503000000020004" pitchFamily="2" charset="0"/>
+              </a:rPr>
+              <a:t>performing</a:t>
+            </a:r>
+            <a:r>
+              <a:rPr lang="it-IT" dirty="0">
+                <a:effectLst/>
+                <a:latin typeface="Helvetica Neue" panose="02000503000000020004" pitchFamily="2" charset="0"/>
+              </a:rPr>
+              <a:t> a </a:t>
+            </a:r>
+            <a:r>
+              <a:rPr lang="it-IT" dirty="0" err="1">
+                <a:effectLst/>
+                <a:latin typeface="Helvetica Neue" panose="02000503000000020004" pitchFamily="2" charset="0"/>
+              </a:rPr>
+              <a:t>bitwise</a:t>
+            </a:r>
+            <a:r>
+              <a:rPr lang="it-IT" dirty="0">
+                <a:effectLst/>
+                <a:latin typeface="Helvetica Neue" panose="02000503000000020004" pitchFamily="2" charset="0"/>
+              </a:rPr>
+              <a:t> XOR. </a:t>
+            </a:r>
+            <a:r>
+              <a:rPr lang="it-IT" dirty="0" err="1">
+                <a:effectLst/>
+                <a:latin typeface="Helvetica Neue" panose="02000503000000020004" pitchFamily="2" charset="0"/>
+              </a:rPr>
+              <a:t>It</a:t>
+            </a:r>
+            <a:r>
+              <a:rPr lang="it-IT" dirty="0">
+                <a:effectLst/>
+                <a:latin typeface="Helvetica Neue" panose="02000503000000020004" pitchFamily="2" charset="0"/>
+              </a:rPr>
+              <a:t> </a:t>
+            </a:r>
+            <a:r>
+              <a:rPr lang="it-IT" dirty="0" err="1">
+                <a:effectLst/>
+                <a:latin typeface="Helvetica Neue" panose="02000503000000020004" pitchFamily="2" charset="0"/>
+              </a:rPr>
+              <a:t>has</a:t>
+            </a:r>
+            <a:r>
+              <a:rPr lang="it-IT" dirty="0">
+                <a:effectLst/>
+                <a:latin typeface="Helvetica Neue" panose="02000503000000020004" pitchFamily="2" charset="0"/>
+              </a:rPr>
+              <a:t> </a:t>
+            </a:r>
+            <a:r>
+              <a:rPr lang="it-IT" dirty="0" err="1">
+                <a:effectLst/>
+                <a:latin typeface="Helvetica Neue" panose="02000503000000020004" pitchFamily="2" charset="0"/>
+              </a:rPr>
+              <a:t>been</a:t>
+            </a:r>
+            <a:r>
+              <a:rPr lang="it-IT" dirty="0">
+                <a:effectLst/>
+                <a:latin typeface="Helvetica Neue" panose="02000503000000020004" pitchFamily="2" charset="0"/>
+              </a:rPr>
+              <a:t> </a:t>
+            </a:r>
+            <a:r>
+              <a:rPr lang="it-IT" dirty="0" err="1">
+                <a:effectLst/>
+                <a:latin typeface="Helvetica Neue" panose="02000503000000020004" pitchFamily="2" charset="0"/>
+              </a:rPr>
+              <a:t>mathematically</a:t>
+            </a:r>
+            <a:r>
+              <a:rPr lang="it-IT" dirty="0">
+                <a:effectLst/>
+                <a:latin typeface="Helvetica Neue" panose="02000503000000020004" pitchFamily="2" charset="0"/>
+              </a:rPr>
+              <a:t> </a:t>
+            </a:r>
+            <a:r>
+              <a:rPr lang="it-IT" dirty="0" err="1">
+                <a:effectLst/>
+                <a:latin typeface="Helvetica Neue" panose="02000503000000020004" pitchFamily="2" charset="0"/>
+              </a:rPr>
+              <a:t>proven</a:t>
+            </a:r>
+            <a:r>
+              <a:rPr lang="it-IT" dirty="0">
+                <a:effectLst/>
+                <a:latin typeface="Helvetica Neue" panose="02000503000000020004" pitchFamily="2" charset="0"/>
+              </a:rPr>
+              <a:t> </a:t>
+            </a:r>
+            <a:r>
+              <a:rPr lang="it-IT" dirty="0" err="1">
+                <a:effectLst/>
+                <a:latin typeface="Helvetica Neue" panose="02000503000000020004" pitchFamily="2" charset="0"/>
+              </a:rPr>
+              <a:t>that</a:t>
+            </a:r>
+            <a:r>
+              <a:rPr lang="it-IT" dirty="0">
+                <a:effectLst/>
+                <a:latin typeface="Helvetica Neue" panose="02000503000000020004" pitchFamily="2" charset="0"/>
+              </a:rPr>
+              <a:t> to </a:t>
+            </a:r>
+            <a:r>
+              <a:rPr lang="it-IT" dirty="0" err="1">
+                <a:effectLst/>
+                <a:latin typeface="Helvetica Neue" panose="02000503000000020004" pitchFamily="2" charset="0"/>
+              </a:rPr>
+              <a:t>win</a:t>
+            </a:r>
+            <a:r>
+              <a:rPr lang="it-IT" dirty="0">
+                <a:effectLst/>
+                <a:latin typeface="Helvetica Neue" panose="02000503000000020004" pitchFamily="2" charset="0"/>
+              </a:rPr>
+              <a:t> the game of Nim, one </a:t>
+            </a:r>
+            <a:r>
+              <a:rPr lang="it-IT" dirty="0" err="1">
+                <a:effectLst/>
+                <a:latin typeface="Helvetica Neue" panose="02000503000000020004" pitchFamily="2" charset="0"/>
+              </a:rPr>
+              <a:t>should</a:t>
+            </a:r>
+            <a:r>
+              <a:rPr lang="it-IT" dirty="0">
+                <a:effectLst/>
+                <a:latin typeface="Helvetica Neue" panose="02000503000000020004" pitchFamily="2" charset="0"/>
+              </a:rPr>
+              <a:t> </a:t>
+            </a:r>
+            <a:r>
+              <a:rPr lang="it-IT" dirty="0" err="1">
+                <a:effectLst/>
+                <a:latin typeface="Helvetica Neue" panose="02000503000000020004" pitchFamily="2" charset="0"/>
+              </a:rPr>
+              <a:t>not</a:t>
+            </a:r>
+            <a:r>
+              <a:rPr lang="it-IT" dirty="0">
+                <a:effectLst/>
+                <a:latin typeface="Helvetica Neue" panose="02000503000000020004" pitchFamily="2" charset="0"/>
+              </a:rPr>
+              <a:t> </a:t>
+            </a:r>
+            <a:r>
+              <a:rPr lang="it-IT" dirty="0" err="1">
+                <a:effectLst/>
+                <a:latin typeface="Helvetica Neue" panose="02000503000000020004" pitchFamily="2" charset="0"/>
+              </a:rPr>
+              <a:t>select</a:t>
+            </a:r>
+            <a:r>
+              <a:rPr lang="it-IT" dirty="0">
+                <a:effectLst/>
+                <a:latin typeface="Helvetica Neue" panose="02000503000000020004" pitchFamily="2" charset="0"/>
+              </a:rPr>
+              <a:t> a </a:t>
+            </a:r>
+            <a:r>
+              <a:rPr lang="it-IT" dirty="0" err="1">
+                <a:effectLst/>
+                <a:latin typeface="Helvetica Neue" panose="02000503000000020004" pitchFamily="2" charset="0"/>
+              </a:rPr>
+              <a:t>move</a:t>
+            </a:r>
+            <a:r>
+              <a:rPr lang="it-IT" dirty="0">
+                <a:effectLst/>
+                <a:latin typeface="Helvetica Neue" panose="02000503000000020004" pitchFamily="2" charset="0"/>
+              </a:rPr>
+              <a:t> </a:t>
+            </a:r>
+            <a:r>
+              <a:rPr lang="it-IT" dirty="0" err="1">
+                <a:effectLst/>
+                <a:latin typeface="Helvetica Neue" panose="02000503000000020004" pitchFamily="2" charset="0"/>
+              </a:rPr>
+              <a:t>that</a:t>
+            </a:r>
+            <a:r>
+              <a:rPr lang="it-IT" dirty="0">
+                <a:effectLst/>
+                <a:latin typeface="Helvetica Neue" panose="02000503000000020004" pitchFamily="2" charset="0"/>
+              </a:rPr>
+              <a:t> </a:t>
+            </a:r>
+            <a:r>
+              <a:rPr lang="it-IT" dirty="0" err="1">
+                <a:effectLst/>
+                <a:latin typeface="Helvetica Neue" panose="02000503000000020004" pitchFamily="2" charset="0"/>
+              </a:rPr>
+              <a:t>results</a:t>
+            </a:r>
+            <a:r>
+              <a:rPr lang="it-IT" dirty="0">
+                <a:effectLst/>
+                <a:latin typeface="Helvetica Neue" panose="02000503000000020004" pitchFamily="2" charset="0"/>
+              </a:rPr>
+              <a:t> in a Nim sum of zero.</a:t>
+            </a:r>
+          </a:p>
+          <a:p>
+            <a:br>
+              <a:rPr lang="it-IT" dirty="0">
+                <a:effectLst/>
+                <a:latin typeface="Helvetica Neue" panose="02000503000000020004" pitchFamily="2" charset="0"/>
+              </a:rPr>
+            </a:br>
+            <a:endParaRPr lang="it-IT" dirty="0">
+              <a:effectLst/>
+              <a:latin typeface="Helvetica Neue" panose="02000503000000020004" pitchFamily="2" charset="0"/>
+            </a:endParaRPr>
+          </a:p>
+          <a:p>
+            <a:r>
+              <a:rPr lang="it-IT" dirty="0" err="1">
+                <a:effectLst/>
+                <a:latin typeface="Helvetica Neue" panose="02000503000000020004" pitchFamily="2" charset="0"/>
+              </a:rPr>
+              <a:t>Starting</a:t>
+            </a:r>
+            <a:r>
+              <a:rPr lang="it-IT" dirty="0">
+                <a:effectLst/>
+                <a:latin typeface="Helvetica Neue" panose="02000503000000020004" pitchFamily="2" charset="0"/>
+              </a:rPr>
+              <a:t> from the concept of Nim sum, </a:t>
+            </a:r>
+            <a:r>
+              <a:rPr lang="it-IT" dirty="0" err="1">
+                <a:effectLst/>
+                <a:latin typeface="Helvetica Neue" panose="02000503000000020004" pitchFamily="2" charset="0"/>
+              </a:rPr>
+              <a:t>we</a:t>
+            </a:r>
+            <a:r>
+              <a:rPr lang="it-IT" dirty="0">
+                <a:effectLst/>
+                <a:latin typeface="Helvetica Neue" panose="02000503000000020004" pitchFamily="2" charset="0"/>
+              </a:rPr>
+              <a:t> can </a:t>
+            </a:r>
+            <a:r>
+              <a:rPr lang="it-IT" dirty="0" err="1">
+                <a:effectLst/>
+                <a:latin typeface="Helvetica Neue" panose="02000503000000020004" pitchFamily="2" charset="0"/>
+              </a:rPr>
+              <a:t>construct</a:t>
+            </a:r>
+            <a:r>
+              <a:rPr lang="it-IT" dirty="0">
+                <a:effectLst/>
+                <a:latin typeface="Helvetica Neue" panose="02000503000000020004" pitchFamily="2" charset="0"/>
+              </a:rPr>
+              <a:t> an </a:t>
+            </a:r>
+            <a:r>
+              <a:rPr lang="it-IT" dirty="0" err="1">
+                <a:effectLst/>
+                <a:latin typeface="Helvetica Neue" panose="02000503000000020004" pitchFamily="2" charset="0"/>
+              </a:rPr>
+              <a:t>individual's</a:t>
+            </a:r>
+            <a:r>
+              <a:rPr lang="it-IT" dirty="0">
+                <a:effectLst/>
+                <a:latin typeface="Helvetica Neue" panose="02000503000000020004" pitchFamily="2" charset="0"/>
+              </a:rPr>
+              <a:t> </a:t>
+            </a:r>
+            <a:r>
+              <a:rPr lang="it-IT" dirty="0" err="1">
+                <a:effectLst/>
+                <a:latin typeface="Helvetica Neue" panose="02000503000000020004" pitchFamily="2" charset="0"/>
+              </a:rPr>
+              <a:t>genome</a:t>
+            </a:r>
+            <a:r>
+              <a:rPr lang="it-IT" dirty="0">
+                <a:effectLst/>
+                <a:latin typeface="Helvetica Neue" panose="02000503000000020004" pitchFamily="2" charset="0"/>
+              </a:rPr>
+              <a:t>. </a:t>
+            </a:r>
+          </a:p>
+          <a:p>
             <a:endParaRPr lang="it-IT" dirty="0"/>
           </a:p>
         </p:txBody>
@@ -540,6 +997,4298 @@
           <a:p>
             <a:fld id="{7C4D90DB-0CD3-2A49-91F8-5405B70E64A8}" type="slidenum">
               <a:rPr lang="it-IT" smtClean="0"/>
+              <a:t>2</a:t>
+            </a:fld>
+            <a:endParaRPr lang="it-IT"/>
+          </a:p>
+        </p:txBody>
+      </p:sp>
+    </p:spTree>
+    <p:extLst>
+      <p:ext uri="{BB962C8B-B14F-4D97-AF65-F5344CB8AC3E}">
+        <p14:creationId xmlns:p14="http://schemas.microsoft.com/office/powerpoint/2010/main" val="2511265385"/>
+      </p:ext>
+    </p:extLst>
+  </p:cSld>
+  <p:clrMapOvr>
+    <a:masterClrMapping/>
+  </p:clrMapOvr>
+</p:notes>
+</file>
+
+<file path=ppt/notesSlides/notesSlide10.xml><?xml version="1.0" encoding="utf-8"?>
+<p:notes xmlns:a="http://schemas.openxmlformats.org/drawingml/2006/main" xmlns:r="http://schemas.openxmlformats.org/officeDocument/2006/relationships" xmlns:p="http://schemas.openxmlformats.org/presentationml/2006/main">
+  <p:cSld>
+    <p:spTree>
+      <p:nvGrpSpPr>
+        <p:cNvPr id="1" name=""/>
+        <p:cNvGrpSpPr/>
+        <p:nvPr/>
+      </p:nvGrpSpPr>
+      <p:grpSpPr>
+        <a:xfrm>
+          <a:off x="0" y="0"/>
+          <a:ext cx="0" cy="0"/>
+          <a:chOff x="0" y="0"/>
+          <a:chExt cx="0" cy="0"/>
+        </a:xfrm>
+      </p:grpSpPr>
+      <p:sp>
+        <p:nvSpPr>
+          <p:cNvPr id="2" name="Segnaposto immagine diapositiva 1"/>
+          <p:cNvSpPr>
+            <a:spLocks noGrp="1" noRot="1" noChangeAspect="1"/>
+          </p:cNvSpPr>
+          <p:nvPr>
+            <p:ph type="sldImg"/>
+          </p:nvPr>
+        </p:nvSpPr>
+        <p:spPr/>
+      </p:sp>
+      <p:sp>
+        <p:nvSpPr>
+          <p:cNvPr id="3" name="Segnaposto note 2"/>
+          <p:cNvSpPr>
+            <a:spLocks noGrp="1"/>
+          </p:cNvSpPr>
+          <p:nvPr>
+            <p:ph type="body" idx="1"/>
+          </p:nvPr>
+        </p:nvSpPr>
+        <p:spPr/>
+        <p:txBody>
+          <a:bodyPr/>
+          <a:lstStyle/>
+          <a:p>
+            <a:r>
+              <a:rPr lang="it-IT" dirty="0" err="1">
+                <a:effectLst/>
+                <a:latin typeface="Helvetica Neue" panose="02000503000000020004" pitchFamily="2" charset="0"/>
+              </a:rPr>
+              <a:t>Finally</a:t>
+            </a:r>
+            <a:r>
+              <a:rPr lang="it-IT" dirty="0">
+                <a:effectLst/>
+                <a:latin typeface="Helvetica Neue" panose="02000503000000020004" pitchFamily="2" charset="0"/>
+              </a:rPr>
+              <a:t>, I </a:t>
+            </a:r>
+            <a:r>
+              <a:rPr lang="it-IT" dirty="0" err="1">
+                <a:effectLst/>
+                <a:latin typeface="Helvetica Neue" panose="02000503000000020004" pitchFamily="2" charset="0"/>
+              </a:rPr>
+              <a:t>created</a:t>
+            </a:r>
+            <a:r>
+              <a:rPr lang="it-IT" dirty="0">
+                <a:effectLst/>
+                <a:latin typeface="Helvetica Neue" panose="02000503000000020004" pitchFamily="2" charset="0"/>
+              </a:rPr>
+              <a:t> an </a:t>
+            </a:r>
+            <a:r>
+              <a:rPr lang="it-IT" dirty="0" err="1">
+                <a:effectLst/>
+                <a:latin typeface="Helvetica Neue" panose="02000503000000020004" pitchFamily="2" charset="0"/>
+              </a:rPr>
+              <a:t>animated</a:t>
+            </a:r>
+            <a:r>
+              <a:rPr lang="it-IT" dirty="0">
+                <a:effectLst/>
+                <a:latin typeface="Helvetica Neue" panose="02000503000000020004" pitchFamily="2" charset="0"/>
+              </a:rPr>
+              <a:t> </a:t>
+            </a:r>
+            <a:r>
+              <a:rPr lang="it-IT" dirty="0" err="1">
+                <a:effectLst/>
+                <a:latin typeface="Helvetica Neue" panose="02000503000000020004" pitchFamily="2" charset="0"/>
+              </a:rPr>
+              <a:t>heatmap</a:t>
+            </a:r>
+            <a:r>
+              <a:rPr lang="it-IT" dirty="0">
+                <a:effectLst/>
+                <a:latin typeface="Helvetica Neue" panose="02000503000000020004" pitchFamily="2" charset="0"/>
+              </a:rPr>
+              <a:t> </a:t>
+            </a:r>
+            <a:r>
+              <a:rPr lang="it-IT" dirty="0" err="1">
+                <a:effectLst/>
+                <a:latin typeface="Helvetica Neue" panose="02000503000000020004" pitchFamily="2" charset="0"/>
+              </a:rPr>
+              <a:t>that</a:t>
+            </a:r>
+            <a:r>
+              <a:rPr lang="it-IT" dirty="0">
+                <a:effectLst/>
+                <a:latin typeface="Helvetica Neue" panose="02000503000000020004" pitchFamily="2" charset="0"/>
+              </a:rPr>
+              <a:t> shows the </a:t>
+            </a:r>
+            <a:r>
+              <a:rPr lang="it-IT" dirty="0" err="1">
+                <a:effectLst/>
+                <a:latin typeface="Helvetica Neue" panose="02000503000000020004" pitchFamily="2" charset="0"/>
+              </a:rPr>
+              <a:t>number</a:t>
+            </a:r>
+            <a:r>
+              <a:rPr lang="it-IT" dirty="0">
+                <a:effectLst/>
+                <a:latin typeface="Helvetica Neue" panose="02000503000000020004" pitchFamily="2" charset="0"/>
+              </a:rPr>
+              <a:t> of </a:t>
+            </a:r>
+            <a:r>
+              <a:rPr lang="it-IT" dirty="0" err="1">
+                <a:effectLst/>
+                <a:latin typeface="Helvetica Neue" panose="02000503000000020004" pitchFamily="2" charset="0"/>
+              </a:rPr>
+              <a:t>victories</a:t>
+            </a:r>
+            <a:r>
+              <a:rPr lang="it-IT" dirty="0">
+                <a:effectLst/>
+                <a:latin typeface="Helvetica Neue" panose="02000503000000020004" pitchFamily="2" charset="0"/>
+              </a:rPr>
+              <a:t> per </a:t>
+            </a:r>
+            <a:r>
+              <a:rPr lang="it-IT" dirty="0" err="1">
+                <a:effectLst/>
+                <a:latin typeface="Helvetica Neue" panose="02000503000000020004" pitchFamily="2" charset="0"/>
+              </a:rPr>
+              <a:t>epoch</a:t>
+            </a:r>
+            <a:r>
+              <a:rPr lang="it-IT" dirty="0">
+                <a:effectLst/>
+                <a:latin typeface="Helvetica Neue" panose="02000503000000020004" pitchFamily="2" charset="0"/>
+              </a:rPr>
+              <a:t> in relation to the </a:t>
+            </a:r>
+            <a:r>
+              <a:rPr lang="it-IT" dirty="0" err="1">
+                <a:effectLst/>
+                <a:latin typeface="Helvetica Neue" panose="02000503000000020004" pitchFamily="2" charset="0"/>
+              </a:rPr>
+              <a:t>two</a:t>
+            </a:r>
+            <a:r>
+              <a:rPr lang="it-IT" dirty="0">
+                <a:effectLst/>
+                <a:latin typeface="Helvetica Neue" panose="02000503000000020004" pitchFamily="2" charset="0"/>
+              </a:rPr>
+              <a:t> </a:t>
+            </a:r>
+            <a:r>
+              <a:rPr lang="it-IT" dirty="0" err="1">
+                <a:effectLst/>
+                <a:latin typeface="Helvetica Neue" panose="02000503000000020004" pitchFamily="2" charset="0"/>
+              </a:rPr>
+              <a:t>genome</a:t>
+            </a:r>
+            <a:r>
+              <a:rPr lang="it-IT" dirty="0">
+                <a:effectLst/>
+                <a:latin typeface="Helvetica Neue" panose="02000503000000020004" pitchFamily="2" charset="0"/>
+              </a:rPr>
+              <a:t> </a:t>
+            </a:r>
+            <a:r>
+              <a:rPr lang="it-IT" dirty="0" err="1">
+                <a:effectLst/>
+                <a:latin typeface="Helvetica Neue" panose="02000503000000020004" pitchFamily="2" charset="0"/>
+              </a:rPr>
+              <a:t>attributes</a:t>
+            </a:r>
+            <a:r>
+              <a:rPr lang="it-IT" dirty="0">
+                <a:effectLst/>
+                <a:latin typeface="Helvetica Neue" panose="02000503000000020004" pitchFamily="2" charset="0"/>
+              </a:rPr>
+              <a:t>. On the x-</a:t>
+            </a:r>
+            <a:r>
+              <a:rPr lang="it-IT" dirty="0" err="1">
+                <a:effectLst/>
+                <a:latin typeface="Helvetica Neue" panose="02000503000000020004" pitchFamily="2" charset="0"/>
+              </a:rPr>
+              <a:t>axis</a:t>
+            </a:r>
+            <a:r>
+              <a:rPr lang="it-IT" dirty="0">
+                <a:effectLst/>
+                <a:latin typeface="Helvetica Neue" panose="02000503000000020004" pitchFamily="2" charset="0"/>
+              </a:rPr>
+              <a:t>, </a:t>
+            </a:r>
+            <a:r>
+              <a:rPr lang="it-IT" dirty="0" err="1">
+                <a:effectLst/>
+                <a:latin typeface="Helvetica Neue" panose="02000503000000020004" pitchFamily="2" charset="0"/>
+              </a:rPr>
+              <a:t>we</a:t>
+            </a:r>
+            <a:r>
+              <a:rPr lang="it-IT" dirty="0">
+                <a:effectLst/>
+                <a:latin typeface="Helvetica Neue" panose="02000503000000020004" pitchFamily="2" charset="0"/>
+              </a:rPr>
+              <a:t> </a:t>
+            </a:r>
+            <a:r>
+              <a:rPr lang="it-IT" dirty="0" err="1">
+                <a:effectLst/>
+                <a:latin typeface="Helvetica Neue" panose="02000503000000020004" pitchFamily="2" charset="0"/>
+              </a:rPr>
+              <a:t>have</a:t>
+            </a:r>
+            <a:r>
+              <a:rPr lang="it-IT" dirty="0">
+                <a:effectLst/>
+                <a:latin typeface="Helvetica Neue" panose="02000503000000020004" pitchFamily="2" charset="0"/>
+              </a:rPr>
+              <a:t> the target </a:t>
+            </a:r>
+            <a:r>
+              <a:rPr lang="it-IT" dirty="0" err="1">
+                <a:effectLst/>
+                <a:latin typeface="Helvetica Neue" panose="02000503000000020004" pitchFamily="2" charset="0"/>
+              </a:rPr>
+              <a:t>preference</a:t>
+            </a:r>
+            <a:r>
+              <a:rPr lang="it-IT" dirty="0">
+                <a:effectLst/>
+                <a:latin typeface="Helvetica Neue" panose="02000503000000020004" pitchFamily="2" charset="0"/>
+              </a:rPr>
+              <a:t>, and on the y-</a:t>
+            </a:r>
+            <a:r>
+              <a:rPr lang="it-IT" dirty="0" err="1">
+                <a:effectLst/>
+                <a:latin typeface="Helvetica Neue" panose="02000503000000020004" pitchFamily="2" charset="0"/>
+              </a:rPr>
+              <a:t>axis</a:t>
+            </a:r>
+            <a:r>
+              <a:rPr lang="it-IT" dirty="0">
+                <a:effectLst/>
+                <a:latin typeface="Helvetica Neue" panose="02000503000000020004" pitchFamily="2" charset="0"/>
+              </a:rPr>
+              <a:t>, </a:t>
+            </a:r>
+            <a:r>
+              <a:rPr lang="it-IT" dirty="0" err="1">
+                <a:effectLst/>
+                <a:latin typeface="Helvetica Neue" panose="02000503000000020004" pitchFamily="2" charset="0"/>
+              </a:rPr>
+              <a:t>we</a:t>
+            </a:r>
+            <a:r>
+              <a:rPr lang="it-IT" dirty="0">
+                <a:effectLst/>
+                <a:latin typeface="Helvetica Neue" panose="02000503000000020004" pitchFamily="2" charset="0"/>
+              </a:rPr>
+              <a:t> </a:t>
+            </a:r>
+            <a:r>
+              <a:rPr lang="it-IT" dirty="0" err="1">
+                <a:effectLst/>
+                <a:latin typeface="Helvetica Neue" panose="02000503000000020004" pitchFamily="2" charset="0"/>
+              </a:rPr>
+              <a:t>have</a:t>
+            </a:r>
+            <a:r>
+              <a:rPr lang="it-IT" dirty="0">
+                <a:effectLst/>
+                <a:latin typeface="Helvetica Neue" panose="02000503000000020004" pitchFamily="2" charset="0"/>
+              </a:rPr>
+              <a:t> the target range. The </a:t>
+            </a:r>
+            <a:r>
+              <a:rPr lang="it-IT" dirty="0" err="1">
+                <a:effectLst/>
+                <a:latin typeface="Helvetica Neue" panose="02000503000000020004" pitchFamily="2" charset="0"/>
+              </a:rPr>
+              <a:t>value</a:t>
+            </a:r>
+            <a:r>
+              <a:rPr lang="it-IT" dirty="0">
+                <a:effectLst/>
+                <a:latin typeface="Helvetica Neue" panose="02000503000000020004" pitchFamily="2" charset="0"/>
+              </a:rPr>
+              <a:t> of </a:t>
+            </a:r>
+            <a:r>
+              <a:rPr lang="it-IT" dirty="0" err="1">
+                <a:effectLst/>
+                <a:latin typeface="Helvetica Neue" panose="02000503000000020004" pitchFamily="2" charset="0"/>
+              </a:rPr>
+              <a:t>each</a:t>
+            </a:r>
+            <a:r>
+              <a:rPr lang="it-IT" dirty="0">
+                <a:effectLst/>
+                <a:latin typeface="Helvetica Neue" panose="02000503000000020004" pitchFamily="2" charset="0"/>
+              </a:rPr>
+              <a:t> </a:t>
+            </a:r>
+            <a:r>
+              <a:rPr lang="it-IT" dirty="0" err="1">
+                <a:effectLst/>
+                <a:latin typeface="Helvetica Neue" panose="02000503000000020004" pitchFamily="2" charset="0"/>
+              </a:rPr>
+              <a:t>cell</a:t>
+            </a:r>
+            <a:r>
+              <a:rPr lang="it-IT" dirty="0">
+                <a:effectLst/>
+                <a:latin typeface="Helvetica Neue" panose="02000503000000020004" pitchFamily="2" charset="0"/>
+              </a:rPr>
+              <a:t> </a:t>
+            </a:r>
+            <a:r>
+              <a:rPr lang="it-IT" dirty="0" err="1">
+                <a:effectLst/>
+                <a:latin typeface="Helvetica Neue" panose="02000503000000020004" pitchFamily="2" charset="0"/>
+              </a:rPr>
+              <a:t>represents</a:t>
+            </a:r>
+            <a:r>
+              <a:rPr lang="it-IT" dirty="0">
+                <a:effectLst/>
+                <a:latin typeface="Helvetica Neue" panose="02000503000000020004" pitchFamily="2" charset="0"/>
+              </a:rPr>
+              <a:t> the </a:t>
+            </a:r>
+            <a:r>
+              <a:rPr lang="it-IT" dirty="0" err="1">
+                <a:effectLst/>
+                <a:latin typeface="Helvetica Neue" panose="02000503000000020004" pitchFamily="2" charset="0"/>
+              </a:rPr>
+              <a:t>number</a:t>
+            </a:r>
+            <a:r>
+              <a:rPr lang="it-IT" dirty="0">
+                <a:effectLst/>
+                <a:latin typeface="Helvetica Neue" panose="02000503000000020004" pitchFamily="2" charset="0"/>
+              </a:rPr>
+              <a:t> of </a:t>
+            </a:r>
+            <a:r>
+              <a:rPr lang="it-IT" dirty="0" err="1">
+                <a:effectLst/>
+                <a:latin typeface="Helvetica Neue" panose="02000503000000020004" pitchFamily="2" charset="0"/>
+              </a:rPr>
+              <a:t>victories</a:t>
+            </a:r>
+            <a:r>
+              <a:rPr lang="it-IT" dirty="0">
+                <a:effectLst/>
+                <a:latin typeface="Helvetica Neue" panose="02000503000000020004" pitchFamily="2" charset="0"/>
+              </a:rPr>
+              <a:t> for </a:t>
+            </a:r>
+            <a:r>
+              <a:rPr lang="it-IT" dirty="0" err="1">
+                <a:effectLst/>
+                <a:latin typeface="Helvetica Neue" panose="02000503000000020004" pitchFamily="2" charset="0"/>
+              </a:rPr>
+              <a:t>individuals</a:t>
+            </a:r>
+            <a:r>
+              <a:rPr lang="it-IT" dirty="0">
+                <a:effectLst/>
+                <a:latin typeface="Helvetica Neue" panose="02000503000000020004" pitchFamily="2" charset="0"/>
+              </a:rPr>
+              <a:t> with </a:t>
+            </a:r>
+            <a:r>
+              <a:rPr lang="it-IT" dirty="0" err="1">
+                <a:effectLst/>
+                <a:latin typeface="Helvetica Neue" panose="02000503000000020004" pitchFamily="2" charset="0"/>
+              </a:rPr>
+              <a:t>that</a:t>
+            </a:r>
+            <a:r>
+              <a:rPr lang="it-IT" dirty="0">
+                <a:effectLst/>
+                <a:latin typeface="Helvetica Neue" panose="02000503000000020004" pitchFamily="2" charset="0"/>
+              </a:rPr>
+              <a:t> </a:t>
+            </a:r>
+            <a:r>
+              <a:rPr lang="it-IT" dirty="0" err="1">
+                <a:effectLst/>
+                <a:latin typeface="Helvetica Neue" panose="02000503000000020004" pitchFamily="2" charset="0"/>
+              </a:rPr>
+              <a:t>specific</a:t>
+            </a:r>
+            <a:r>
+              <a:rPr lang="it-IT" dirty="0">
+                <a:effectLst/>
+                <a:latin typeface="Helvetica Neue" panose="02000503000000020004" pitchFamily="2" charset="0"/>
+              </a:rPr>
+              <a:t> </a:t>
+            </a:r>
+            <a:r>
+              <a:rPr lang="it-IT" dirty="0" err="1">
+                <a:effectLst/>
+                <a:latin typeface="Helvetica Neue" panose="02000503000000020004" pitchFamily="2" charset="0"/>
+              </a:rPr>
+              <a:t>genome</a:t>
+            </a:r>
+            <a:r>
+              <a:rPr lang="it-IT" dirty="0">
+                <a:effectLst/>
+                <a:latin typeface="Helvetica Neue" panose="02000503000000020004" pitchFamily="2" charset="0"/>
+              </a:rPr>
+              <a:t> </a:t>
+            </a:r>
+            <a:r>
+              <a:rPr lang="it-IT" dirty="0" err="1">
+                <a:effectLst/>
+                <a:latin typeface="Helvetica Neue" panose="02000503000000020004" pitchFamily="2" charset="0"/>
+              </a:rPr>
+              <a:t>configuration</a:t>
+            </a:r>
+            <a:r>
+              <a:rPr lang="it-IT" dirty="0">
+                <a:effectLst/>
+                <a:latin typeface="Helvetica Neue" panose="02000503000000020004" pitchFamily="2" charset="0"/>
+              </a:rPr>
+              <a:t>.</a:t>
+            </a:r>
+          </a:p>
+          <a:p>
+            <a:endParaRPr lang="it-IT" dirty="0">
+              <a:effectLst/>
+              <a:latin typeface="Helvetica Neue" panose="02000503000000020004" pitchFamily="2" charset="0"/>
+            </a:endParaRPr>
+          </a:p>
+        </p:txBody>
+      </p:sp>
+      <p:sp>
+        <p:nvSpPr>
+          <p:cNvPr id="4" name="Segnaposto numero diapositiva 3"/>
+          <p:cNvSpPr>
+            <a:spLocks noGrp="1"/>
+          </p:cNvSpPr>
+          <p:nvPr>
+            <p:ph type="sldNum" sz="quarter" idx="5"/>
+          </p:nvPr>
+        </p:nvSpPr>
+        <p:spPr/>
+        <p:txBody>
+          <a:bodyPr/>
+          <a:lstStyle/>
+          <a:p>
+            <a:fld id="{7C4D90DB-0CD3-2A49-91F8-5405B70E64A8}" type="slidenum">
+              <a:rPr lang="it-IT" smtClean="0"/>
+              <a:t>11</a:t>
+            </a:fld>
+            <a:endParaRPr lang="it-IT"/>
+          </a:p>
+        </p:txBody>
+      </p:sp>
+    </p:spTree>
+    <p:extLst>
+      <p:ext uri="{BB962C8B-B14F-4D97-AF65-F5344CB8AC3E}">
+        <p14:creationId xmlns:p14="http://schemas.microsoft.com/office/powerpoint/2010/main" val="4111478941"/>
+      </p:ext>
+    </p:extLst>
+  </p:cSld>
+  <p:clrMapOvr>
+    <a:masterClrMapping/>
+  </p:clrMapOvr>
+</p:notes>
+</file>
+
+<file path=ppt/notesSlides/notesSlide2.xml><?xml version="1.0" encoding="utf-8"?>
+<p:notes xmlns:a="http://schemas.openxmlformats.org/drawingml/2006/main" xmlns:r="http://schemas.openxmlformats.org/officeDocument/2006/relationships" xmlns:p="http://schemas.openxmlformats.org/presentationml/2006/main">
+  <p:cSld>
+    <p:spTree>
+      <p:nvGrpSpPr>
+        <p:cNvPr id="1" name=""/>
+        <p:cNvGrpSpPr/>
+        <p:nvPr/>
+      </p:nvGrpSpPr>
+      <p:grpSpPr>
+        <a:xfrm>
+          <a:off x="0" y="0"/>
+          <a:ext cx="0" cy="0"/>
+          <a:chOff x="0" y="0"/>
+          <a:chExt cx="0" cy="0"/>
+        </a:xfrm>
+      </p:grpSpPr>
+      <p:sp>
+        <p:nvSpPr>
+          <p:cNvPr id="2" name="Segnaposto immagine diapositiva 1"/>
+          <p:cNvSpPr>
+            <a:spLocks noGrp="1" noRot="1" noChangeAspect="1"/>
+          </p:cNvSpPr>
+          <p:nvPr>
+            <p:ph type="sldImg"/>
+          </p:nvPr>
+        </p:nvSpPr>
+        <p:spPr/>
+      </p:sp>
+      <p:sp>
+        <p:nvSpPr>
+          <p:cNvPr id="3" name="Segnaposto note 2"/>
+          <p:cNvSpPr>
+            <a:spLocks noGrp="1"/>
+          </p:cNvSpPr>
+          <p:nvPr>
+            <p:ph type="body" idx="1"/>
+          </p:nvPr>
+        </p:nvSpPr>
+        <p:spPr/>
+        <p:txBody>
+          <a:bodyPr/>
+          <a:lstStyle/>
+          <a:p>
+            <a:r>
+              <a:rPr lang="it-IT" dirty="0">
+                <a:effectLst/>
+                <a:latin typeface="Helvetica Neue" panose="02000503000000020004" pitchFamily="2" charset="0"/>
+              </a:rPr>
+              <a:t>The </a:t>
+            </a:r>
+            <a:r>
+              <a:rPr lang="it-IT" dirty="0" err="1">
+                <a:effectLst/>
+                <a:latin typeface="Helvetica Neue" panose="02000503000000020004" pitchFamily="2" charset="0"/>
+              </a:rPr>
+              <a:t>genome</a:t>
+            </a:r>
+            <a:r>
+              <a:rPr lang="it-IT" dirty="0">
+                <a:effectLst/>
+                <a:latin typeface="Helvetica Neue" panose="02000503000000020004" pitchFamily="2" charset="0"/>
+              </a:rPr>
+              <a:t> </a:t>
+            </a:r>
+            <a:r>
+              <a:rPr lang="it-IT" dirty="0" err="1">
+                <a:effectLst/>
+                <a:latin typeface="Helvetica Neue" panose="02000503000000020004" pitchFamily="2" charset="0"/>
+              </a:rPr>
+              <a:t>consists</a:t>
+            </a:r>
+            <a:r>
+              <a:rPr lang="it-IT" dirty="0">
+                <a:effectLst/>
+                <a:latin typeface="Helvetica Neue" panose="02000503000000020004" pitchFamily="2" charset="0"/>
+              </a:rPr>
+              <a:t> of </a:t>
+            </a:r>
+            <a:r>
+              <a:rPr lang="it-IT" dirty="0" err="1">
+                <a:effectLst/>
+                <a:latin typeface="Helvetica Neue" panose="02000503000000020004" pitchFamily="2" charset="0"/>
+              </a:rPr>
+              <a:t>two</a:t>
+            </a:r>
+            <a:r>
+              <a:rPr lang="it-IT" dirty="0">
+                <a:effectLst/>
+                <a:latin typeface="Helvetica Neue" panose="02000503000000020004" pitchFamily="2" charset="0"/>
+              </a:rPr>
+              <a:t> </a:t>
+            </a:r>
+            <a:r>
+              <a:rPr lang="it-IT" dirty="0" err="1">
+                <a:effectLst/>
+                <a:latin typeface="Helvetica Neue" panose="02000503000000020004" pitchFamily="2" charset="0"/>
+              </a:rPr>
+              <a:t>attributes</a:t>
+            </a:r>
+            <a:r>
+              <a:rPr lang="it-IT" dirty="0">
+                <a:effectLst/>
+                <a:latin typeface="Helvetica Neue" panose="02000503000000020004" pitchFamily="2" charset="0"/>
+              </a:rPr>
+              <a:t>: </a:t>
+            </a:r>
+            <a:r>
+              <a:rPr lang="it-IT" dirty="0" err="1">
+                <a:effectLst/>
+                <a:latin typeface="Helvetica Neue" panose="02000503000000020004" pitchFamily="2" charset="0"/>
+              </a:rPr>
+              <a:t>target_preference</a:t>
+            </a:r>
+            <a:r>
+              <a:rPr lang="it-IT" dirty="0">
+                <a:effectLst/>
+                <a:latin typeface="Helvetica Neue" panose="02000503000000020004" pitchFamily="2" charset="0"/>
+              </a:rPr>
+              <a:t> and </a:t>
+            </a:r>
+            <a:r>
+              <a:rPr lang="it-IT" dirty="0" err="1">
+                <a:effectLst/>
+                <a:latin typeface="Helvetica Neue" panose="02000503000000020004" pitchFamily="2" charset="0"/>
+              </a:rPr>
+              <a:t>target_range</a:t>
+            </a:r>
+            <a:r>
+              <a:rPr lang="it-IT" dirty="0">
+                <a:effectLst/>
+                <a:latin typeface="Helvetica Neue" panose="02000503000000020004" pitchFamily="2" charset="0"/>
+              </a:rPr>
+              <a:t>.</a:t>
+            </a:r>
+          </a:p>
+          <a:p>
+            <a:br>
+              <a:rPr lang="it-IT" dirty="0">
+                <a:effectLst/>
+                <a:latin typeface="Helvetica Neue" panose="02000503000000020004" pitchFamily="2" charset="0"/>
+              </a:rPr>
+            </a:br>
+            <a:endParaRPr lang="it-IT" dirty="0">
+              <a:effectLst/>
+              <a:latin typeface="Helvetica Neue" panose="02000503000000020004" pitchFamily="2" charset="0"/>
+            </a:endParaRPr>
+          </a:p>
+          <a:p>
+            <a:r>
+              <a:rPr lang="it-IT" dirty="0" err="1">
+                <a:effectLst/>
+                <a:latin typeface="Helvetica Neue" panose="02000503000000020004" pitchFamily="2" charset="0"/>
+              </a:rPr>
+              <a:t>Target_preference</a:t>
+            </a:r>
+            <a:r>
+              <a:rPr lang="it-IT" dirty="0">
+                <a:effectLst/>
+                <a:latin typeface="Helvetica Neue" panose="02000503000000020004" pitchFamily="2" charset="0"/>
+              </a:rPr>
+              <a:t> </a:t>
+            </a:r>
+            <a:r>
+              <a:rPr lang="it-IT" dirty="0" err="1">
+                <a:effectLst/>
+                <a:latin typeface="Helvetica Neue" panose="02000503000000020004" pitchFamily="2" charset="0"/>
+              </a:rPr>
+              <a:t>represents</a:t>
+            </a:r>
+            <a:r>
+              <a:rPr lang="it-IT" dirty="0">
+                <a:effectLst/>
+                <a:latin typeface="Helvetica Neue" panose="02000503000000020004" pitchFamily="2" charset="0"/>
+              </a:rPr>
+              <a:t> an </a:t>
+            </a:r>
+            <a:r>
+              <a:rPr lang="it-IT" dirty="0" err="1">
+                <a:effectLst/>
+                <a:latin typeface="Helvetica Neue" panose="02000503000000020004" pitchFamily="2" charset="0"/>
+              </a:rPr>
+              <a:t>individual's</a:t>
+            </a:r>
+            <a:r>
+              <a:rPr lang="it-IT" dirty="0">
+                <a:effectLst/>
+                <a:latin typeface="Helvetica Neue" panose="02000503000000020004" pitchFamily="2" charset="0"/>
+              </a:rPr>
+              <a:t> </a:t>
+            </a:r>
+            <a:r>
+              <a:rPr lang="it-IT" dirty="0" err="1">
+                <a:effectLst/>
+                <a:latin typeface="Helvetica Neue" panose="02000503000000020004" pitchFamily="2" charset="0"/>
+              </a:rPr>
+              <a:t>inclination</a:t>
+            </a:r>
+            <a:r>
+              <a:rPr lang="it-IT" dirty="0">
+                <a:effectLst/>
+                <a:latin typeface="Helvetica Neue" panose="02000503000000020004" pitchFamily="2" charset="0"/>
+              </a:rPr>
+              <a:t> to </a:t>
+            </a:r>
+            <a:r>
+              <a:rPr lang="it-IT" dirty="0" err="1">
+                <a:effectLst/>
+                <a:latin typeface="Helvetica Neue" panose="02000503000000020004" pitchFamily="2" charset="0"/>
+              </a:rPr>
+              <a:t>aim</a:t>
+            </a:r>
+            <a:r>
+              <a:rPr lang="it-IT" dirty="0">
+                <a:effectLst/>
+                <a:latin typeface="Helvetica Neue" panose="02000503000000020004" pitchFamily="2" charset="0"/>
+              </a:rPr>
+              <a:t> for a </a:t>
+            </a:r>
+            <a:r>
+              <a:rPr lang="it-IT" dirty="0" err="1">
+                <a:effectLst/>
+                <a:latin typeface="Helvetica Neue" panose="02000503000000020004" pitchFamily="2" charset="0"/>
+              </a:rPr>
+              <a:t>specific</a:t>
+            </a:r>
+            <a:r>
+              <a:rPr lang="it-IT" dirty="0">
+                <a:effectLst/>
+                <a:latin typeface="Helvetica Neue" panose="02000503000000020004" pitchFamily="2" charset="0"/>
+              </a:rPr>
+              <a:t> </a:t>
+            </a:r>
+            <a:r>
+              <a:rPr lang="it-IT" dirty="0" err="1">
+                <a:effectLst/>
+                <a:latin typeface="Helvetica Neue" panose="02000503000000020004" pitchFamily="2" charset="0"/>
+              </a:rPr>
+              <a:t>nim_sum</a:t>
+            </a:r>
+            <a:r>
+              <a:rPr lang="it-IT" dirty="0">
+                <a:effectLst/>
+                <a:latin typeface="Helvetica Neue" panose="02000503000000020004" pitchFamily="2" charset="0"/>
+              </a:rPr>
+              <a:t> </a:t>
+            </a:r>
+            <a:r>
+              <a:rPr lang="it-IT" dirty="0" err="1">
+                <a:effectLst/>
+                <a:latin typeface="Helvetica Neue" panose="02000503000000020004" pitchFamily="2" charset="0"/>
+              </a:rPr>
+              <a:t>value</a:t>
+            </a:r>
+            <a:r>
+              <a:rPr lang="it-IT" dirty="0">
+                <a:effectLst/>
+                <a:latin typeface="Helvetica Neue" panose="02000503000000020004" pitchFamily="2" charset="0"/>
+              </a:rPr>
+              <a:t> after making a </a:t>
+            </a:r>
+            <a:r>
+              <a:rPr lang="it-IT" dirty="0" err="1">
+                <a:effectLst/>
+                <a:latin typeface="Helvetica Neue" panose="02000503000000020004" pitchFamily="2" charset="0"/>
+              </a:rPr>
+              <a:t>move</a:t>
+            </a:r>
+            <a:r>
+              <a:rPr lang="it-IT" dirty="0">
+                <a:effectLst/>
+                <a:latin typeface="Helvetica Neue" panose="02000503000000020004" pitchFamily="2" charset="0"/>
+              </a:rPr>
+              <a:t>, </a:t>
+            </a:r>
+            <a:r>
+              <a:rPr lang="it-IT" dirty="0" err="1">
+                <a:effectLst/>
+                <a:latin typeface="Helvetica Neue" panose="02000503000000020004" pitchFamily="2" charset="0"/>
+              </a:rPr>
+              <a:t>expressed</a:t>
+            </a:r>
+            <a:r>
+              <a:rPr lang="it-IT" dirty="0">
+                <a:effectLst/>
+                <a:latin typeface="Helvetica Neue" panose="02000503000000020004" pitchFamily="2" charset="0"/>
+              </a:rPr>
+              <a:t> </a:t>
+            </a:r>
+            <a:r>
+              <a:rPr lang="it-IT" dirty="0" err="1">
+                <a:effectLst/>
+                <a:latin typeface="Helvetica Neue" panose="02000503000000020004" pitchFamily="2" charset="0"/>
+              </a:rPr>
+              <a:t>as</a:t>
+            </a:r>
+            <a:r>
+              <a:rPr lang="it-IT" dirty="0">
+                <a:effectLst/>
+                <a:latin typeface="Helvetica Neue" panose="02000503000000020004" pitchFamily="2" charset="0"/>
+              </a:rPr>
+              <a:t> a random float </a:t>
+            </a:r>
+            <a:r>
+              <a:rPr lang="it-IT" dirty="0" err="1">
+                <a:effectLst/>
+                <a:latin typeface="Helvetica Neue" panose="02000503000000020004" pitchFamily="2" charset="0"/>
+              </a:rPr>
+              <a:t>between</a:t>
+            </a:r>
+            <a:r>
+              <a:rPr lang="it-IT" dirty="0">
+                <a:effectLst/>
+                <a:latin typeface="Helvetica Neue" panose="02000503000000020004" pitchFamily="2" charset="0"/>
+              </a:rPr>
+              <a:t> 0 and 1.</a:t>
+            </a:r>
+          </a:p>
+          <a:p>
+            <a:br>
+              <a:rPr lang="it-IT" dirty="0">
+                <a:effectLst/>
+                <a:latin typeface="Helvetica Neue" panose="02000503000000020004" pitchFamily="2" charset="0"/>
+              </a:rPr>
+            </a:br>
+            <a:endParaRPr lang="it-IT" dirty="0">
+              <a:effectLst/>
+              <a:latin typeface="Helvetica Neue" panose="02000503000000020004" pitchFamily="2" charset="0"/>
+            </a:endParaRPr>
+          </a:p>
+          <a:p>
+            <a:r>
+              <a:rPr lang="it-IT" dirty="0" err="1">
+                <a:effectLst/>
+                <a:latin typeface="Helvetica Neue" panose="02000503000000020004" pitchFamily="2" charset="0"/>
+              </a:rPr>
+              <a:t>Target_range</a:t>
+            </a:r>
+            <a:r>
+              <a:rPr lang="it-IT" dirty="0">
+                <a:effectLst/>
+                <a:latin typeface="Helvetica Neue" panose="02000503000000020004" pitchFamily="2" charset="0"/>
+              </a:rPr>
+              <a:t> </a:t>
+            </a:r>
+            <a:r>
+              <a:rPr lang="it-IT" dirty="0" err="1">
+                <a:effectLst/>
+                <a:latin typeface="Helvetica Neue" panose="02000503000000020004" pitchFamily="2" charset="0"/>
+              </a:rPr>
+              <a:t>defines</a:t>
+            </a:r>
+            <a:r>
+              <a:rPr lang="it-IT" dirty="0">
+                <a:effectLst/>
+                <a:latin typeface="Helvetica Neue" panose="02000503000000020004" pitchFamily="2" charset="0"/>
+              </a:rPr>
+              <a:t> the range of </a:t>
+            </a:r>
+            <a:r>
+              <a:rPr lang="it-IT" dirty="0" err="1">
+                <a:effectLst/>
+                <a:latin typeface="Helvetica Neue" panose="02000503000000020004" pitchFamily="2" charset="0"/>
+              </a:rPr>
+              <a:t>acceptable</a:t>
+            </a:r>
+            <a:r>
+              <a:rPr lang="it-IT" dirty="0">
+                <a:effectLst/>
+                <a:latin typeface="Helvetica Neue" panose="02000503000000020004" pitchFamily="2" charset="0"/>
+              </a:rPr>
+              <a:t> </a:t>
+            </a:r>
+            <a:r>
+              <a:rPr lang="it-IT" dirty="0" err="1">
+                <a:effectLst/>
+                <a:latin typeface="Helvetica Neue" panose="02000503000000020004" pitchFamily="2" charset="0"/>
+              </a:rPr>
+              <a:t>nim_sum</a:t>
+            </a:r>
+            <a:r>
+              <a:rPr lang="it-IT" dirty="0">
+                <a:effectLst/>
+                <a:latin typeface="Helvetica Neue" panose="02000503000000020004" pitchFamily="2" charset="0"/>
+              </a:rPr>
+              <a:t> </a:t>
+            </a:r>
+            <a:r>
+              <a:rPr lang="it-IT" dirty="0" err="1">
+                <a:effectLst/>
+                <a:latin typeface="Helvetica Neue" panose="02000503000000020004" pitchFamily="2" charset="0"/>
+              </a:rPr>
+              <a:t>values</a:t>
+            </a:r>
+            <a:r>
+              <a:rPr lang="it-IT" dirty="0">
+                <a:effectLst/>
+                <a:latin typeface="Helvetica Neue" panose="02000503000000020004" pitchFamily="2" charset="0"/>
+              </a:rPr>
+              <a:t>, </a:t>
+            </a:r>
+            <a:r>
+              <a:rPr lang="it-IT" dirty="0" err="1">
+                <a:effectLst/>
+                <a:latin typeface="Helvetica Neue" panose="02000503000000020004" pitchFamily="2" charset="0"/>
+              </a:rPr>
+              <a:t>starting</a:t>
+            </a:r>
+            <a:r>
+              <a:rPr lang="it-IT" dirty="0">
+                <a:effectLst/>
+                <a:latin typeface="Helvetica Neue" panose="02000503000000020004" pitchFamily="2" charset="0"/>
+              </a:rPr>
+              <a:t> from the target </a:t>
+            </a:r>
+            <a:r>
+              <a:rPr lang="it-IT" dirty="0" err="1">
+                <a:effectLst/>
+                <a:latin typeface="Helvetica Neue" panose="02000503000000020004" pitchFamily="2" charset="0"/>
+              </a:rPr>
+              <a:t>preference</a:t>
+            </a:r>
+            <a:r>
+              <a:rPr lang="it-IT" dirty="0">
+                <a:effectLst/>
+                <a:latin typeface="Helvetica Neue" panose="02000503000000020004" pitchFamily="2" charset="0"/>
+              </a:rPr>
+              <a:t>.</a:t>
+            </a:r>
+          </a:p>
+          <a:p>
+            <a:endParaRPr lang="it-IT" dirty="0"/>
+          </a:p>
+        </p:txBody>
+      </p:sp>
+      <p:sp>
+        <p:nvSpPr>
+          <p:cNvPr id="4" name="Segnaposto numero diapositiva 3"/>
+          <p:cNvSpPr>
+            <a:spLocks noGrp="1"/>
+          </p:cNvSpPr>
+          <p:nvPr>
+            <p:ph type="sldNum" sz="quarter" idx="5"/>
+          </p:nvPr>
+        </p:nvSpPr>
+        <p:spPr/>
+        <p:txBody>
+          <a:bodyPr/>
+          <a:lstStyle/>
+          <a:p>
+            <a:fld id="{7C4D90DB-0CD3-2A49-91F8-5405B70E64A8}" type="slidenum">
+              <a:rPr lang="it-IT" smtClean="0"/>
+              <a:t>3</a:t>
+            </a:fld>
+            <a:endParaRPr lang="it-IT"/>
+          </a:p>
+        </p:txBody>
+      </p:sp>
+    </p:spTree>
+    <p:extLst>
+      <p:ext uri="{BB962C8B-B14F-4D97-AF65-F5344CB8AC3E}">
+        <p14:creationId xmlns:p14="http://schemas.microsoft.com/office/powerpoint/2010/main" val="3535256791"/>
+      </p:ext>
+    </p:extLst>
+  </p:cSld>
+  <p:clrMapOvr>
+    <a:masterClrMapping/>
+  </p:clrMapOvr>
+</p:notes>
+</file>
+
+<file path=ppt/notesSlides/notesSlide3.xml><?xml version="1.0" encoding="utf-8"?>
+<p:notes xmlns:a="http://schemas.openxmlformats.org/drawingml/2006/main" xmlns:r="http://schemas.openxmlformats.org/officeDocument/2006/relationships" xmlns:p="http://schemas.openxmlformats.org/presentationml/2006/main">
+  <p:cSld>
+    <p:spTree>
+      <p:nvGrpSpPr>
+        <p:cNvPr id="1" name=""/>
+        <p:cNvGrpSpPr/>
+        <p:nvPr/>
+      </p:nvGrpSpPr>
+      <p:grpSpPr>
+        <a:xfrm>
+          <a:off x="0" y="0"/>
+          <a:ext cx="0" cy="0"/>
+          <a:chOff x="0" y="0"/>
+          <a:chExt cx="0" cy="0"/>
+        </a:xfrm>
+      </p:grpSpPr>
+      <p:sp>
+        <p:nvSpPr>
+          <p:cNvPr id="2" name="Segnaposto immagine diapositiva 1"/>
+          <p:cNvSpPr>
+            <a:spLocks noGrp="1" noRot="1" noChangeAspect="1"/>
+          </p:cNvSpPr>
+          <p:nvPr>
+            <p:ph type="sldImg"/>
+          </p:nvPr>
+        </p:nvSpPr>
+        <p:spPr/>
+      </p:sp>
+      <p:sp>
+        <p:nvSpPr>
+          <p:cNvPr id="3" name="Segnaposto note 2"/>
+          <p:cNvSpPr>
+            <a:spLocks noGrp="1"/>
+          </p:cNvSpPr>
+          <p:nvPr>
+            <p:ph type="body" idx="1"/>
+          </p:nvPr>
+        </p:nvSpPr>
+        <p:spPr/>
+        <p:txBody>
+          <a:bodyPr/>
+          <a:lstStyle/>
+          <a:p>
+            <a:pPr marL="0" marR="0" lvl="0" indent="0" algn="l" defTabSz="914400" rtl="0" eaLnBrk="1" fontAlgn="auto" latinLnBrk="0" hangingPunct="1">
+              <a:lnSpc>
+                <a:spcPct val="100000"/>
+              </a:lnSpc>
+              <a:spcBef>
+                <a:spcPts val="0"/>
+              </a:spcBef>
+              <a:spcAft>
+                <a:spcPts val="0"/>
+              </a:spcAft>
+              <a:buClrTx/>
+              <a:buSzTx/>
+              <a:buFontTx/>
+              <a:buNone/>
+              <a:tabLst/>
+              <a:defRPr/>
+            </a:pPr>
+            <a:r>
+              <a:rPr lang="it-IT" dirty="0">
+                <a:effectLst/>
+                <a:latin typeface="Helvetica Neue" panose="02000503000000020004" pitchFamily="2" charset="0"/>
+              </a:rPr>
+              <a:t>How </a:t>
+            </a:r>
+            <a:r>
+              <a:rPr lang="it-IT" dirty="0" err="1">
+                <a:effectLst/>
+                <a:latin typeface="Helvetica Neue" panose="02000503000000020004" pitchFamily="2" charset="0"/>
+              </a:rPr>
+              <a:t>does</a:t>
+            </a:r>
+            <a:r>
+              <a:rPr lang="it-IT" dirty="0">
+                <a:effectLst/>
+                <a:latin typeface="Helvetica Neue" panose="02000503000000020004" pitchFamily="2" charset="0"/>
+              </a:rPr>
+              <a:t> target </a:t>
+            </a:r>
+            <a:r>
+              <a:rPr lang="it-IT" dirty="0" err="1">
+                <a:effectLst/>
+                <a:latin typeface="Helvetica Neue" panose="02000503000000020004" pitchFamily="2" charset="0"/>
+              </a:rPr>
+              <a:t>preference</a:t>
+            </a:r>
+            <a:r>
+              <a:rPr lang="it-IT" dirty="0">
+                <a:effectLst/>
+                <a:latin typeface="Helvetica Neue" panose="02000503000000020004" pitchFamily="2" charset="0"/>
+              </a:rPr>
+              <a:t> work? First, </a:t>
+            </a:r>
+            <a:r>
+              <a:rPr lang="it-IT" dirty="0" err="1">
+                <a:effectLst/>
+                <a:latin typeface="Helvetica Neue" panose="02000503000000020004" pitchFamily="2" charset="0"/>
+              </a:rPr>
+              <a:t>we</a:t>
+            </a:r>
+            <a:r>
+              <a:rPr lang="it-IT" dirty="0">
+                <a:effectLst/>
+                <a:latin typeface="Helvetica Neue" panose="02000503000000020004" pitchFamily="2" charset="0"/>
+              </a:rPr>
+              <a:t> start with the range of </a:t>
+            </a:r>
+            <a:r>
+              <a:rPr lang="it-IT" dirty="0" err="1">
+                <a:effectLst/>
+                <a:latin typeface="Helvetica Neue" panose="02000503000000020004" pitchFamily="2" charset="0"/>
+              </a:rPr>
+              <a:t>possible</a:t>
+            </a:r>
+            <a:r>
+              <a:rPr lang="it-IT" dirty="0">
+                <a:effectLst/>
+                <a:latin typeface="Helvetica Neue" panose="02000503000000020004" pitchFamily="2" charset="0"/>
+              </a:rPr>
+              <a:t> </a:t>
+            </a:r>
+            <a:r>
+              <a:rPr lang="it-IT" dirty="0" err="1">
+                <a:effectLst/>
+                <a:latin typeface="Helvetica Neue" panose="02000503000000020004" pitchFamily="2" charset="0"/>
+              </a:rPr>
+              <a:t>nim_sum</a:t>
+            </a:r>
+            <a:r>
+              <a:rPr lang="it-IT" dirty="0">
+                <a:effectLst/>
+                <a:latin typeface="Helvetica Neue" panose="02000503000000020004" pitchFamily="2" charset="0"/>
+              </a:rPr>
+              <a:t> </a:t>
+            </a:r>
+            <a:r>
+              <a:rPr lang="it-IT" dirty="0" err="1">
+                <a:effectLst/>
+                <a:latin typeface="Helvetica Neue" panose="02000503000000020004" pitchFamily="2" charset="0"/>
+              </a:rPr>
+              <a:t>values</a:t>
+            </a:r>
+            <a:r>
+              <a:rPr lang="it-IT" dirty="0">
+                <a:effectLst/>
+                <a:latin typeface="Helvetica Neue" panose="02000503000000020004" pitchFamily="2" charset="0"/>
+              </a:rPr>
+              <a:t> and </a:t>
+            </a:r>
+            <a:r>
+              <a:rPr lang="it-IT" dirty="0" err="1">
+                <a:effectLst/>
+                <a:latin typeface="Helvetica Neue" panose="02000503000000020004" pitchFamily="2" charset="0"/>
+              </a:rPr>
+              <a:t>normalize</a:t>
+            </a:r>
+            <a:r>
+              <a:rPr lang="it-IT" dirty="0">
+                <a:effectLst/>
+                <a:latin typeface="Helvetica Neue" panose="02000503000000020004" pitchFamily="2" charset="0"/>
+              </a:rPr>
+              <a:t> </a:t>
+            </a:r>
+            <a:r>
+              <a:rPr lang="it-IT" dirty="0" err="1">
+                <a:effectLst/>
+                <a:latin typeface="Helvetica Neue" panose="02000503000000020004" pitchFamily="2" charset="0"/>
+              </a:rPr>
+              <a:t>this</a:t>
+            </a:r>
+            <a:r>
+              <a:rPr lang="it-IT" dirty="0">
+                <a:effectLst/>
+                <a:latin typeface="Helvetica Neue" panose="02000503000000020004" pitchFamily="2" charset="0"/>
+              </a:rPr>
+              <a:t> </a:t>
+            </a:r>
+            <a:r>
+              <a:rPr lang="it-IT" dirty="0" err="1">
+                <a:effectLst/>
+                <a:latin typeface="Helvetica Neue" panose="02000503000000020004" pitchFamily="2" charset="0"/>
+              </a:rPr>
+              <a:t>value</a:t>
+            </a:r>
+            <a:r>
+              <a:rPr lang="it-IT" dirty="0">
+                <a:effectLst/>
+                <a:latin typeface="Helvetica Neue" panose="02000503000000020004" pitchFamily="2" charset="0"/>
+              </a:rPr>
+              <a:t> </a:t>
+            </a:r>
+            <a:r>
+              <a:rPr lang="it-IT" dirty="0" err="1">
+                <a:effectLst/>
+                <a:latin typeface="Helvetica Neue" panose="02000503000000020004" pitchFamily="2" charset="0"/>
+              </a:rPr>
+              <a:t>between</a:t>
+            </a:r>
+            <a:r>
+              <a:rPr lang="it-IT" dirty="0">
+                <a:effectLst/>
+                <a:latin typeface="Helvetica Neue" panose="02000503000000020004" pitchFamily="2" charset="0"/>
+              </a:rPr>
+              <a:t> 0 and 1. Target </a:t>
+            </a:r>
+            <a:r>
+              <a:rPr lang="it-IT" dirty="0" err="1">
+                <a:effectLst/>
+                <a:latin typeface="Helvetica Neue" panose="02000503000000020004" pitchFamily="2" charset="0"/>
+              </a:rPr>
+              <a:t>preference</a:t>
+            </a:r>
+            <a:r>
+              <a:rPr lang="it-IT" dirty="0">
+                <a:effectLst/>
+                <a:latin typeface="Helvetica Neue" panose="02000503000000020004" pitchFamily="2" charset="0"/>
+              </a:rPr>
+              <a:t> </a:t>
+            </a:r>
+            <a:r>
+              <a:rPr lang="it-IT" dirty="0" err="1">
+                <a:effectLst/>
+                <a:latin typeface="Helvetica Neue" panose="02000503000000020004" pitchFamily="2" charset="0"/>
+              </a:rPr>
+              <a:t>represents</a:t>
+            </a:r>
+            <a:r>
+              <a:rPr lang="it-IT" dirty="0">
+                <a:effectLst/>
+                <a:latin typeface="Helvetica Neue" panose="02000503000000020004" pitchFamily="2" charset="0"/>
+              </a:rPr>
+              <a:t> the </a:t>
+            </a:r>
+            <a:r>
+              <a:rPr lang="it-IT" dirty="0" err="1">
+                <a:effectLst/>
+                <a:latin typeface="Helvetica Neue" panose="02000503000000020004" pitchFamily="2" charset="0"/>
+              </a:rPr>
+              <a:t>value</a:t>
+            </a:r>
+            <a:r>
+              <a:rPr lang="it-IT" dirty="0">
+                <a:effectLst/>
+                <a:latin typeface="Helvetica Neue" panose="02000503000000020004" pitchFamily="2" charset="0"/>
+              </a:rPr>
+              <a:t> the </a:t>
+            </a:r>
+            <a:r>
+              <a:rPr lang="it-IT" dirty="0" err="1">
+                <a:effectLst/>
+                <a:latin typeface="Helvetica Neue" panose="02000503000000020004" pitchFamily="2" charset="0"/>
+              </a:rPr>
+              <a:t>individual</a:t>
+            </a:r>
+            <a:r>
+              <a:rPr lang="it-IT" dirty="0">
+                <a:effectLst/>
+                <a:latin typeface="Helvetica Neue" panose="02000503000000020004" pitchFamily="2" charset="0"/>
+              </a:rPr>
+              <a:t> </a:t>
+            </a:r>
+            <a:r>
+              <a:rPr lang="it-IT" dirty="0" err="1">
+                <a:effectLst/>
+                <a:latin typeface="Helvetica Neue" panose="02000503000000020004" pitchFamily="2" charset="0"/>
+              </a:rPr>
+              <a:t>believes</a:t>
+            </a:r>
+            <a:r>
+              <a:rPr lang="it-IT" dirty="0">
+                <a:effectLst/>
+                <a:latin typeface="Helvetica Neue" panose="02000503000000020004" pitchFamily="2" charset="0"/>
+              </a:rPr>
+              <a:t> </a:t>
+            </a:r>
+            <a:r>
+              <a:rPr lang="it-IT" dirty="0" err="1">
+                <a:effectLst/>
+                <a:latin typeface="Helvetica Neue" panose="02000503000000020004" pitchFamily="2" charset="0"/>
+              </a:rPr>
+              <a:t>is</a:t>
+            </a:r>
+            <a:r>
+              <a:rPr lang="it-IT" dirty="0">
+                <a:effectLst/>
+                <a:latin typeface="Helvetica Neue" panose="02000503000000020004" pitchFamily="2" charset="0"/>
+              </a:rPr>
+              <a:t> the best to </a:t>
+            </a:r>
+            <a:r>
+              <a:rPr lang="it-IT" dirty="0" err="1">
+                <a:effectLst/>
+                <a:latin typeface="Helvetica Neue" panose="02000503000000020004" pitchFamily="2" charset="0"/>
+              </a:rPr>
+              <a:t>choose</a:t>
+            </a:r>
+            <a:r>
+              <a:rPr lang="it-IT" dirty="0">
+                <a:effectLst/>
+                <a:latin typeface="Helvetica Neue" panose="02000503000000020004" pitchFamily="2" charset="0"/>
+              </a:rPr>
+              <a:t>.</a:t>
+            </a:r>
+          </a:p>
+          <a:p>
+            <a:endParaRPr lang="it-IT" dirty="0"/>
+          </a:p>
+        </p:txBody>
+      </p:sp>
+      <p:sp>
+        <p:nvSpPr>
+          <p:cNvPr id="4" name="Segnaposto numero diapositiva 3"/>
+          <p:cNvSpPr>
+            <a:spLocks noGrp="1"/>
+          </p:cNvSpPr>
+          <p:nvPr>
+            <p:ph type="sldNum" sz="quarter" idx="5"/>
+          </p:nvPr>
+        </p:nvSpPr>
+        <p:spPr/>
+        <p:txBody>
+          <a:bodyPr/>
+          <a:lstStyle/>
+          <a:p>
+            <a:fld id="{7C4D90DB-0CD3-2A49-91F8-5405B70E64A8}" type="slidenum">
+              <a:rPr lang="it-IT" smtClean="0"/>
+              <a:t>4</a:t>
+            </a:fld>
+            <a:endParaRPr lang="it-IT"/>
+          </a:p>
+        </p:txBody>
+      </p:sp>
+    </p:spTree>
+    <p:extLst>
+      <p:ext uri="{BB962C8B-B14F-4D97-AF65-F5344CB8AC3E}">
+        <p14:creationId xmlns:p14="http://schemas.microsoft.com/office/powerpoint/2010/main" val="1690340505"/>
+      </p:ext>
+    </p:extLst>
+  </p:cSld>
+  <p:clrMapOvr>
+    <a:masterClrMapping/>
+  </p:clrMapOvr>
+</p:notes>
+</file>
+
+<file path=ppt/notesSlides/notesSlide4.xml><?xml version="1.0" encoding="utf-8"?>
+<p:notes xmlns:a="http://schemas.openxmlformats.org/drawingml/2006/main" xmlns:r="http://schemas.openxmlformats.org/officeDocument/2006/relationships" xmlns:p="http://schemas.openxmlformats.org/presentationml/2006/main">
+  <p:cSld>
+    <p:spTree>
+      <p:nvGrpSpPr>
+        <p:cNvPr id="1" name=""/>
+        <p:cNvGrpSpPr/>
+        <p:nvPr/>
+      </p:nvGrpSpPr>
+      <p:grpSpPr>
+        <a:xfrm>
+          <a:off x="0" y="0"/>
+          <a:ext cx="0" cy="0"/>
+          <a:chOff x="0" y="0"/>
+          <a:chExt cx="0" cy="0"/>
+        </a:xfrm>
+      </p:grpSpPr>
+      <p:sp>
+        <p:nvSpPr>
+          <p:cNvPr id="2" name="Segnaposto immagine diapositiva 1"/>
+          <p:cNvSpPr>
+            <a:spLocks noGrp="1" noRot="1" noChangeAspect="1"/>
+          </p:cNvSpPr>
+          <p:nvPr>
+            <p:ph type="sldImg"/>
+          </p:nvPr>
+        </p:nvSpPr>
+        <p:spPr/>
+      </p:sp>
+      <p:sp>
+        <p:nvSpPr>
+          <p:cNvPr id="3" name="Segnaposto note 2"/>
+          <p:cNvSpPr>
+            <a:spLocks noGrp="1"/>
+          </p:cNvSpPr>
+          <p:nvPr>
+            <p:ph type="body" idx="1"/>
+          </p:nvPr>
+        </p:nvSpPr>
+        <p:spPr/>
+        <p:txBody>
+          <a:bodyPr/>
+          <a:lstStyle/>
+          <a:p>
+            <a:pPr marL="0" marR="0" lvl="0" indent="0" algn="l" defTabSz="914400" rtl="0" eaLnBrk="1" fontAlgn="auto" latinLnBrk="0" hangingPunct="1">
+              <a:lnSpc>
+                <a:spcPct val="100000"/>
+              </a:lnSpc>
+              <a:spcBef>
+                <a:spcPts val="0"/>
+              </a:spcBef>
+              <a:spcAft>
+                <a:spcPts val="0"/>
+              </a:spcAft>
+              <a:buClrTx/>
+              <a:buSzTx/>
+              <a:buFontTx/>
+              <a:buNone/>
+              <a:tabLst/>
+              <a:defRPr/>
+            </a:pPr>
+            <a:r>
+              <a:rPr lang="it-IT" dirty="0">
+                <a:effectLst/>
+                <a:latin typeface="Helvetica Neue" panose="02000503000000020004" pitchFamily="2" charset="0"/>
+              </a:rPr>
+              <a:t>On the </a:t>
+            </a:r>
+            <a:r>
+              <a:rPr lang="it-IT" dirty="0" err="1">
+                <a:effectLst/>
+                <a:latin typeface="Helvetica Neue" panose="02000503000000020004" pitchFamily="2" charset="0"/>
+              </a:rPr>
+              <a:t>other</a:t>
+            </a:r>
+            <a:r>
+              <a:rPr lang="it-IT" dirty="0">
+                <a:effectLst/>
+                <a:latin typeface="Helvetica Neue" panose="02000503000000020004" pitchFamily="2" charset="0"/>
+              </a:rPr>
+              <a:t> hand, target range starts from the target </a:t>
+            </a:r>
+            <a:r>
+              <a:rPr lang="it-IT" dirty="0" err="1">
+                <a:effectLst/>
+                <a:latin typeface="Helvetica Neue" panose="02000503000000020004" pitchFamily="2" charset="0"/>
+              </a:rPr>
+              <a:t>preference</a:t>
+            </a:r>
+            <a:r>
+              <a:rPr lang="it-IT" dirty="0">
+                <a:effectLst/>
+                <a:latin typeface="Helvetica Neue" panose="02000503000000020004" pitchFamily="2" charset="0"/>
+              </a:rPr>
+              <a:t> and </a:t>
+            </a:r>
+            <a:r>
+              <a:rPr lang="it-IT" dirty="0" err="1">
+                <a:effectLst/>
+                <a:latin typeface="Helvetica Neue" panose="02000503000000020004" pitchFamily="2" charset="0"/>
+              </a:rPr>
+              <a:t>defines</a:t>
+            </a:r>
+            <a:r>
+              <a:rPr lang="it-IT" dirty="0">
+                <a:effectLst/>
+                <a:latin typeface="Helvetica Neue" panose="02000503000000020004" pitchFamily="2" charset="0"/>
+              </a:rPr>
+              <a:t> the range of </a:t>
+            </a:r>
+            <a:r>
+              <a:rPr lang="it-IT" dirty="0" err="1">
+                <a:effectLst/>
+                <a:latin typeface="Helvetica Neue" panose="02000503000000020004" pitchFamily="2" charset="0"/>
+              </a:rPr>
+              <a:t>values</a:t>
+            </a:r>
+            <a:r>
+              <a:rPr lang="it-IT" dirty="0">
+                <a:effectLst/>
+                <a:latin typeface="Helvetica Neue" panose="02000503000000020004" pitchFamily="2" charset="0"/>
+              </a:rPr>
+              <a:t> </a:t>
+            </a:r>
+            <a:r>
+              <a:rPr lang="it-IT" dirty="0" err="1">
+                <a:effectLst/>
+                <a:latin typeface="Helvetica Neue" panose="02000503000000020004" pitchFamily="2" charset="0"/>
+              </a:rPr>
+              <a:t>acceptable</a:t>
+            </a:r>
+            <a:r>
+              <a:rPr lang="it-IT" dirty="0">
+                <a:effectLst/>
+                <a:latin typeface="Helvetica Neue" panose="02000503000000020004" pitchFamily="2" charset="0"/>
+              </a:rPr>
+              <a:t> to the </a:t>
+            </a:r>
+            <a:r>
+              <a:rPr lang="it-IT" dirty="0" err="1">
+                <a:effectLst/>
+                <a:latin typeface="Helvetica Neue" panose="02000503000000020004" pitchFamily="2" charset="0"/>
+              </a:rPr>
+              <a:t>individual</a:t>
+            </a:r>
+            <a:r>
+              <a:rPr lang="it-IT" dirty="0">
+                <a:effectLst/>
+                <a:latin typeface="Helvetica Neue" panose="02000503000000020004" pitchFamily="2" charset="0"/>
+              </a:rPr>
+              <a:t>.</a:t>
+            </a:r>
+          </a:p>
+          <a:p>
+            <a:endParaRPr lang="it-IT" dirty="0"/>
+          </a:p>
+          <a:p>
+            <a:r>
+              <a:rPr lang="it-IT" dirty="0">
+                <a:effectLst/>
+                <a:latin typeface="Helvetica Neue" panose="02000503000000020004" pitchFamily="2" charset="0"/>
+              </a:rPr>
+              <a:t>For </a:t>
+            </a:r>
+            <a:r>
+              <a:rPr lang="it-IT" dirty="0" err="1">
+                <a:effectLst/>
+                <a:latin typeface="Helvetica Neue" panose="02000503000000020004" pitchFamily="2" charset="0"/>
+              </a:rPr>
+              <a:t>example</a:t>
+            </a:r>
+            <a:r>
+              <a:rPr lang="it-IT" dirty="0">
+                <a:effectLst/>
+                <a:latin typeface="Helvetica Neue" panose="02000503000000020004" pitchFamily="2" charset="0"/>
+              </a:rPr>
+              <a:t>, </a:t>
+            </a:r>
+            <a:r>
+              <a:rPr lang="it-IT" dirty="0" err="1">
+                <a:effectLst/>
+                <a:latin typeface="Helvetica Neue" panose="02000503000000020004" pitchFamily="2" charset="0"/>
+              </a:rPr>
+              <a:t>assuming</a:t>
+            </a:r>
+            <a:r>
+              <a:rPr lang="it-IT" dirty="0">
+                <a:effectLst/>
+                <a:latin typeface="Helvetica Neue" panose="02000503000000020004" pitchFamily="2" charset="0"/>
+              </a:rPr>
+              <a:t> </a:t>
+            </a:r>
+            <a:r>
+              <a:rPr lang="it-IT" dirty="0" err="1">
+                <a:effectLst/>
+                <a:latin typeface="Helvetica Neue" panose="02000503000000020004" pitchFamily="2" charset="0"/>
+              </a:rPr>
+              <a:t>that</a:t>
+            </a:r>
+            <a:r>
+              <a:rPr lang="it-IT" dirty="0">
+                <a:effectLst/>
+                <a:latin typeface="Helvetica Neue" panose="02000503000000020004" pitchFamily="2" charset="0"/>
+              </a:rPr>
+              <a:t> </a:t>
+            </a:r>
+            <a:r>
+              <a:rPr lang="it-IT" dirty="0" err="1">
+                <a:effectLst/>
+                <a:latin typeface="Helvetica Neue" panose="02000503000000020004" pitchFamily="2" charset="0"/>
+              </a:rPr>
+              <a:t>target_preference</a:t>
+            </a:r>
+            <a:r>
+              <a:rPr lang="it-IT" dirty="0">
+                <a:effectLst/>
+                <a:latin typeface="Helvetica Neue" panose="02000503000000020004" pitchFamily="2" charset="0"/>
+              </a:rPr>
+              <a:t> </a:t>
+            </a:r>
+            <a:r>
+              <a:rPr lang="it-IT" dirty="0" err="1">
+                <a:effectLst/>
+                <a:latin typeface="Helvetica Neue" panose="02000503000000020004" pitchFamily="2" charset="0"/>
+              </a:rPr>
+              <a:t>is</a:t>
+            </a:r>
+            <a:r>
+              <a:rPr lang="it-IT" dirty="0">
+                <a:effectLst/>
+                <a:latin typeface="Helvetica Neue" panose="02000503000000020004" pitchFamily="2" charset="0"/>
+              </a:rPr>
+              <a:t> 0.4 and </a:t>
+            </a:r>
+            <a:r>
+              <a:rPr lang="it-IT" dirty="0" err="1">
+                <a:effectLst/>
+                <a:latin typeface="Helvetica Neue" panose="02000503000000020004" pitchFamily="2" charset="0"/>
+              </a:rPr>
+              <a:t>target_range</a:t>
+            </a:r>
+            <a:r>
+              <a:rPr lang="it-IT" dirty="0">
+                <a:effectLst/>
+                <a:latin typeface="Helvetica Neue" panose="02000503000000020004" pitchFamily="2" charset="0"/>
+              </a:rPr>
+              <a:t> </a:t>
+            </a:r>
+            <a:r>
+              <a:rPr lang="it-IT" dirty="0" err="1">
+                <a:effectLst/>
+                <a:latin typeface="Helvetica Neue" panose="02000503000000020004" pitchFamily="2" charset="0"/>
+              </a:rPr>
+              <a:t>is</a:t>
+            </a:r>
+            <a:r>
+              <a:rPr lang="it-IT" dirty="0">
+                <a:effectLst/>
+                <a:latin typeface="Helvetica Neue" panose="02000503000000020004" pitchFamily="2" charset="0"/>
+              </a:rPr>
+              <a:t> 0.2, the </a:t>
+            </a:r>
+            <a:r>
+              <a:rPr lang="it-IT" dirty="0" err="1">
+                <a:effectLst/>
+                <a:latin typeface="Helvetica Neue" panose="02000503000000020004" pitchFamily="2" charset="0"/>
+              </a:rPr>
+              <a:t>individual</a:t>
+            </a:r>
+            <a:r>
+              <a:rPr lang="it-IT" dirty="0">
+                <a:effectLst/>
+                <a:latin typeface="Helvetica Neue" panose="02000503000000020004" pitchFamily="2" charset="0"/>
+              </a:rPr>
+              <a:t> </a:t>
+            </a:r>
+            <a:r>
+              <a:rPr lang="it-IT" dirty="0" err="1">
+                <a:effectLst/>
+                <a:latin typeface="Helvetica Neue" panose="02000503000000020004" pitchFamily="2" charset="0"/>
+              </a:rPr>
+              <a:t>will</a:t>
+            </a:r>
+            <a:r>
+              <a:rPr lang="it-IT" dirty="0">
+                <a:effectLst/>
+                <a:latin typeface="Helvetica Neue" panose="02000503000000020004" pitchFamily="2" charset="0"/>
+              </a:rPr>
+              <a:t> </a:t>
+            </a:r>
+            <a:r>
+              <a:rPr lang="it-IT" dirty="0" err="1">
+                <a:effectLst/>
+                <a:latin typeface="Helvetica Neue" panose="02000503000000020004" pitchFamily="2" charset="0"/>
+              </a:rPr>
+              <a:t>randomly</a:t>
+            </a:r>
+            <a:r>
+              <a:rPr lang="it-IT" dirty="0">
+                <a:effectLst/>
+                <a:latin typeface="Helvetica Neue" panose="02000503000000020004" pitchFamily="2" charset="0"/>
+              </a:rPr>
+              <a:t> </a:t>
+            </a:r>
+            <a:r>
+              <a:rPr lang="it-IT" dirty="0" err="1">
+                <a:effectLst/>
+                <a:latin typeface="Helvetica Neue" panose="02000503000000020004" pitchFamily="2" charset="0"/>
+              </a:rPr>
+              <a:t>choose</a:t>
+            </a:r>
+            <a:r>
+              <a:rPr lang="it-IT" dirty="0">
+                <a:effectLst/>
+                <a:latin typeface="Helvetica Neue" panose="02000503000000020004" pitchFamily="2" charset="0"/>
+              </a:rPr>
+              <a:t> a </a:t>
+            </a:r>
+            <a:r>
+              <a:rPr lang="it-IT" dirty="0" err="1">
+                <a:effectLst/>
+                <a:latin typeface="Helvetica Neue" panose="02000503000000020004" pitchFamily="2" charset="0"/>
+              </a:rPr>
+              <a:t>value</a:t>
+            </a:r>
+            <a:r>
+              <a:rPr lang="it-IT" dirty="0">
+                <a:effectLst/>
+                <a:latin typeface="Helvetica Neue" panose="02000503000000020004" pitchFamily="2" charset="0"/>
+              </a:rPr>
+              <a:t> </a:t>
+            </a:r>
+            <a:r>
+              <a:rPr lang="it-IT" dirty="0" err="1">
+                <a:effectLst/>
+                <a:latin typeface="Helvetica Neue" panose="02000503000000020004" pitchFamily="2" charset="0"/>
+              </a:rPr>
+              <a:t>between</a:t>
+            </a:r>
+            <a:r>
+              <a:rPr lang="it-IT" dirty="0">
+                <a:effectLst/>
+                <a:latin typeface="Helvetica Neue" panose="02000503000000020004" pitchFamily="2" charset="0"/>
+              </a:rPr>
+              <a:t> 0.3 and 0.5. </a:t>
+            </a:r>
+            <a:r>
+              <a:rPr lang="it-IT" dirty="0" err="1">
+                <a:effectLst/>
+                <a:latin typeface="Helvetica Neue" panose="02000503000000020004" pitchFamily="2" charset="0"/>
+              </a:rPr>
+              <a:t>If</a:t>
+            </a:r>
+            <a:r>
+              <a:rPr lang="it-IT" dirty="0">
+                <a:effectLst/>
+                <a:latin typeface="Helvetica Neue" panose="02000503000000020004" pitchFamily="2" charset="0"/>
+              </a:rPr>
+              <a:t> no </a:t>
+            </a:r>
+            <a:r>
+              <a:rPr lang="it-IT" dirty="0" err="1">
+                <a:effectLst/>
+                <a:latin typeface="Helvetica Neue" panose="02000503000000020004" pitchFamily="2" charset="0"/>
+              </a:rPr>
+              <a:t>value</a:t>
+            </a:r>
+            <a:r>
+              <a:rPr lang="it-IT" dirty="0">
+                <a:effectLst/>
+                <a:latin typeface="Helvetica Neue" panose="02000503000000020004" pitchFamily="2" charset="0"/>
+              </a:rPr>
+              <a:t> </a:t>
+            </a:r>
+            <a:r>
+              <a:rPr lang="it-IT" dirty="0" err="1">
+                <a:effectLst/>
+                <a:latin typeface="Helvetica Neue" panose="02000503000000020004" pitchFamily="2" charset="0"/>
+              </a:rPr>
+              <a:t>is</a:t>
+            </a:r>
+            <a:r>
+              <a:rPr lang="it-IT" dirty="0">
+                <a:effectLst/>
+                <a:latin typeface="Helvetica Neue" panose="02000503000000020004" pitchFamily="2" charset="0"/>
+              </a:rPr>
+              <a:t> </a:t>
+            </a:r>
+            <a:r>
+              <a:rPr lang="it-IT" dirty="0" err="1">
+                <a:effectLst/>
+                <a:latin typeface="Helvetica Neue" panose="02000503000000020004" pitchFamily="2" charset="0"/>
+              </a:rPr>
+              <a:t>present</a:t>
+            </a:r>
+            <a:r>
+              <a:rPr lang="it-IT" dirty="0">
+                <a:effectLst/>
+                <a:latin typeface="Helvetica Neue" panose="02000503000000020004" pitchFamily="2" charset="0"/>
+              </a:rPr>
+              <a:t> in </a:t>
+            </a:r>
+            <a:r>
+              <a:rPr lang="it-IT" dirty="0" err="1">
+                <a:effectLst/>
+                <a:latin typeface="Helvetica Neue" panose="02000503000000020004" pitchFamily="2" charset="0"/>
+              </a:rPr>
+              <a:t>this</a:t>
+            </a:r>
+            <a:r>
+              <a:rPr lang="it-IT" dirty="0">
+                <a:effectLst/>
+                <a:latin typeface="Helvetica Neue" panose="02000503000000020004" pitchFamily="2" charset="0"/>
+              </a:rPr>
+              <a:t> range, </a:t>
+            </a:r>
+            <a:r>
+              <a:rPr lang="it-IT" dirty="0" err="1">
+                <a:effectLst/>
+                <a:latin typeface="Helvetica Neue" panose="02000503000000020004" pitchFamily="2" charset="0"/>
+              </a:rPr>
+              <a:t>then</a:t>
+            </a:r>
+            <a:r>
+              <a:rPr lang="it-IT" dirty="0">
+                <a:effectLst/>
+                <a:latin typeface="Helvetica Neue" panose="02000503000000020004" pitchFamily="2" charset="0"/>
+              </a:rPr>
+              <a:t> the </a:t>
+            </a:r>
+            <a:r>
+              <a:rPr lang="it-IT" dirty="0" err="1">
+                <a:effectLst/>
+                <a:latin typeface="Helvetica Neue" panose="02000503000000020004" pitchFamily="2" charset="0"/>
+              </a:rPr>
+              <a:t>individual</a:t>
+            </a:r>
+            <a:r>
+              <a:rPr lang="it-IT" dirty="0">
+                <a:effectLst/>
+                <a:latin typeface="Helvetica Neue" panose="02000503000000020004" pitchFamily="2" charset="0"/>
+              </a:rPr>
+              <a:t> </a:t>
+            </a:r>
+            <a:r>
+              <a:rPr lang="it-IT" dirty="0" err="1">
+                <a:effectLst/>
+                <a:latin typeface="Helvetica Neue" panose="02000503000000020004" pitchFamily="2" charset="0"/>
+              </a:rPr>
+              <a:t>chooses</a:t>
+            </a:r>
+            <a:r>
+              <a:rPr lang="it-IT" dirty="0">
+                <a:effectLst/>
+                <a:latin typeface="Helvetica Neue" panose="02000503000000020004" pitchFamily="2" charset="0"/>
+              </a:rPr>
+              <a:t> a random </a:t>
+            </a:r>
+            <a:r>
+              <a:rPr lang="it-IT" dirty="0" err="1">
+                <a:effectLst/>
+                <a:latin typeface="Helvetica Neue" panose="02000503000000020004" pitchFamily="2" charset="0"/>
+              </a:rPr>
+              <a:t>value</a:t>
+            </a:r>
+            <a:r>
+              <a:rPr lang="it-IT" dirty="0">
+                <a:effectLst/>
+                <a:latin typeface="Helvetica Neue" panose="02000503000000020004" pitchFamily="2" charset="0"/>
+              </a:rPr>
+              <a:t>.</a:t>
+            </a:r>
+          </a:p>
+          <a:p>
+            <a:r>
+              <a:rPr lang="it-IT" dirty="0">
+                <a:effectLst/>
+                <a:latin typeface="Helvetica Neue" panose="02000503000000020004" pitchFamily="2" charset="0"/>
+              </a:rPr>
+              <a:t>With </a:t>
+            </a:r>
+            <a:r>
+              <a:rPr lang="it-IT" dirty="0" err="1">
+                <a:effectLst/>
+                <a:latin typeface="Helvetica Neue" panose="02000503000000020004" pitchFamily="2" charset="0"/>
+              </a:rPr>
+              <a:t>this</a:t>
+            </a:r>
+            <a:r>
+              <a:rPr lang="it-IT" dirty="0">
+                <a:effectLst/>
+                <a:latin typeface="Helvetica Neue" panose="02000503000000020004" pitchFamily="2" charset="0"/>
+              </a:rPr>
+              <a:t> </a:t>
+            </a:r>
+            <a:r>
+              <a:rPr lang="it-IT" dirty="0" err="1">
+                <a:effectLst/>
+                <a:latin typeface="Helvetica Neue" panose="02000503000000020004" pitchFamily="2" charset="0"/>
+              </a:rPr>
+              <a:t>genome</a:t>
+            </a:r>
+            <a:r>
+              <a:rPr lang="it-IT" dirty="0">
+                <a:effectLst/>
+                <a:latin typeface="Helvetica Neue" panose="02000503000000020004" pitchFamily="2" charset="0"/>
+              </a:rPr>
+              <a:t>, </a:t>
+            </a:r>
+            <a:r>
+              <a:rPr lang="it-IT" dirty="0" err="1">
+                <a:effectLst/>
+                <a:latin typeface="Helvetica Neue" panose="02000503000000020004" pitchFamily="2" charset="0"/>
+              </a:rPr>
+              <a:t>we</a:t>
+            </a:r>
+            <a:r>
+              <a:rPr lang="it-IT" dirty="0">
+                <a:effectLst/>
+                <a:latin typeface="Helvetica Neue" panose="02000503000000020004" pitchFamily="2" charset="0"/>
+              </a:rPr>
+              <a:t> </a:t>
+            </a:r>
+            <a:r>
+              <a:rPr lang="it-IT" dirty="0" err="1">
+                <a:effectLst/>
+                <a:latin typeface="Helvetica Neue" panose="02000503000000020004" pitchFamily="2" charset="0"/>
+              </a:rPr>
+              <a:t>have</a:t>
+            </a:r>
+            <a:r>
+              <a:rPr lang="it-IT" dirty="0">
+                <a:effectLst/>
+                <a:latin typeface="Helvetica Neue" panose="02000503000000020004" pitchFamily="2" charset="0"/>
+              </a:rPr>
+              <a:t> </a:t>
+            </a:r>
+            <a:r>
+              <a:rPr lang="it-IT" dirty="0" err="1">
+                <a:effectLst/>
+                <a:latin typeface="Helvetica Neue" panose="02000503000000020004" pitchFamily="2" charset="0"/>
+              </a:rPr>
+              <a:t>created</a:t>
+            </a:r>
+            <a:r>
+              <a:rPr lang="it-IT" dirty="0">
+                <a:effectLst/>
+                <a:latin typeface="Helvetica Neue" panose="02000503000000020004" pitchFamily="2" charset="0"/>
+              </a:rPr>
+              <a:t> an </a:t>
+            </a:r>
+            <a:r>
+              <a:rPr lang="it-IT" dirty="0" err="1">
+                <a:effectLst/>
+                <a:latin typeface="Helvetica Neue" panose="02000503000000020004" pitchFamily="2" charset="0"/>
+              </a:rPr>
+              <a:t>individual</a:t>
+            </a:r>
+            <a:r>
+              <a:rPr lang="it-IT" dirty="0">
+                <a:effectLst/>
+                <a:latin typeface="Helvetica Neue" panose="02000503000000020004" pitchFamily="2" charset="0"/>
+              </a:rPr>
+              <a:t> </a:t>
+            </a:r>
+            <a:r>
+              <a:rPr lang="it-IT" dirty="0" err="1">
+                <a:effectLst/>
+                <a:latin typeface="Helvetica Neue" panose="02000503000000020004" pitchFamily="2" charset="0"/>
+              </a:rPr>
+              <a:t>who</a:t>
+            </a:r>
+            <a:r>
+              <a:rPr lang="it-IT" dirty="0">
+                <a:effectLst/>
+                <a:latin typeface="Helvetica Neue" panose="02000503000000020004" pitchFamily="2" charset="0"/>
+              </a:rPr>
+              <a:t> </a:t>
+            </a:r>
+            <a:r>
+              <a:rPr lang="it-IT" dirty="0" err="1">
+                <a:effectLst/>
+                <a:latin typeface="Helvetica Neue" panose="02000503000000020004" pitchFamily="2" charset="0"/>
+              </a:rPr>
+              <a:t>prefers</a:t>
+            </a:r>
+            <a:r>
+              <a:rPr lang="it-IT" dirty="0">
+                <a:effectLst/>
+                <a:latin typeface="Helvetica Neue" panose="02000503000000020004" pitchFamily="2" charset="0"/>
+              </a:rPr>
+              <a:t> one </a:t>
+            </a:r>
+            <a:r>
+              <a:rPr lang="it-IT" dirty="0" err="1">
+                <a:effectLst/>
+                <a:latin typeface="Helvetica Neue" panose="02000503000000020004" pitchFamily="2" charset="0"/>
+              </a:rPr>
+              <a:t>move</a:t>
+            </a:r>
+            <a:r>
+              <a:rPr lang="it-IT" dirty="0">
+                <a:effectLst/>
+                <a:latin typeface="Helvetica Neue" panose="02000503000000020004" pitchFamily="2" charset="0"/>
+              </a:rPr>
+              <a:t> over </a:t>
+            </a:r>
+            <a:r>
+              <a:rPr lang="it-IT" dirty="0" err="1">
+                <a:effectLst/>
+                <a:latin typeface="Helvetica Neue" panose="02000503000000020004" pitchFamily="2" charset="0"/>
+              </a:rPr>
+              <a:t>all</a:t>
+            </a:r>
+            <a:r>
+              <a:rPr lang="it-IT" dirty="0">
+                <a:effectLst/>
+                <a:latin typeface="Helvetica Neue" panose="02000503000000020004" pitchFamily="2" charset="0"/>
+              </a:rPr>
+              <a:t> </a:t>
+            </a:r>
+            <a:r>
+              <a:rPr lang="it-IT" dirty="0" err="1">
+                <a:effectLst/>
+                <a:latin typeface="Helvetica Neue" panose="02000503000000020004" pitchFamily="2" charset="0"/>
+              </a:rPr>
+              <a:t>possible</a:t>
+            </a:r>
+            <a:r>
+              <a:rPr lang="it-IT" dirty="0">
+                <a:effectLst/>
+                <a:latin typeface="Helvetica Neue" panose="02000503000000020004" pitchFamily="2" charset="0"/>
+              </a:rPr>
+              <a:t> </a:t>
+            </a:r>
+            <a:r>
+              <a:rPr lang="it-IT" dirty="0" err="1">
+                <a:effectLst/>
+                <a:latin typeface="Helvetica Neue" panose="02000503000000020004" pitchFamily="2" charset="0"/>
+              </a:rPr>
+              <a:t>moves</a:t>
+            </a:r>
+            <a:r>
+              <a:rPr lang="it-IT" dirty="0">
+                <a:effectLst/>
+                <a:latin typeface="Helvetica Neue" panose="02000503000000020004" pitchFamily="2" charset="0"/>
+              </a:rPr>
+              <a:t>.</a:t>
+            </a:r>
+          </a:p>
+          <a:p>
+            <a:endParaRPr lang="it-IT" dirty="0"/>
+          </a:p>
+          <a:p>
+            <a:r>
+              <a:rPr lang="it-IT" dirty="0">
+                <a:effectLst/>
+                <a:latin typeface="Helvetica Neue" panose="02000503000000020004" pitchFamily="2" charset="0"/>
+              </a:rPr>
+              <a:t>The fitness </a:t>
+            </a:r>
+            <a:r>
+              <a:rPr lang="it-IT" dirty="0" err="1">
+                <a:effectLst/>
+                <a:latin typeface="Helvetica Neue" panose="02000503000000020004" pitchFamily="2" charset="0"/>
+              </a:rPr>
+              <a:t>value</a:t>
+            </a:r>
+            <a:r>
+              <a:rPr lang="it-IT" dirty="0">
+                <a:effectLst/>
+                <a:latin typeface="Helvetica Neue" panose="02000503000000020004" pitchFamily="2" charset="0"/>
+              </a:rPr>
+              <a:t> in </a:t>
+            </a:r>
+            <a:r>
+              <a:rPr lang="it-IT" dirty="0" err="1">
+                <a:effectLst/>
+                <a:latin typeface="Helvetica Neue" panose="02000503000000020004" pitchFamily="2" charset="0"/>
+              </a:rPr>
+              <a:t>this</a:t>
+            </a:r>
+            <a:r>
+              <a:rPr lang="it-IT" dirty="0">
+                <a:effectLst/>
+                <a:latin typeface="Helvetica Neue" panose="02000503000000020004" pitchFamily="2" charset="0"/>
+              </a:rPr>
+              <a:t> case </a:t>
+            </a:r>
+            <a:r>
+              <a:rPr lang="it-IT" dirty="0" err="1">
+                <a:effectLst/>
+                <a:latin typeface="Helvetica Neue" panose="02000503000000020004" pitchFamily="2" charset="0"/>
+              </a:rPr>
+              <a:t>is</a:t>
+            </a:r>
+            <a:r>
+              <a:rPr lang="it-IT" dirty="0">
+                <a:effectLst/>
+                <a:latin typeface="Helvetica Neue" panose="02000503000000020004" pitchFamily="2" charset="0"/>
+              </a:rPr>
+              <a:t> the </a:t>
+            </a:r>
+            <a:r>
+              <a:rPr lang="it-IT" dirty="0" err="1">
+                <a:effectLst/>
+                <a:latin typeface="Helvetica Neue" panose="02000503000000020004" pitchFamily="2" charset="0"/>
+              </a:rPr>
+              <a:t>number</a:t>
+            </a:r>
+            <a:r>
+              <a:rPr lang="it-IT" dirty="0">
+                <a:effectLst/>
+                <a:latin typeface="Helvetica Neue" panose="02000503000000020004" pitchFamily="2" charset="0"/>
+              </a:rPr>
+              <a:t> of </a:t>
+            </a:r>
+            <a:r>
+              <a:rPr lang="it-IT" dirty="0" err="1">
+                <a:effectLst/>
+                <a:latin typeface="Helvetica Neue" panose="02000503000000020004" pitchFamily="2" charset="0"/>
+              </a:rPr>
+              <a:t>wins</a:t>
+            </a:r>
+            <a:r>
+              <a:rPr lang="it-IT" dirty="0">
+                <a:effectLst/>
+                <a:latin typeface="Helvetica Neue" panose="02000503000000020004" pitchFamily="2" charset="0"/>
+              </a:rPr>
+              <a:t> of an </a:t>
+            </a:r>
+            <a:r>
+              <a:rPr lang="it-IT" dirty="0" err="1">
+                <a:effectLst/>
+                <a:latin typeface="Helvetica Neue" panose="02000503000000020004" pitchFamily="2" charset="0"/>
+              </a:rPr>
+              <a:t>individual</a:t>
+            </a:r>
+            <a:r>
+              <a:rPr lang="it-IT" dirty="0">
+                <a:effectLst/>
+                <a:latin typeface="Helvetica Neue" panose="02000503000000020004" pitchFamily="2" charset="0"/>
+              </a:rPr>
+              <a:t> in an </a:t>
+            </a:r>
+            <a:r>
+              <a:rPr lang="it-IT" dirty="0" err="1">
+                <a:effectLst/>
+                <a:latin typeface="Helvetica Neue" panose="02000503000000020004" pitchFamily="2" charset="0"/>
+              </a:rPr>
+              <a:t>epoch</a:t>
+            </a:r>
+            <a:r>
+              <a:rPr lang="it-IT" dirty="0">
+                <a:effectLst/>
+                <a:latin typeface="Helvetica Neue" panose="02000503000000020004" pitchFamily="2" charset="0"/>
+              </a:rPr>
+              <a:t>.</a:t>
+            </a:r>
+          </a:p>
+          <a:p>
+            <a:br>
+              <a:rPr lang="it-IT" dirty="0">
+                <a:effectLst/>
+                <a:latin typeface="Helvetica Neue" panose="02000503000000020004" pitchFamily="2" charset="0"/>
+              </a:rPr>
+            </a:br>
+            <a:endParaRPr lang="it-IT" dirty="0">
+              <a:effectLst/>
+              <a:latin typeface="Helvetica Neue" panose="02000503000000020004" pitchFamily="2" charset="0"/>
+            </a:endParaRPr>
+          </a:p>
+          <a:p>
+            <a:r>
+              <a:rPr lang="it-IT" dirty="0" err="1">
+                <a:effectLst/>
+                <a:latin typeface="Helvetica Neue" panose="02000503000000020004" pitchFamily="2" charset="0"/>
+              </a:rPr>
+              <a:t>Each</a:t>
+            </a:r>
+            <a:r>
+              <a:rPr lang="it-IT" dirty="0">
+                <a:effectLst/>
+                <a:latin typeface="Helvetica Neue" panose="02000503000000020004" pitchFamily="2" charset="0"/>
+              </a:rPr>
+              <a:t> </a:t>
+            </a:r>
+            <a:r>
+              <a:rPr lang="it-IT" dirty="0" err="1">
+                <a:effectLst/>
+                <a:latin typeface="Helvetica Neue" panose="02000503000000020004" pitchFamily="2" charset="0"/>
+              </a:rPr>
+              <a:t>individual</a:t>
+            </a:r>
+            <a:r>
+              <a:rPr lang="it-IT" dirty="0">
+                <a:effectLst/>
+                <a:latin typeface="Helvetica Neue" panose="02000503000000020004" pitchFamily="2" charset="0"/>
+              </a:rPr>
+              <a:t> </a:t>
+            </a:r>
+            <a:r>
+              <a:rPr lang="it-IT" dirty="0" err="1">
+                <a:effectLst/>
+                <a:latin typeface="Helvetica Neue" panose="02000503000000020004" pitchFamily="2" charset="0"/>
+              </a:rPr>
+              <a:t>will</a:t>
+            </a:r>
+            <a:r>
+              <a:rPr lang="it-IT" dirty="0">
+                <a:effectLst/>
+                <a:latin typeface="Helvetica Neue" panose="02000503000000020004" pitchFamily="2" charset="0"/>
+              </a:rPr>
+              <a:t> play </a:t>
+            </a:r>
+            <a:r>
+              <a:rPr lang="it-IT" dirty="0" err="1">
+                <a:effectLst/>
+                <a:latin typeface="Helvetica Neue" panose="02000503000000020004" pitchFamily="2" charset="0"/>
+              </a:rPr>
+              <a:t>several</a:t>
+            </a:r>
+            <a:r>
+              <a:rPr lang="it-IT" dirty="0">
+                <a:effectLst/>
+                <a:latin typeface="Helvetica Neue" panose="02000503000000020004" pitchFamily="2" charset="0"/>
+              </a:rPr>
+              <a:t> matches in an </a:t>
+            </a:r>
+            <a:r>
+              <a:rPr lang="it-IT" dirty="0" err="1">
+                <a:effectLst/>
+                <a:latin typeface="Helvetica Neue" panose="02000503000000020004" pitchFamily="2" charset="0"/>
+              </a:rPr>
+              <a:t>epoch</a:t>
+            </a:r>
+            <a:r>
+              <a:rPr lang="it-IT" dirty="0">
+                <a:effectLst/>
+                <a:latin typeface="Helvetica Neue" panose="02000503000000020004" pitchFamily="2" charset="0"/>
+              </a:rPr>
+              <a:t> </a:t>
+            </a:r>
+            <a:r>
+              <a:rPr lang="it-IT" dirty="0" err="1">
+                <a:effectLst/>
+                <a:latin typeface="Helvetica Neue" panose="02000503000000020004" pitchFamily="2" charset="0"/>
+              </a:rPr>
+              <a:t>against</a:t>
+            </a:r>
+            <a:r>
+              <a:rPr lang="it-IT" dirty="0">
+                <a:effectLst/>
+                <a:latin typeface="Helvetica Neue" panose="02000503000000020004" pitchFamily="2" charset="0"/>
+              </a:rPr>
+              <a:t> the </a:t>
+            </a:r>
+            <a:r>
+              <a:rPr lang="it-IT" dirty="0" err="1">
+                <a:effectLst/>
+                <a:latin typeface="Helvetica Neue" panose="02000503000000020004" pitchFamily="2" charset="0"/>
+              </a:rPr>
+              <a:t>optimal</a:t>
+            </a:r>
+            <a:r>
+              <a:rPr lang="it-IT" dirty="0">
+                <a:effectLst/>
+                <a:latin typeface="Helvetica Neue" panose="02000503000000020004" pitchFamily="2" charset="0"/>
+              </a:rPr>
+              <a:t> </a:t>
+            </a:r>
+            <a:r>
+              <a:rPr lang="it-IT" dirty="0" err="1">
+                <a:effectLst/>
+                <a:latin typeface="Helvetica Neue" panose="02000503000000020004" pitchFamily="2" charset="0"/>
+              </a:rPr>
+              <a:t>algorithm</a:t>
+            </a:r>
+            <a:r>
+              <a:rPr lang="it-IT" dirty="0">
+                <a:effectLst/>
+                <a:latin typeface="Helvetica Neue" panose="02000503000000020004" pitchFamily="2" charset="0"/>
+              </a:rPr>
+              <a:t>. </a:t>
+            </a:r>
+            <a:r>
+              <a:rPr lang="it-IT" dirty="0" err="1">
+                <a:effectLst/>
+                <a:latin typeface="Helvetica Neue" panose="02000503000000020004" pitchFamily="2" charset="0"/>
+              </a:rPr>
+              <a:t>These</a:t>
+            </a:r>
+            <a:r>
+              <a:rPr lang="it-IT" dirty="0">
+                <a:effectLst/>
+                <a:latin typeface="Helvetica Neue" panose="02000503000000020004" pitchFamily="2" charset="0"/>
+              </a:rPr>
+              <a:t> matches </a:t>
+            </a:r>
+            <a:r>
+              <a:rPr lang="it-IT" dirty="0" err="1">
+                <a:effectLst/>
+                <a:latin typeface="Helvetica Neue" panose="02000503000000020004" pitchFamily="2" charset="0"/>
+              </a:rPr>
+              <a:t>will</a:t>
+            </a:r>
+            <a:r>
+              <a:rPr lang="it-IT" dirty="0">
+                <a:effectLst/>
+                <a:latin typeface="Helvetica Neue" panose="02000503000000020004" pitchFamily="2" charset="0"/>
+              </a:rPr>
+              <a:t> determine the fitness of </a:t>
+            </a:r>
+            <a:r>
+              <a:rPr lang="it-IT" dirty="0" err="1">
+                <a:effectLst/>
+                <a:latin typeface="Helvetica Neue" panose="02000503000000020004" pitchFamily="2" charset="0"/>
+              </a:rPr>
+              <a:t>these</a:t>
+            </a:r>
+            <a:r>
+              <a:rPr lang="it-IT" dirty="0">
+                <a:effectLst/>
+                <a:latin typeface="Helvetica Neue" panose="02000503000000020004" pitchFamily="2" charset="0"/>
+              </a:rPr>
+              <a:t> </a:t>
+            </a:r>
+            <a:r>
+              <a:rPr lang="it-IT" dirty="0" err="1">
+                <a:effectLst/>
+                <a:latin typeface="Helvetica Neue" panose="02000503000000020004" pitchFamily="2" charset="0"/>
+              </a:rPr>
+              <a:t>individuals</a:t>
+            </a:r>
+            <a:r>
+              <a:rPr lang="it-IT" dirty="0">
+                <a:effectLst/>
+                <a:latin typeface="Helvetica Neue" panose="02000503000000020004" pitchFamily="2" charset="0"/>
+              </a:rPr>
+              <a:t>.</a:t>
+            </a:r>
+          </a:p>
+          <a:p>
+            <a:endParaRPr lang="it-IT" dirty="0"/>
+          </a:p>
+        </p:txBody>
+      </p:sp>
+      <p:sp>
+        <p:nvSpPr>
+          <p:cNvPr id="4" name="Segnaposto numero diapositiva 3"/>
+          <p:cNvSpPr>
+            <a:spLocks noGrp="1"/>
+          </p:cNvSpPr>
+          <p:nvPr>
+            <p:ph type="sldNum" sz="quarter" idx="5"/>
+          </p:nvPr>
+        </p:nvSpPr>
+        <p:spPr/>
+        <p:txBody>
+          <a:bodyPr/>
+          <a:lstStyle/>
+          <a:p>
+            <a:fld id="{7C4D90DB-0CD3-2A49-91F8-5405B70E64A8}" type="slidenum">
+              <a:rPr lang="it-IT" smtClean="0"/>
+              <a:t>5</a:t>
+            </a:fld>
+            <a:endParaRPr lang="it-IT"/>
+          </a:p>
+        </p:txBody>
+      </p:sp>
+    </p:spTree>
+    <p:extLst>
+      <p:ext uri="{BB962C8B-B14F-4D97-AF65-F5344CB8AC3E}">
+        <p14:creationId xmlns:p14="http://schemas.microsoft.com/office/powerpoint/2010/main" val="3672917938"/>
+      </p:ext>
+    </p:extLst>
+  </p:cSld>
+  <p:clrMapOvr>
+    <a:masterClrMapping/>
+  </p:clrMapOvr>
+</p:notes>
+</file>
+
+<file path=ppt/notesSlides/notesSlide5.xml><?xml version="1.0" encoding="utf-8"?>
+<p:notes xmlns:a="http://schemas.openxmlformats.org/drawingml/2006/main" xmlns:r="http://schemas.openxmlformats.org/officeDocument/2006/relationships" xmlns:p="http://schemas.openxmlformats.org/presentationml/2006/main">
+  <p:cSld>
+    <p:spTree>
+      <p:nvGrpSpPr>
+        <p:cNvPr id="1" name=""/>
+        <p:cNvGrpSpPr/>
+        <p:nvPr/>
+      </p:nvGrpSpPr>
+      <p:grpSpPr>
+        <a:xfrm>
+          <a:off x="0" y="0"/>
+          <a:ext cx="0" cy="0"/>
+          <a:chOff x="0" y="0"/>
+          <a:chExt cx="0" cy="0"/>
+        </a:xfrm>
+      </p:grpSpPr>
+      <p:sp>
+        <p:nvSpPr>
+          <p:cNvPr id="2" name="Segnaposto immagine diapositiva 1"/>
+          <p:cNvSpPr>
+            <a:spLocks noGrp="1" noRot="1" noChangeAspect="1"/>
+          </p:cNvSpPr>
+          <p:nvPr>
+            <p:ph type="sldImg"/>
+          </p:nvPr>
+        </p:nvSpPr>
+        <p:spPr/>
+      </p:sp>
+      <p:sp>
+        <p:nvSpPr>
+          <p:cNvPr id="3" name="Segnaposto note 2"/>
+          <p:cNvSpPr>
+            <a:spLocks noGrp="1"/>
+          </p:cNvSpPr>
+          <p:nvPr>
+            <p:ph type="body" idx="1"/>
+          </p:nvPr>
+        </p:nvSpPr>
+        <p:spPr/>
+        <p:txBody>
+          <a:bodyPr/>
+          <a:lstStyle/>
+          <a:p>
+            <a:r>
+              <a:rPr lang="it-IT" dirty="0">
+                <a:effectLst/>
+                <a:latin typeface="Helvetica Neue" panose="02000503000000020004" pitchFamily="2" charset="0"/>
+              </a:rPr>
+              <a:t>For Parent </a:t>
+            </a:r>
+            <a:r>
+              <a:rPr lang="it-IT" dirty="0" err="1">
+                <a:effectLst/>
+                <a:latin typeface="Helvetica Neue" panose="02000503000000020004" pitchFamily="2" charset="0"/>
+              </a:rPr>
+              <a:t>Selection</a:t>
+            </a:r>
+            <a:r>
+              <a:rPr lang="it-IT" dirty="0">
+                <a:effectLst/>
+                <a:latin typeface="Helvetica Neue" panose="02000503000000020004" pitchFamily="2" charset="0"/>
+              </a:rPr>
+              <a:t>, I </a:t>
+            </a:r>
+            <a:r>
+              <a:rPr lang="it-IT" dirty="0" err="1">
+                <a:effectLst/>
+                <a:latin typeface="Helvetica Neue" panose="02000503000000020004" pitchFamily="2" charset="0"/>
+              </a:rPr>
+              <a:t>adopted</a:t>
+            </a:r>
+            <a:r>
+              <a:rPr lang="it-IT" dirty="0">
+                <a:effectLst/>
+                <a:latin typeface="Helvetica Neue" panose="02000503000000020004" pitchFamily="2" charset="0"/>
+              </a:rPr>
+              <a:t> </a:t>
+            </a:r>
+            <a:r>
+              <a:rPr lang="it-IT" dirty="0" err="1">
+                <a:effectLst/>
+                <a:latin typeface="Helvetica Neue" panose="02000503000000020004" pitchFamily="2" charset="0"/>
+              </a:rPr>
+              <a:t>two</a:t>
+            </a:r>
+            <a:r>
+              <a:rPr lang="it-IT" dirty="0">
+                <a:effectLst/>
+                <a:latin typeface="Helvetica Neue" panose="02000503000000020004" pitchFamily="2" charset="0"/>
+              </a:rPr>
+              <a:t> </a:t>
+            </a:r>
+            <a:r>
+              <a:rPr lang="it-IT" dirty="0" err="1">
+                <a:effectLst/>
+                <a:latin typeface="Helvetica Neue" panose="02000503000000020004" pitchFamily="2" charset="0"/>
+              </a:rPr>
+              <a:t>different</a:t>
+            </a:r>
+            <a:r>
+              <a:rPr lang="it-IT" dirty="0">
+                <a:effectLst/>
+                <a:latin typeface="Helvetica Neue" panose="02000503000000020004" pitchFamily="2" charset="0"/>
+              </a:rPr>
+              <a:t> strategies: </a:t>
+            </a:r>
+            <a:r>
+              <a:rPr lang="it-IT" dirty="0" err="1">
+                <a:effectLst/>
+                <a:latin typeface="Helvetica Neue" panose="02000503000000020004" pitchFamily="2" charset="0"/>
+              </a:rPr>
+              <a:t>tournament</a:t>
+            </a:r>
+            <a:r>
+              <a:rPr lang="it-IT" dirty="0">
+                <a:effectLst/>
+                <a:latin typeface="Helvetica Neue" panose="02000503000000020004" pitchFamily="2" charset="0"/>
+              </a:rPr>
+              <a:t> </a:t>
+            </a:r>
+            <a:r>
+              <a:rPr lang="it-IT" dirty="0" err="1">
+                <a:effectLst/>
+                <a:latin typeface="Helvetica Neue" panose="02000503000000020004" pitchFamily="2" charset="0"/>
+              </a:rPr>
+              <a:t>Selection</a:t>
+            </a:r>
+            <a:r>
+              <a:rPr lang="it-IT" dirty="0">
+                <a:effectLst/>
+                <a:latin typeface="Helvetica Neue" panose="02000503000000020004" pitchFamily="2" charset="0"/>
+              </a:rPr>
+              <a:t> and roulette </a:t>
+            </a:r>
+            <a:r>
+              <a:rPr lang="it-IT" dirty="0" err="1">
+                <a:effectLst/>
+                <a:latin typeface="Helvetica Neue" panose="02000503000000020004" pitchFamily="2" charset="0"/>
+              </a:rPr>
+              <a:t>wheel</a:t>
+            </a:r>
+            <a:r>
+              <a:rPr lang="it-IT" dirty="0">
+                <a:effectLst/>
+                <a:latin typeface="Helvetica Neue" panose="02000503000000020004" pitchFamily="2" charset="0"/>
+              </a:rPr>
+              <a:t> </a:t>
+            </a:r>
+            <a:r>
+              <a:rPr lang="it-IT" dirty="0" err="1">
+                <a:effectLst/>
+                <a:latin typeface="Helvetica Neue" panose="02000503000000020004" pitchFamily="2" charset="0"/>
+              </a:rPr>
+              <a:t>selection</a:t>
+            </a:r>
+            <a:r>
+              <a:rPr lang="it-IT" dirty="0">
+                <a:effectLst/>
+                <a:latin typeface="Helvetica Neue" panose="02000503000000020004" pitchFamily="2" charset="0"/>
+              </a:rPr>
+              <a:t>.</a:t>
+            </a:r>
+          </a:p>
+          <a:p>
+            <a:br>
+              <a:rPr lang="it-IT" dirty="0">
+                <a:effectLst/>
+                <a:latin typeface="Helvetica Neue" panose="02000503000000020004" pitchFamily="2" charset="0"/>
+              </a:rPr>
+            </a:br>
+            <a:endParaRPr lang="it-IT" dirty="0">
+              <a:effectLst/>
+              <a:latin typeface="Helvetica Neue" panose="02000503000000020004" pitchFamily="2" charset="0"/>
+            </a:endParaRPr>
+          </a:p>
+          <a:p>
+            <a:r>
+              <a:rPr lang="it-IT" dirty="0">
+                <a:effectLst/>
+                <a:latin typeface="Helvetica Neue" panose="02000503000000020004" pitchFamily="2" charset="0"/>
+              </a:rPr>
+              <a:t>Tournament </a:t>
+            </a:r>
+            <a:r>
+              <a:rPr lang="it-IT" dirty="0" err="1">
+                <a:effectLst/>
+                <a:latin typeface="Helvetica Neue" panose="02000503000000020004" pitchFamily="2" charset="0"/>
+              </a:rPr>
+              <a:t>selection</a:t>
+            </a:r>
+            <a:r>
+              <a:rPr lang="it-IT" dirty="0">
+                <a:effectLst/>
+                <a:latin typeface="Helvetica Neue" panose="02000503000000020004" pitchFamily="2" charset="0"/>
+              </a:rPr>
+              <a:t> </a:t>
+            </a:r>
+            <a:r>
+              <a:rPr lang="it-IT" dirty="0" err="1">
+                <a:effectLst/>
+                <a:latin typeface="Helvetica Neue" panose="02000503000000020004" pitchFamily="2" charset="0"/>
+              </a:rPr>
+              <a:t>involves</a:t>
+            </a:r>
+            <a:r>
+              <a:rPr lang="it-IT" dirty="0">
+                <a:effectLst/>
+                <a:latin typeface="Helvetica Neue" panose="02000503000000020004" pitchFamily="2" charset="0"/>
+              </a:rPr>
+              <a:t> </a:t>
+            </a:r>
+            <a:r>
+              <a:rPr lang="it-IT" dirty="0" err="1">
+                <a:effectLst/>
+                <a:latin typeface="Helvetica Neue" panose="02000503000000020004" pitchFamily="2" charset="0"/>
+              </a:rPr>
+              <a:t>choosing</a:t>
+            </a:r>
+            <a:r>
+              <a:rPr lang="it-IT" dirty="0">
+                <a:effectLst/>
+                <a:latin typeface="Helvetica Neue" panose="02000503000000020004" pitchFamily="2" charset="0"/>
+              </a:rPr>
+              <a:t> the </a:t>
+            </a:r>
+            <a:r>
+              <a:rPr lang="it-IT" dirty="0" err="1">
+                <a:effectLst/>
+                <a:latin typeface="Helvetica Neue" panose="02000503000000020004" pitchFamily="2" charset="0"/>
+              </a:rPr>
+              <a:t>parent</a:t>
+            </a:r>
+            <a:r>
+              <a:rPr lang="it-IT" dirty="0">
+                <a:effectLst/>
+                <a:latin typeface="Helvetica Neue" panose="02000503000000020004" pitchFamily="2" charset="0"/>
+              </a:rPr>
+              <a:t> with the </a:t>
+            </a:r>
+            <a:r>
+              <a:rPr lang="it-IT" dirty="0" err="1">
+                <a:effectLst/>
+                <a:latin typeface="Helvetica Neue" panose="02000503000000020004" pitchFamily="2" charset="0"/>
+              </a:rPr>
+              <a:t>highest</a:t>
+            </a:r>
+            <a:r>
+              <a:rPr lang="it-IT" dirty="0">
+                <a:effectLst/>
+                <a:latin typeface="Helvetica Neue" panose="02000503000000020004" pitchFamily="2" charset="0"/>
+              </a:rPr>
+              <a:t> fitness from a pool of </a:t>
+            </a:r>
+            <a:r>
+              <a:rPr lang="it-IT" dirty="0" err="1">
+                <a:effectLst/>
+                <a:latin typeface="Helvetica Neue" panose="02000503000000020004" pitchFamily="2" charset="0"/>
+              </a:rPr>
+              <a:t>n</a:t>
+            </a:r>
+            <a:r>
+              <a:rPr lang="it-IT" dirty="0">
+                <a:effectLst/>
+                <a:latin typeface="Helvetica Neue" panose="02000503000000020004" pitchFamily="2" charset="0"/>
+              </a:rPr>
+              <a:t> </a:t>
+            </a:r>
+            <a:r>
+              <a:rPr lang="it-IT" dirty="0" err="1">
+                <a:effectLst/>
+                <a:latin typeface="Helvetica Neue" panose="02000503000000020004" pitchFamily="2" charset="0"/>
+              </a:rPr>
+              <a:t>parents</a:t>
+            </a:r>
+            <a:r>
+              <a:rPr lang="it-IT" dirty="0">
+                <a:effectLst/>
+                <a:latin typeface="Helvetica Neue" panose="02000503000000020004" pitchFamily="2" charset="0"/>
+              </a:rPr>
+              <a:t>. </a:t>
+            </a:r>
+            <a:r>
+              <a:rPr lang="it-IT" dirty="0" err="1">
+                <a:effectLst/>
+                <a:latin typeface="Helvetica Neue" panose="02000503000000020004" pitchFamily="2" charset="0"/>
+              </a:rPr>
+              <a:t>This</a:t>
+            </a:r>
+            <a:r>
+              <a:rPr lang="it-IT" dirty="0">
+                <a:effectLst/>
+                <a:latin typeface="Helvetica Neue" panose="02000503000000020004" pitchFamily="2" charset="0"/>
+              </a:rPr>
+              <a:t> </a:t>
+            </a:r>
+            <a:r>
+              <a:rPr lang="it-IT" dirty="0" err="1">
+                <a:effectLst/>
+                <a:latin typeface="Helvetica Neue" panose="02000503000000020004" pitchFamily="2" charset="0"/>
+              </a:rPr>
+              <a:t>approach</a:t>
+            </a:r>
+            <a:r>
+              <a:rPr lang="it-IT" dirty="0">
+                <a:effectLst/>
+                <a:latin typeface="Helvetica Neue" panose="02000503000000020004" pitchFamily="2" charset="0"/>
+              </a:rPr>
+              <a:t> </a:t>
+            </a:r>
+            <a:r>
+              <a:rPr lang="it-IT" dirty="0" err="1">
+                <a:effectLst/>
+                <a:latin typeface="Helvetica Neue" panose="02000503000000020004" pitchFamily="2" charset="0"/>
+              </a:rPr>
+              <a:t>might</a:t>
+            </a:r>
+            <a:r>
+              <a:rPr lang="it-IT" dirty="0">
+                <a:effectLst/>
+                <a:latin typeface="Helvetica Neue" panose="02000503000000020004" pitchFamily="2" charset="0"/>
+              </a:rPr>
+              <a:t> converge </a:t>
+            </a:r>
+            <a:r>
+              <a:rPr lang="it-IT" dirty="0" err="1">
+                <a:effectLst/>
+                <a:latin typeface="Helvetica Neue" panose="02000503000000020004" pitchFamily="2" charset="0"/>
+              </a:rPr>
+              <a:t>faster</a:t>
+            </a:r>
+            <a:r>
+              <a:rPr lang="it-IT" dirty="0">
+                <a:effectLst/>
+                <a:latin typeface="Helvetica Neue" panose="02000503000000020004" pitchFamily="2" charset="0"/>
+              </a:rPr>
+              <a:t> to a high-fitness </a:t>
+            </a:r>
+            <a:r>
+              <a:rPr lang="it-IT" dirty="0" err="1">
+                <a:effectLst/>
+                <a:latin typeface="Helvetica Neue" panose="02000503000000020004" pitchFamily="2" charset="0"/>
+              </a:rPr>
+              <a:t>solution</a:t>
+            </a:r>
+            <a:r>
+              <a:rPr lang="it-IT" dirty="0">
+                <a:effectLst/>
+                <a:latin typeface="Helvetica Neue" panose="02000503000000020004" pitchFamily="2" charset="0"/>
+              </a:rPr>
+              <a:t> </a:t>
+            </a:r>
+            <a:r>
+              <a:rPr lang="it-IT" dirty="0" err="1">
+                <a:effectLst/>
+                <a:latin typeface="Helvetica Neue" panose="02000503000000020004" pitchFamily="2" charset="0"/>
+              </a:rPr>
+              <a:t>but</a:t>
+            </a:r>
+            <a:r>
+              <a:rPr lang="it-IT" dirty="0">
+                <a:effectLst/>
+                <a:latin typeface="Helvetica Neue" panose="02000503000000020004" pitchFamily="2" charset="0"/>
+              </a:rPr>
+              <a:t> </a:t>
+            </a:r>
+            <a:r>
+              <a:rPr lang="it-IT" dirty="0" err="1">
+                <a:effectLst/>
+                <a:latin typeface="Helvetica Neue" panose="02000503000000020004" pitchFamily="2" charset="0"/>
+              </a:rPr>
+              <a:t>at</a:t>
+            </a:r>
+            <a:r>
+              <a:rPr lang="it-IT" dirty="0">
+                <a:effectLst/>
+                <a:latin typeface="Helvetica Neue" panose="02000503000000020004" pitchFamily="2" charset="0"/>
+              </a:rPr>
+              <a:t> the risk of </a:t>
+            </a:r>
+            <a:r>
+              <a:rPr lang="it-IT" dirty="0" err="1">
+                <a:effectLst/>
+                <a:latin typeface="Helvetica Neue" panose="02000503000000020004" pitchFamily="2" charset="0"/>
+              </a:rPr>
+              <a:t>getting</a:t>
+            </a:r>
+            <a:r>
+              <a:rPr lang="it-IT" dirty="0">
+                <a:effectLst/>
+                <a:latin typeface="Helvetica Neue" panose="02000503000000020004" pitchFamily="2" charset="0"/>
+              </a:rPr>
+              <a:t> </a:t>
+            </a:r>
+            <a:r>
+              <a:rPr lang="it-IT" dirty="0" err="1">
+                <a:effectLst/>
+                <a:latin typeface="Helvetica Neue" panose="02000503000000020004" pitchFamily="2" charset="0"/>
+              </a:rPr>
+              <a:t>stuck</a:t>
+            </a:r>
+            <a:r>
+              <a:rPr lang="it-IT" dirty="0">
+                <a:effectLst/>
+                <a:latin typeface="Helvetica Neue" panose="02000503000000020004" pitchFamily="2" charset="0"/>
+              </a:rPr>
+              <a:t> in </a:t>
+            </a:r>
+            <a:r>
+              <a:rPr lang="it-IT" dirty="0" err="1">
+                <a:effectLst/>
+                <a:latin typeface="Helvetica Neue" panose="02000503000000020004" pitchFamily="2" charset="0"/>
+              </a:rPr>
+              <a:t>local</a:t>
+            </a:r>
+            <a:r>
+              <a:rPr lang="it-IT" dirty="0">
+                <a:effectLst/>
+                <a:latin typeface="Helvetica Neue" panose="02000503000000020004" pitchFamily="2" charset="0"/>
+              </a:rPr>
+              <a:t> optima.</a:t>
+            </a:r>
+          </a:p>
+          <a:p>
+            <a:br>
+              <a:rPr lang="it-IT" dirty="0">
+                <a:effectLst/>
+                <a:latin typeface="Helvetica Neue" panose="02000503000000020004" pitchFamily="2" charset="0"/>
+              </a:rPr>
+            </a:br>
+            <a:endParaRPr lang="it-IT" dirty="0">
+              <a:effectLst/>
+              <a:latin typeface="Helvetica Neue" panose="02000503000000020004" pitchFamily="2" charset="0"/>
+            </a:endParaRPr>
+          </a:p>
+          <a:p>
+            <a:r>
+              <a:rPr lang="it-IT" dirty="0">
+                <a:effectLst/>
+                <a:latin typeface="Helvetica Neue" panose="02000503000000020004" pitchFamily="2" charset="0"/>
+              </a:rPr>
+              <a:t>Roulette </a:t>
+            </a:r>
+            <a:r>
+              <a:rPr lang="it-IT" dirty="0" err="1">
+                <a:effectLst/>
+                <a:latin typeface="Helvetica Neue" panose="02000503000000020004" pitchFamily="2" charset="0"/>
+              </a:rPr>
+              <a:t>wheel</a:t>
+            </a:r>
+            <a:r>
+              <a:rPr lang="it-IT" dirty="0">
+                <a:effectLst/>
+                <a:latin typeface="Helvetica Neue" panose="02000503000000020004" pitchFamily="2" charset="0"/>
+              </a:rPr>
+              <a:t> </a:t>
+            </a:r>
+            <a:r>
+              <a:rPr lang="it-IT" dirty="0" err="1">
+                <a:effectLst/>
+                <a:latin typeface="Helvetica Neue" panose="02000503000000020004" pitchFamily="2" charset="0"/>
+              </a:rPr>
+              <a:t>selection</a:t>
+            </a:r>
+            <a:r>
+              <a:rPr lang="it-IT" dirty="0">
+                <a:effectLst/>
+                <a:latin typeface="Helvetica Neue" panose="02000503000000020004" pitchFamily="2" charset="0"/>
+              </a:rPr>
+              <a:t>, on the </a:t>
+            </a:r>
+            <a:r>
+              <a:rPr lang="it-IT" dirty="0" err="1">
+                <a:effectLst/>
+                <a:latin typeface="Helvetica Neue" panose="02000503000000020004" pitchFamily="2" charset="0"/>
+              </a:rPr>
+              <a:t>other</a:t>
+            </a:r>
+            <a:r>
+              <a:rPr lang="it-IT" dirty="0">
+                <a:effectLst/>
+                <a:latin typeface="Helvetica Neue" panose="02000503000000020004" pitchFamily="2" charset="0"/>
+              </a:rPr>
+              <a:t> hand, </a:t>
+            </a:r>
+            <a:r>
+              <a:rPr lang="it-IT" dirty="0" err="1">
+                <a:effectLst/>
+                <a:latin typeface="Helvetica Neue" panose="02000503000000020004" pitchFamily="2" charset="0"/>
+              </a:rPr>
+              <a:t>assigns</a:t>
+            </a:r>
+            <a:r>
+              <a:rPr lang="it-IT" dirty="0">
+                <a:effectLst/>
+                <a:latin typeface="Helvetica Neue" panose="02000503000000020004" pitchFamily="2" charset="0"/>
+              </a:rPr>
+              <a:t> a </a:t>
+            </a:r>
+            <a:r>
+              <a:rPr lang="it-IT" dirty="0" err="1">
+                <a:effectLst/>
+                <a:latin typeface="Helvetica Neue" panose="02000503000000020004" pitchFamily="2" charset="0"/>
+              </a:rPr>
+              <a:t>probability</a:t>
+            </a:r>
+            <a:r>
+              <a:rPr lang="it-IT" dirty="0">
+                <a:effectLst/>
+                <a:latin typeface="Helvetica Neue" panose="02000503000000020004" pitchFamily="2" charset="0"/>
+              </a:rPr>
+              <a:t> of </a:t>
+            </a:r>
+            <a:r>
+              <a:rPr lang="it-IT" dirty="0" err="1">
+                <a:effectLst/>
+                <a:latin typeface="Helvetica Neue" panose="02000503000000020004" pitchFamily="2" charset="0"/>
+              </a:rPr>
+              <a:t>being</a:t>
+            </a:r>
+            <a:r>
+              <a:rPr lang="it-IT" dirty="0">
+                <a:effectLst/>
+                <a:latin typeface="Helvetica Neue" panose="02000503000000020004" pitchFamily="2" charset="0"/>
+              </a:rPr>
+              <a:t> </a:t>
+            </a:r>
+            <a:r>
+              <a:rPr lang="it-IT" dirty="0" err="1">
+                <a:effectLst/>
+                <a:latin typeface="Helvetica Neue" panose="02000503000000020004" pitchFamily="2" charset="0"/>
+              </a:rPr>
+              <a:t>chosen</a:t>
+            </a:r>
+            <a:r>
+              <a:rPr lang="it-IT" dirty="0">
+                <a:effectLst/>
+                <a:latin typeface="Helvetica Neue" panose="02000503000000020004" pitchFamily="2" charset="0"/>
+              </a:rPr>
+              <a:t> </a:t>
+            </a:r>
+            <a:r>
+              <a:rPr lang="it-IT" dirty="0" err="1">
+                <a:effectLst/>
+                <a:latin typeface="Helvetica Neue" panose="02000503000000020004" pitchFamily="2" charset="0"/>
+              </a:rPr>
+              <a:t>as</a:t>
+            </a:r>
+            <a:r>
+              <a:rPr lang="it-IT" dirty="0">
+                <a:effectLst/>
+                <a:latin typeface="Helvetica Neue" panose="02000503000000020004" pitchFamily="2" charset="0"/>
+              </a:rPr>
+              <a:t> a </a:t>
+            </a:r>
+            <a:r>
+              <a:rPr lang="it-IT" dirty="0" err="1">
+                <a:effectLst/>
+                <a:latin typeface="Helvetica Neue" panose="02000503000000020004" pitchFamily="2" charset="0"/>
+              </a:rPr>
+              <a:t>parent</a:t>
+            </a:r>
+            <a:r>
+              <a:rPr lang="it-IT" dirty="0">
+                <a:effectLst/>
+                <a:latin typeface="Helvetica Neue" panose="02000503000000020004" pitchFamily="2" charset="0"/>
+              </a:rPr>
+              <a:t> to </a:t>
+            </a:r>
+            <a:r>
+              <a:rPr lang="it-IT" dirty="0" err="1">
+                <a:effectLst/>
+                <a:latin typeface="Helvetica Neue" panose="02000503000000020004" pitchFamily="2" charset="0"/>
+              </a:rPr>
+              <a:t>each</a:t>
+            </a:r>
+            <a:r>
+              <a:rPr lang="it-IT" dirty="0">
+                <a:effectLst/>
+                <a:latin typeface="Helvetica Neue" panose="02000503000000020004" pitchFamily="2" charset="0"/>
+              </a:rPr>
+              <a:t> </a:t>
+            </a:r>
+            <a:r>
+              <a:rPr lang="it-IT" dirty="0" err="1">
+                <a:effectLst/>
+                <a:latin typeface="Helvetica Neue" panose="02000503000000020004" pitchFamily="2" charset="0"/>
+              </a:rPr>
+              <a:t>individual</a:t>
+            </a:r>
+            <a:r>
+              <a:rPr lang="it-IT" dirty="0">
+                <a:effectLst/>
+                <a:latin typeface="Helvetica Neue" panose="02000503000000020004" pitchFamily="2" charset="0"/>
+              </a:rPr>
+              <a:t> in </a:t>
+            </a:r>
+            <a:r>
+              <a:rPr lang="it-IT" dirty="0" err="1">
+                <a:effectLst/>
+                <a:latin typeface="Helvetica Neue" panose="02000503000000020004" pitchFamily="2" charset="0"/>
+              </a:rPr>
+              <a:t>proportion</a:t>
+            </a:r>
+            <a:r>
+              <a:rPr lang="it-IT" dirty="0">
+                <a:effectLst/>
+                <a:latin typeface="Helvetica Neue" panose="02000503000000020004" pitchFamily="2" charset="0"/>
+              </a:rPr>
+              <a:t> to </a:t>
+            </a:r>
+            <a:r>
+              <a:rPr lang="it-IT" dirty="0" err="1">
+                <a:effectLst/>
+                <a:latin typeface="Helvetica Neue" panose="02000503000000020004" pitchFamily="2" charset="0"/>
+              </a:rPr>
+              <a:t>their</a:t>
+            </a:r>
+            <a:r>
+              <a:rPr lang="it-IT" dirty="0">
+                <a:effectLst/>
+                <a:latin typeface="Helvetica Neue" panose="02000503000000020004" pitchFamily="2" charset="0"/>
+              </a:rPr>
+              <a:t> fitness. </a:t>
+            </a:r>
+            <a:r>
+              <a:rPr lang="it-IT" dirty="0" err="1">
+                <a:effectLst/>
+                <a:latin typeface="Helvetica Neue" panose="02000503000000020004" pitchFamily="2" charset="0"/>
+              </a:rPr>
+              <a:t>This</a:t>
+            </a:r>
+            <a:r>
+              <a:rPr lang="it-IT" dirty="0">
+                <a:effectLst/>
+                <a:latin typeface="Helvetica Neue" panose="02000503000000020004" pitchFamily="2" charset="0"/>
+              </a:rPr>
+              <a:t> </a:t>
+            </a:r>
+            <a:r>
+              <a:rPr lang="it-IT" dirty="0" err="1">
+                <a:effectLst/>
+                <a:latin typeface="Helvetica Neue" panose="02000503000000020004" pitchFamily="2" charset="0"/>
+              </a:rPr>
+              <a:t>approach</a:t>
+            </a:r>
+            <a:r>
+              <a:rPr lang="it-IT" dirty="0">
+                <a:effectLst/>
+                <a:latin typeface="Helvetica Neue" panose="02000503000000020004" pitchFamily="2" charset="0"/>
+              </a:rPr>
+              <a:t> </a:t>
+            </a:r>
+            <a:r>
+              <a:rPr lang="it-IT" dirty="0" err="1">
+                <a:effectLst/>
+                <a:latin typeface="Helvetica Neue" panose="02000503000000020004" pitchFamily="2" charset="0"/>
+              </a:rPr>
+              <a:t>might</a:t>
+            </a:r>
+            <a:r>
+              <a:rPr lang="it-IT" dirty="0">
+                <a:effectLst/>
+                <a:latin typeface="Helvetica Neue" panose="02000503000000020004" pitchFamily="2" charset="0"/>
+              </a:rPr>
+              <a:t> </a:t>
+            </a:r>
+            <a:r>
+              <a:rPr lang="it-IT" dirty="0" err="1">
+                <a:effectLst/>
+                <a:latin typeface="Helvetica Neue" panose="02000503000000020004" pitchFamily="2" charset="0"/>
+              </a:rPr>
+              <a:t>maintain</a:t>
+            </a:r>
+            <a:r>
+              <a:rPr lang="it-IT" dirty="0">
+                <a:effectLst/>
+                <a:latin typeface="Helvetica Neue" panose="02000503000000020004" pitchFamily="2" charset="0"/>
+              </a:rPr>
+              <a:t> more </a:t>
+            </a:r>
+            <a:r>
+              <a:rPr lang="it-IT" dirty="0" err="1">
+                <a:effectLst/>
+                <a:latin typeface="Helvetica Neue" panose="02000503000000020004" pitchFamily="2" charset="0"/>
+              </a:rPr>
+              <a:t>diversity</a:t>
+            </a:r>
+            <a:r>
+              <a:rPr lang="it-IT" dirty="0">
+                <a:effectLst/>
+                <a:latin typeface="Helvetica Neue" panose="02000503000000020004" pitchFamily="2" charset="0"/>
+              </a:rPr>
+              <a:t> </a:t>
+            </a:r>
+            <a:r>
+              <a:rPr lang="it-IT" dirty="0" err="1">
+                <a:effectLst/>
+                <a:latin typeface="Helvetica Neue" panose="02000503000000020004" pitchFamily="2" charset="0"/>
+              </a:rPr>
+              <a:t>within</a:t>
+            </a:r>
+            <a:r>
+              <a:rPr lang="it-IT" dirty="0">
+                <a:effectLst/>
+                <a:latin typeface="Helvetica Neue" panose="02000503000000020004" pitchFamily="2" charset="0"/>
+              </a:rPr>
+              <a:t> the </a:t>
+            </a:r>
+            <a:r>
+              <a:rPr lang="it-IT" dirty="0" err="1">
+                <a:effectLst/>
+                <a:latin typeface="Helvetica Neue" panose="02000503000000020004" pitchFamily="2" charset="0"/>
+              </a:rPr>
+              <a:t>population</a:t>
+            </a:r>
+            <a:r>
+              <a:rPr lang="it-IT" dirty="0">
+                <a:effectLst/>
+                <a:latin typeface="Helvetica Neue" panose="02000503000000020004" pitchFamily="2" charset="0"/>
+              </a:rPr>
+              <a:t> </a:t>
+            </a:r>
+            <a:r>
+              <a:rPr lang="it-IT" dirty="0" err="1">
+                <a:effectLst/>
+                <a:latin typeface="Helvetica Neue" panose="02000503000000020004" pitchFamily="2" charset="0"/>
+              </a:rPr>
+              <a:t>compared</a:t>
+            </a:r>
+            <a:r>
+              <a:rPr lang="it-IT" dirty="0">
+                <a:effectLst/>
+                <a:latin typeface="Helvetica Neue" panose="02000503000000020004" pitchFamily="2" charset="0"/>
+              </a:rPr>
+              <a:t> to </a:t>
+            </a:r>
+            <a:r>
+              <a:rPr lang="it-IT" dirty="0" err="1">
+                <a:effectLst/>
+                <a:latin typeface="Helvetica Neue" panose="02000503000000020004" pitchFamily="2" charset="0"/>
+              </a:rPr>
+              <a:t>tournament</a:t>
+            </a:r>
+            <a:r>
+              <a:rPr lang="it-IT" dirty="0">
+                <a:effectLst/>
+                <a:latin typeface="Helvetica Neue" panose="02000503000000020004" pitchFamily="2" charset="0"/>
+              </a:rPr>
+              <a:t> </a:t>
+            </a:r>
+            <a:r>
+              <a:rPr lang="it-IT" dirty="0" err="1">
+                <a:effectLst/>
+                <a:latin typeface="Helvetica Neue" panose="02000503000000020004" pitchFamily="2" charset="0"/>
+              </a:rPr>
+              <a:t>selection</a:t>
+            </a:r>
+            <a:r>
+              <a:rPr lang="it-IT" dirty="0">
+                <a:effectLst/>
+                <a:latin typeface="Helvetica Neue" panose="02000503000000020004" pitchFamily="2" charset="0"/>
+              </a:rPr>
+              <a:t>, </a:t>
+            </a:r>
+            <a:r>
+              <a:rPr lang="it-IT" dirty="0" err="1">
+                <a:effectLst/>
+                <a:latin typeface="Helvetica Neue" panose="02000503000000020004" pitchFamily="2" charset="0"/>
+              </a:rPr>
+              <a:t>as</a:t>
+            </a:r>
+            <a:r>
+              <a:rPr lang="it-IT" dirty="0">
+                <a:effectLst/>
+                <a:latin typeface="Helvetica Neue" panose="02000503000000020004" pitchFamily="2" charset="0"/>
+              </a:rPr>
+              <a:t> </a:t>
+            </a:r>
+            <a:r>
+              <a:rPr lang="it-IT" dirty="0" err="1">
+                <a:effectLst/>
+                <a:latin typeface="Helvetica Neue" panose="02000503000000020004" pitchFamily="2" charset="0"/>
+              </a:rPr>
+              <a:t>there</a:t>
+            </a:r>
+            <a:r>
+              <a:rPr lang="it-IT" dirty="0">
+                <a:effectLst/>
+                <a:latin typeface="Helvetica Neue" panose="02000503000000020004" pitchFamily="2" charset="0"/>
+              </a:rPr>
+              <a:t> </a:t>
+            </a:r>
+            <a:r>
+              <a:rPr lang="it-IT" dirty="0" err="1">
+                <a:effectLst/>
+                <a:latin typeface="Helvetica Neue" panose="02000503000000020004" pitchFamily="2" charset="0"/>
+              </a:rPr>
+              <a:t>is</a:t>
+            </a:r>
+            <a:r>
+              <a:rPr lang="it-IT" dirty="0">
+                <a:effectLst/>
+                <a:latin typeface="Helvetica Neue" panose="02000503000000020004" pitchFamily="2" charset="0"/>
+              </a:rPr>
+              <a:t> a </a:t>
+            </a:r>
+            <a:r>
+              <a:rPr lang="it-IT" dirty="0" err="1">
+                <a:effectLst/>
+                <a:latin typeface="Helvetica Neue" panose="02000503000000020004" pitchFamily="2" charset="0"/>
+              </a:rPr>
+              <a:t>possibility</a:t>
+            </a:r>
+            <a:r>
+              <a:rPr lang="it-IT" dirty="0">
+                <a:effectLst/>
+                <a:latin typeface="Helvetica Neue" panose="02000503000000020004" pitchFamily="2" charset="0"/>
+              </a:rPr>
+              <a:t> </a:t>
+            </a:r>
+            <a:r>
+              <a:rPr lang="it-IT" dirty="0" err="1">
+                <a:effectLst/>
+                <a:latin typeface="Helvetica Neue" panose="02000503000000020004" pitchFamily="2" charset="0"/>
+              </a:rPr>
+              <a:t>that</a:t>
+            </a:r>
+            <a:r>
+              <a:rPr lang="it-IT" dirty="0">
+                <a:effectLst/>
+                <a:latin typeface="Helvetica Neue" panose="02000503000000020004" pitchFamily="2" charset="0"/>
+              </a:rPr>
+              <a:t> an </a:t>
+            </a:r>
+            <a:r>
+              <a:rPr lang="it-IT" dirty="0" err="1">
+                <a:effectLst/>
+                <a:latin typeface="Helvetica Neue" panose="02000503000000020004" pitchFamily="2" charset="0"/>
+              </a:rPr>
+              <a:t>individual</a:t>
+            </a:r>
+            <a:r>
+              <a:rPr lang="it-IT" dirty="0">
+                <a:effectLst/>
+                <a:latin typeface="Helvetica Neue" panose="02000503000000020004" pitchFamily="2" charset="0"/>
+              </a:rPr>
+              <a:t> with low fitness </a:t>
+            </a:r>
+            <a:r>
+              <a:rPr lang="it-IT" dirty="0" err="1">
+                <a:effectLst/>
+                <a:latin typeface="Helvetica Neue" panose="02000503000000020004" pitchFamily="2" charset="0"/>
+              </a:rPr>
+              <a:t>is</a:t>
+            </a:r>
+            <a:r>
+              <a:rPr lang="it-IT" dirty="0">
+                <a:effectLst/>
+                <a:latin typeface="Helvetica Neue" panose="02000503000000020004" pitchFamily="2" charset="0"/>
+              </a:rPr>
+              <a:t> </a:t>
+            </a:r>
+            <a:r>
+              <a:rPr lang="it-IT" dirty="0" err="1">
+                <a:effectLst/>
+                <a:latin typeface="Helvetica Neue" panose="02000503000000020004" pitchFamily="2" charset="0"/>
+              </a:rPr>
+              <a:t>chosen</a:t>
+            </a:r>
+            <a:r>
+              <a:rPr lang="it-IT" dirty="0">
+                <a:effectLst/>
+                <a:latin typeface="Helvetica Neue" panose="02000503000000020004" pitchFamily="2" charset="0"/>
+              </a:rPr>
+              <a:t>.</a:t>
+            </a:r>
+          </a:p>
+          <a:p>
+            <a:br>
+              <a:rPr lang="it-IT" dirty="0">
+                <a:effectLst/>
+                <a:latin typeface="Helvetica Neue" panose="02000503000000020004" pitchFamily="2" charset="0"/>
+              </a:rPr>
+            </a:br>
+            <a:endParaRPr lang="it-IT" dirty="0">
+              <a:effectLst/>
+              <a:latin typeface="Helvetica Neue" panose="02000503000000020004" pitchFamily="2" charset="0"/>
+            </a:endParaRPr>
+          </a:p>
+          <a:p>
+            <a:r>
+              <a:rPr lang="it-IT" dirty="0">
+                <a:effectLst/>
+                <a:latin typeface="Helvetica Neue" panose="02000503000000020004" pitchFamily="2" charset="0"/>
+              </a:rPr>
+              <a:t>The crossover </a:t>
+            </a:r>
+            <a:r>
+              <a:rPr lang="it-IT" dirty="0" err="1">
+                <a:effectLst/>
+                <a:latin typeface="Helvetica Neue" panose="02000503000000020004" pitchFamily="2" charset="0"/>
+              </a:rPr>
+              <a:t>function</a:t>
+            </a:r>
+            <a:r>
+              <a:rPr lang="it-IT" dirty="0">
+                <a:effectLst/>
+                <a:latin typeface="Helvetica Neue" panose="02000503000000020004" pitchFamily="2" charset="0"/>
+              </a:rPr>
+              <a:t> </a:t>
+            </a:r>
+            <a:r>
+              <a:rPr lang="it-IT" dirty="0" err="1">
+                <a:effectLst/>
+                <a:latin typeface="Helvetica Neue" panose="02000503000000020004" pitchFamily="2" charset="0"/>
+              </a:rPr>
+              <a:t>generates</a:t>
+            </a:r>
+            <a:r>
+              <a:rPr lang="it-IT" dirty="0">
+                <a:effectLst/>
+                <a:latin typeface="Helvetica Neue" panose="02000503000000020004" pitchFamily="2" charset="0"/>
+              </a:rPr>
+              <a:t> a new </a:t>
+            </a:r>
+            <a:r>
+              <a:rPr lang="it-IT" dirty="0" err="1">
+                <a:effectLst/>
+                <a:latin typeface="Helvetica Neue" panose="02000503000000020004" pitchFamily="2" charset="0"/>
+              </a:rPr>
+              <a:t>individual</a:t>
+            </a:r>
+            <a:r>
+              <a:rPr lang="it-IT" dirty="0">
+                <a:effectLst/>
+                <a:latin typeface="Helvetica Neue" panose="02000503000000020004" pitchFamily="2" charset="0"/>
+              </a:rPr>
+              <a:t> from the </a:t>
+            </a:r>
+            <a:r>
+              <a:rPr lang="it-IT" dirty="0" err="1">
+                <a:effectLst/>
+                <a:latin typeface="Helvetica Neue" panose="02000503000000020004" pitchFamily="2" charset="0"/>
+              </a:rPr>
+              <a:t>genomes</a:t>
+            </a:r>
+            <a:r>
+              <a:rPr lang="it-IT" dirty="0">
+                <a:effectLst/>
+                <a:latin typeface="Helvetica Neue" panose="02000503000000020004" pitchFamily="2" charset="0"/>
+              </a:rPr>
+              <a:t> of </a:t>
+            </a:r>
+            <a:r>
+              <a:rPr lang="it-IT" dirty="0" err="1">
+                <a:effectLst/>
+                <a:latin typeface="Helvetica Neue" panose="02000503000000020004" pitchFamily="2" charset="0"/>
+              </a:rPr>
+              <a:t>two</a:t>
+            </a:r>
+            <a:r>
+              <a:rPr lang="it-IT" dirty="0">
+                <a:effectLst/>
+                <a:latin typeface="Helvetica Neue" panose="02000503000000020004" pitchFamily="2" charset="0"/>
+              </a:rPr>
+              <a:t> </a:t>
+            </a:r>
+            <a:r>
+              <a:rPr lang="it-IT" dirty="0" err="1">
+                <a:effectLst/>
+                <a:latin typeface="Helvetica Neue" panose="02000503000000020004" pitchFamily="2" charset="0"/>
+              </a:rPr>
+              <a:t>parents</a:t>
+            </a:r>
+            <a:r>
+              <a:rPr lang="it-IT" dirty="0">
+                <a:effectLst/>
+                <a:latin typeface="Helvetica Neue" panose="02000503000000020004" pitchFamily="2" charset="0"/>
+              </a:rPr>
+              <a:t>. A random </a:t>
+            </a:r>
+            <a:r>
+              <a:rPr lang="it-IT" dirty="0" err="1">
+                <a:effectLst/>
+                <a:latin typeface="Helvetica Neue" panose="02000503000000020004" pitchFamily="2" charset="0"/>
+              </a:rPr>
+              <a:t>value</a:t>
+            </a:r>
+            <a:r>
+              <a:rPr lang="it-IT" dirty="0">
+                <a:effectLst/>
+                <a:latin typeface="Helvetica Neue" panose="02000503000000020004" pitchFamily="2" charset="0"/>
+              </a:rPr>
+              <a:t> </a:t>
+            </a:r>
+            <a:r>
+              <a:rPr lang="it-IT" dirty="0" err="1">
+                <a:effectLst/>
+                <a:latin typeface="Helvetica Neue" panose="02000503000000020004" pitchFamily="2" charset="0"/>
+              </a:rPr>
+              <a:t>is</a:t>
+            </a:r>
+            <a:r>
+              <a:rPr lang="it-IT" dirty="0">
+                <a:effectLst/>
+                <a:latin typeface="Helvetica Neue" panose="02000503000000020004" pitchFamily="2" charset="0"/>
+              </a:rPr>
+              <a:t> </a:t>
+            </a:r>
+            <a:r>
+              <a:rPr lang="it-IT" dirty="0" err="1">
+                <a:effectLst/>
+                <a:latin typeface="Helvetica Neue" panose="02000503000000020004" pitchFamily="2" charset="0"/>
+              </a:rPr>
+              <a:t>selected</a:t>
+            </a:r>
+            <a:r>
+              <a:rPr lang="it-IT" dirty="0">
+                <a:effectLst/>
+                <a:latin typeface="Helvetica Neue" panose="02000503000000020004" pitchFamily="2" charset="0"/>
+              </a:rPr>
+              <a:t> </a:t>
+            </a:r>
+            <a:r>
+              <a:rPr lang="it-IT" dirty="0" err="1">
+                <a:effectLst/>
+                <a:latin typeface="Helvetica Neue" panose="02000503000000020004" pitchFamily="2" charset="0"/>
+              </a:rPr>
+              <a:t>between</a:t>
+            </a:r>
+            <a:r>
+              <a:rPr lang="it-IT" dirty="0">
+                <a:effectLst/>
+                <a:latin typeface="Helvetica Neue" panose="02000503000000020004" pitchFamily="2" charset="0"/>
+              </a:rPr>
+              <a:t> the </a:t>
+            </a:r>
+            <a:r>
+              <a:rPr lang="it-IT" dirty="0" err="1">
+                <a:effectLst/>
+                <a:latin typeface="Helvetica Neue" panose="02000503000000020004" pitchFamily="2" charset="0"/>
+              </a:rPr>
+              <a:t>target_preferences</a:t>
+            </a:r>
+            <a:r>
+              <a:rPr lang="it-IT" dirty="0">
+                <a:effectLst/>
+                <a:latin typeface="Helvetica Neue" panose="02000503000000020004" pitchFamily="2" charset="0"/>
+              </a:rPr>
+              <a:t> of the </a:t>
+            </a:r>
+            <a:r>
+              <a:rPr lang="it-IT" dirty="0" err="1">
+                <a:effectLst/>
+                <a:latin typeface="Helvetica Neue" panose="02000503000000020004" pitchFamily="2" charset="0"/>
+              </a:rPr>
+              <a:t>two</a:t>
+            </a:r>
+            <a:r>
+              <a:rPr lang="it-IT" dirty="0">
+                <a:effectLst/>
+                <a:latin typeface="Helvetica Neue" panose="02000503000000020004" pitchFamily="2" charset="0"/>
+              </a:rPr>
+              <a:t> </a:t>
+            </a:r>
+            <a:r>
+              <a:rPr lang="it-IT" dirty="0" err="1">
+                <a:effectLst/>
+                <a:latin typeface="Helvetica Neue" panose="02000503000000020004" pitchFamily="2" charset="0"/>
+              </a:rPr>
+              <a:t>parents</a:t>
+            </a:r>
+            <a:r>
+              <a:rPr lang="it-IT" dirty="0">
+                <a:effectLst/>
+                <a:latin typeface="Helvetica Neue" panose="02000503000000020004" pitchFamily="2" charset="0"/>
+              </a:rPr>
+              <a:t>, </a:t>
+            </a:r>
+            <a:r>
+              <a:rPr lang="it-IT" dirty="0" err="1">
+                <a:effectLst/>
+                <a:latin typeface="Helvetica Neue" panose="02000503000000020004" pitchFamily="2" charset="0"/>
+              </a:rPr>
+              <a:t>leaning</a:t>
+            </a:r>
+            <a:r>
+              <a:rPr lang="it-IT" dirty="0">
+                <a:effectLst/>
+                <a:latin typeface="Helvetica Neue" panose="02000503000000020004" pitchFamily="2" charset="0"/>
+              </a:rPr>
+              <a:t> </a:t>
+            </a:r>
+            <a:r>
+              <a:rPr lang="it-IT" dirty="0" err="1">
+                <a:effectLst/>
+                <a:latin typeface="Helvetica Neue" panose="02000503000000020004" pitchFamily="2" charset="0"/>
+              </a:rPr>
+              <a:t>towards</a:t>
+            </a:r>
+            <a:r>
+              <a:rPr lang="it-IT" dirty="0">
+                <a:effectLst/>
+                <a:latin typeface="Helvetica Neue" panose="02000503000000020004" pitchFamily="2" charset="0"/>
+              </a:rPr>
+              <a:t> the </a:t>
+            </a:r>
+            <a:r>
+              <a:rPr lang="it-IT" dirty="0" err="1">
+                <a:effectLst/>
+                <a:latin typeface="Helvetica Neue" panose="02000503000000020004" pitchFamily="2" charset="0"/>
+              </a:rPr>
+              <a:t>parent</a:t>
+            </a:r>
+            <a:r>
+              <a:rPr lang="it-IT" dirty="0">
+                <a:effectLst/>
+                <a:latin typeface="Helvetica Neue" panose="02000503000000020004" pitchFamily="2" charset="0"/>
+              </a:rPr>
+              <a:t> with </a:t>
+            </a:r>
+            <a:r>
+              <a:rPr lang="it-IT" dirty="0" err="1">
+                <a:effectLst/>
+                <a:latin typeface="Helvetica Neue" panose="02000503000000020004" pitchFamily="2" charset="0"/>
+              </a:rPr>
+              <a:t>higher</a:t>
+            </a:r>
+            <a:r>
+              <a:rPr lang="it-IT" dirty="0">
+                <a:effectLst/>
+                <a:latin typeface="Helvetica Neue" panose="02000503000000020004" pitchFamily="2" charset="0"/>
+              </a:rPr>
+              <a:t> fitness. The </a:t>
+            </a:r>
+            <a:r>
+              <a:rPr lang="it-IT" dirty="0" err="1">
+                <a:effectLst/>
+                <a:latin typeface="Helvetica Neue" panose="02000503000000020004" pitchFamily="2" charset="0"/>
+              </a:rPr>
+              <a:t>same</a:t>
+            </a:r>
+            <a:r>
+              <a:rPr lang="it-IT" dirty="0">
+                <a:effectLst/>
+                <a:latin typeface="Helvetica Neue" panose="02000503000000020004" pitchFamily="2" charset="0"/>
+              </a:rPr>
+              <a:t> </a:t>
+            </a:r>
+            <a:r>
+              <a:rPr lang="it-IT" dirty="0" err="1">
+                <a:effectLst/>
+                <a:latin typeface="Helvetica Neue" panose="02000503000000020004" pitchFamily="2" charset="0"/>
+              </a:rPr>
+              <a:t>is</a:t>
+            </a:r>
+            <a:r>
+              <a:rPr lang="it-IT" dirty="0">
+                <a:effectLst/>
+                <a:latin typeface="Helvetica Neue" panose="02000503000000020004" pitchFamily="2" charset="0"/>
+              </a:rPr>
+              <a:t> </a:t>
+            </a:r>
+            <a:r>
+              <a:rPr lang="it-IT" dirty="0" err="1">
+                <a:effectLst/>
+                <a:latin typeface="Helvetica Neue" panose="02000503000000020004" pitchFamily="2" charset="0"/>
+              </a:rPr>
+              <a:t>done</a:t>
+            </a:r>
+            <a:r>
+              <a:rPr lang="it-IT" dirty="0">
+                <a:effectLst/>
+                <a:latin typeface="Helvetica Neue" panose="02000503000000020004" pitchFamily="2" charset="0"/>
+              </a:rPr>
+              <a:t> for </a:t>
+            </a:r>
+            <a:r>
+              <a:rPr lang="it-IT" dirty="0" err="1">
+                <a:effectLst/>
+                <a:latin typeface="Helvetica Neue" panose="02000503000000020004" pitchFamily="2" charset="0"/>
+              </a:rPr>
+              <a:t>target_range</a:t>
+            </a:r>
+            <a:r>
+              <a:rPr lang="it-IT" dirty="0">
+                <a:effectLst/>
+                <a:latin typeface="Helvetica Neue" panose="02000503000000020004" pitchFamily="2" charset="0"/>
+              </a:rPr>
+              <a:t>. </a:t>
+            </a:r>
+            <a:r>
+              <a:rPr lang="it-IT" dirty="0" err="1">
+                <a:effectLst/>
+                <a:latin typeface="Helvetica Neue" panose="02000503000000020004" pitchFamily="2" charset="0"/>
+              </a:rPr>
+              <a:t>Moreover</a:t>
+            </a:r>
+            <a:r>
+              <a:rPr lang="it-IT" dirty="0">
+                <a:effectLst/>
+                <a:latin typeface="Helvetica Neue" panose="02000503000000020004" pitchFamily="2" charset="0"/>
+              </a:rPr>
+              <a:t>, once the </a:t>
+            </a:r>
+            <a:r>
+              <a:rPr lang="it-IT" dirty="0" err="1">
+                <a:effectLst/>
+                <a:latin typeface="Helvetica Neue" panose="02000503000000020004" pitchFamily="2" charset="0"/>
+              </a:rPr>
+              <a:t>value</a:t>
+            </a:r>
+            <a:r>
+              <a:rPr lang="it-IT" dirty="0">
+                <a:effectLst/>
+                <a:latin typeface="Helvetica Neue" panose="02000503000000020004" pitchFamily="2" charset="0"/>
+              </a:rPr>
+              <a:t> </a:t>
+            </a:r>
+            <a:r>
+              <a:rPr lang="it-IT" dirty="0" err="1">
+                <a:effectLst/>
+                <a:latin typeface="Helvetica Neue" panose="02000503000000020004" pitchFamily="2" charset="0"/>
+              </a:rPr>
+              <a:t>is</a:t>
+            </a:r>
+            <a:r>
+              <a:rPr lang="it-IT" dirty="0">
+                <a:effectLst/>
+                <a:latin typeface="Helvetica Neue" panose="02000503000000020004" pitchFamily="2" charset="0"/>
+              </a:rPr>
+              <a:t> </a:t>
+            </a:r>
+            <a:r>
+              <a:rPr lang="it-IT" dirty="0" err="1">
+                <a:effectLst/>
+                <a:latin typeface="Helvetica Neue" panose="02000503000000020004" pitchFamily="2" charset="0"/>
+              </a:rPr>
+              <a:t>selected</a:t>
+            </a:r>
+            <a:r>
+              <a:rPr lang="it-IT" dirty="0">
+                <a:effectLst/>
+                <a:latin typeface="Helvetica Neue" panose="02000503000000020004" pitchFamily="2" charset="0"/>
+              </a:rPr>
+              <a:t>, a random </a:t>
+            </a:r>
+            <a:r>
+              <a:rPr lang="it-IT" dirty="0" err="1">
+                <a:effectLst/>
+                <a:latin typeface="Helvetica Neue" panose="02000503000000020004" pitchFamily="2" charset="0"/>
+              </a:rPr>
+              <a:t>value</a:t>
+            </a:r>
+            <a:r>
+              <a:rPr lang="it-IT" dirty="0">
+                <a:effectLst/>
+                <a:latin typeface="Helvetica Neue" panose="02000503000000020004" pitchFamily="2" charset="0"/>
+              </a:rPr>
+              <a:t> </a:t>
+            </a:r>
+            <a:r>
+              <a:rPr lang="it-IT" dirty="0" err="1">
+                <a:effectLst/>
+                <a:latin typeface="Helvetica Neue" panose="02000503000000020004" pitchFamily="2" charset="0"/>
+              </a:rPr>
+              <a:t>between</a:t>
+            </a:r>
+            <a:r>
+              <a:rPr lang="it-IT" dirty="0">
+                <a:effectLst/>
+                <a:latin typeface="Helvetica Neue" panose="02000503000000020004" pitchFamily="2" charset="0"/>
+              </a:rPr>
+              <a:t> -0.1 and 0.1 </a:t>
+            </a:r>
+            <a:r>
+              <a:rPr lang="it-IT" dirty="0" err="1">
+                <a:effectLst/>
+                <a:latin typeface="Helvetica Neue" panose="02000503000000020004" pitchFamily="2" charset="0"/>
+              </a:rPr>
+              <a:t>is</a:t>
+            </a:r>
+            <a:r>
+              <a:rPr lang="it-IT" dirty="0">
+                <a:effectLst/>
+                <a:latin typeface="Helvetica Neue" panose="02000503000000020004" pitchFamily="2" charset="0"/>
+              </a:rPr>
+              <a:t> </a:t>
+            </a:r>
+            <a:r>
+              <a:rPr lang="it-IT" dirty="0" err="1">
+                <a:effectLst/>
+                <a:latin typeface="Helvetica Neue" panose="02000503000000020004" pitchFamily="2" charset="0"/>
+              </a:rPr>
+              <a:t>added</a:t>
+            </a:r>
+            <a:r>
+              <a:rPr lang="it-IT" dirty="0">
+                <a:effectLst/>
+                <a:latin typeface="Helvetica Neue" panose="02000503000000020004" pitchFamily="2" charset="0"/>
+              </a:rPr>
+              <a:t> to </a:t>
+            </a:r>
+            <a:r>
+              <a:rPr lang="it-IT" dirty="0" err="1">
+                <a:effectLst/>
+                <a:latin typeface="Helvetica Neue" panose="02000503000000020004" pitchFamily="2" charset="0"/>
+              </a:rPr>
+              <a:t>avoid</a:t>
+            </a:r>
+            <a:r>
+              <a:rPr lang="it-IT" dirty="0">
+                <a:effectLst/>
+                <a:latin typeface="Helvetica Neue" panose="02000503000000020004" pitchFamily="2" charset="0"/>
+              </a:rPr>
+              <a:t> </a:t>
+            </a:r>
+            <a:r>
+              <a:rPr lang="it-IT" dirty="0" err="1">
+                <a:effectLst/>
+                <a:latin typeface="Helvetica Neue" panose="02000503000000020004" pitchFamily="2" charset="0"/>
+              </a:rPr>
+              <a:t>getting</a:t>
+            </a:r>
+            <a:r>
+              <a:rPr lang="it-IT" dirty="0">
+                <a:effectLst/>
+                <a:latin typeface="Helvetica Neue" panose="02000503000000020004" pitchFamily="2" charset="0"/>
+              </a:rPr>
+              <a:t> </a:t>
+            </a:r>
+            <a:r>
+              <a:rPr lang="it-IT" dirty="0" err="1">
+                <a:effectLst/>
+                <a:latin typeface="Helvetica Neue" panose="02000503000000020004" pitchFamily="2" charset="0"/>
+              </a:rPr>
+              <a:t>stuck</a:t>
+            </a:r>
+            <a:r>
+              <a:rPr lang="it-IT" dirty="0">
+                <a:effectLst/>
+                <a:latin typeface="Helvetica Neue" panose="02000503000000020004" pitchFamily="2" charset="0"/>
+              </a:rPr>
+              <a:t> in a </a:t>
+            </a:r>
+            <a:r>
+              <a:rPr lang="it-IT" dirty="0" err="1">
+                <a:effectLst/>
+                <a:latin typeface="Helvetica Neue" panose="02000503000000020004" pitchFamily="2" charset="0"/>
+              </a:rPr>
+              <a:t>local</a:t>
+            </a:r>
+            <a:r>
+              <a:rPr lang="it-IT" dirty="0">
+                <a:effectLst/>
+                <a:latin typeface="Helvetica Neue" panose="02000503000000020004" pitchFamily="2" charset="0"/>
+              </a:rPr>
+              <a:t> optimum.</a:t>
+            </a:r>
+          </a:p>
+          <a:p>
+            <a:endParaRPr lang="it-IT" dirty="0"/>
+          </a:p>
+        </p:txBody>
+      </p:sp>
+      <p:sp>
+        <p:nvSpPr>
+          <p:cNvPr id="4" name="Segnaposto numero diapositiva 3"/>
+          <p:cNvSpPr>
+            <a:spLocks noGrp="1"/>
+          </p:cNvSpPr>
+          <p:nvPr>
+            <p:ph type="sldNum" sz="quarter" idx="5"/>
+          </p:nvPr>
+        </p:nvSpPr>
+        <p:spPr/>
+        <p:txBody>
+          <a:bodyPr/>
+          <a:lstStyle/>
+          <a:p>
+            <a:fld id="{7C4D90DB-0CD3-2A49-91F8-5405B70E64A8}" type="slidenum">
+              <a:rPr lang="it-IT" smtClean="0"/>
+              <a:t>6</a:t>
+            </a:fld>
+            <a:endParaRPr lang="it-IT"/>
+          </a:p>
+        </p:txBody>
+      </p:sp>
+    </p:spTree>
+    <p:extLst>
+      <p:ext uri="{BB962C8B-B14F-4D97-AF65-F5344CB8AC3E}">
+        <p14:creationId xmlns:p14="http://schemas.microsoft.com/office/powerpoint/2010/main" val="1347624055"/>
+      </p:ext>
+    </p:extLst>
+  </p:cSld>
+  <p:clrMapOvr>
+    <a:masterClrMapping/>
+  </p:clrMapOvr>
+</p:notes>
+</file>
+
+<file path=ppt/notesSlides/notesSlide6.xml><?xml version="1.0" encoding="utf-8"?>
+<p:notes xmlns:a="http://schemas.openxmlformats.org/drawingml/2006/main" xmlns:r="http://schemas.openxmlformats.org/officeDocument/2006/relationships" xmlns:p="http://schemas.openxmlformats.org/presentationml/2006/main">
+  <p:cSld>
+    <p:spTree>
+      <p:nvGrpSpPr>
+        <p:cNvPr id="1" name=""/>
+        <p:cNvGrpSpPr/>
+        <p:nvPr/>
+      </p:nvGrpSpPr>
+      <p:grpSpPr>
+        <a:xfrm>
+          <a:off x="0" y="0"/>
+          <a:ext cx="0" cy="0"/>
+          <a:chOff x="0" y="0"/>
+          <a:chExt cx="0" cy="0"/>
+        </a:xfrm>
+      </p:grpSpPr>
+      <p:sp>
+        <p:nvSpPr>
+          <p:cNvPr id="2" name="Segnaposto immagine diapositiva 1"/>
+          <p:cNvSpPr>
+            <a:spLocks noGrp="1" noRot="1" noChangeAspect="1"/>
+          </p:cNvSpPr>
+          <p:nvPr>
+            <p:ph type="sldImg"/>
+          </p:nvPr>
+        </p:nvSpPr>
+        <p:spPr/>
+      </p:sp>
+      <p:sp>
+        <p:nvSpPr>
+          <p:cNvPr id="3" name="Segnaposto note 2"/>
+          <p:cNvSpPr>
+            <a:spLocks noGrp="1"/>
+          </p:cNvSpPr>
+          <p:nvPr>
+            <p:ph type="body" idx="1"/>
+          </p:nvPr>
+        </p:nvSpPr>
+        <p:spPr/>
+        <p:txBody>
+          <a:bodyPr/>
+          <a:lstStyle/>
+          <a:p>
+            <a:r>
+              <a:rPr lang="it-IT" dirty="0">
+                <a:effectLst/>
+                <a:latin typeface="Helvetica Neue" panose="02000503000000020004" pitchFamily="2" charset="0"/>
+              </a:rPr>
+              <a:t>I </a:t>
+            </a:r>
+            <a:r>
+              <a:rPr lang="it-IT" dirty="0" err="1">
+                <a:effectLst/>
+                <a:latin typeface="Helvetica Neue" panose="02000503000000020004" pitchFamily="2" charset="0"/>
+              </a:rPr>
+              <a:t>conducted</a:t>
+            </a:r>
+            <a:r>
+              <a:rPr lang="it-IT" dirty="0">
+                <a:effectLst/>
+                <a:latin typeface="Helvetica Neue" panose="02000503000000020004" pitchFamily="2" charset="0"/>
+              </a:rPr>
+              <a:t> </a:t>
+            </a:r>
+            <a:r>
+              <a:rPr lang="it-IT" dirty="0" err="1">
+                <a:effectLst/>
+                <a:latin typeface="Helvetica Neue" panose="02000503000000020004" pitchFamily="2" charset="0"/>
+              </a:rPr>
+              <a:t>two</a:t>
+            </a:r>
+            <a:r>
+              <a:rPr lang="it-IT" dirty="0">
+                <a:effectLst/>
+                <a:latin typeface="Helvetica Neue" panose="02000503000000020004" pitchFamily="2" charset="0"/>
+              </a:rPr>
+              <a:t> </a:t>
+            </a:r>
+            <a:r>
+              <a:rPr lang="it-IT" dirty="0" err="1">
+                <a:effectLst/>
+                <a:latin typeface="Helvetica Neue" panose="02000503000000020004" pitchFamily="2" charset="0"/>
+              </a:rPr>
+              <a:t>simulations</a:t>
+            </a:r>
+            <a:r>
+              <a:rPr lang="it-IT" dirty="0">
+                <a:effectLst/>
+                <a:latin typeface="Helvetica Neue" panose="02000503000000020004" pitchFamily="2" charset="0"/>
+              </a:rPr>
+              <a:t> with </a:t>
+            </a:r>
+            <a:r>
+              <a:rPr lang="it-IT" dirty="0" err="1">
+                <a:effectLst/>
+                <a:latin typeface="Helvetica Neue" panose="02000503000000020004" pitchFamily="2" charset="0"/>
+              </a:rPr>
+              <a:t>these</a:t>
+            </a:r>
+            <a:r>
+              <a:rPr lang="it-IT" dirty="0">
+                <a:effectLst/>
+                <a:latin typeface="Helvetica Neue" panose="02000503000000020004" pitchFamily="2" charset="0"/>
+              </a:rPr>
+              <a:t> </a:t>
+            </a:r>
+            <a:r>
+              <a:rPr lang="it-IT" dirty="0" err="1">
+                <a:effectLst/>
+                <a:latin typeface="Helvetica Neue" panose="02000503000000020004" pitchFamily="2" charset="0"/>
+              </a:rPr>
+              <a:t>parameters</a:t>
+            </a:r>
+            <a:r>
+              <a:rPr lang="it-IT" dirty="0">
+                <a:effectLst/>
+                <a:latin typeface="Helvetica Neue" panose="02000503000000020004" pitchFamily="2" charset="0"/>
+              </a:rPr>
+              <a:t>:</a:t>
+            </a:r>
+          </a:p>
+          <a:p>
+            <a:pPr>
+              <a:buFont typeface="Arial" panose="020B0604020202020204" pitchFamily="34" charset="0"/>
+              <a:buChar char="•"/>
+            </a:pPr>
+            <a:r>
+              <a:rPr lang="it-IT" dirty="0">
+                <a:effectLst/>
+                <a:latin typeface="Helvetica Neue" panose="02000503000000020004" pitchFamily="2" charset="0"/>
+              </a:rPr>
+              <a:t>10 </a:t>
+            </a:r>
+            <a:r>
+              <a:rPr lang="it-IT" dirty="0" err="1">
+                <a:effectLst/>
+                <a:latin typeface="Helvetica Neue" panose="02000503000000020004" pitchFamily="2" charset="0"/>
+              </a:rPr>
+              <a:t>epochs</a:t>
+            </a:r>
+            <a:endParaRPr lang="it-IT" dirty="0">
+              <a:effectLst/>
+              <a:latin typeface="Helvetica Neue" panose="02000503000000020004" pitchFamily="2" charset="0"/>
+            </a:endParaRPr>
+          </a:p>
+          <a:p>
+            <a:pPr>
+              <a:buFont typeface="Arial" panose="020B0604020202020204" pitchFamily="34" charset="0"/>
+              <a:buChar char="•"/>
+            </a:pPr>
+            <a:r>
+              <a:rPr lang="it-IT" dirty="0">
+                <a:effectLst/>
+                <a:latin typeface="Helvetica Neue" panose="02000503000000020004" pitchFamily="2" charset="0"/>
+              </a:rPr>
+              <a:t>25 matches per </a:t>
+            </a:r>
+            <a:r>
+              <a:rPr lang="it-IT" dirty="0" err="1">
+                <a:effectLst/>
+                <a:latin typeface="Helvetica Neue" panose="02000503000000020004" pitchFamily="2" charset="0"/>
+              </a:rPr>
+              <a:t>epoch</a:t>
+            </a:r>
+            <a:endParaRPr lang="it-IT" dirty="0">
+              <a:effectLst/>
+              <a:latin typeface="Helvetica Neue" panose="02000503000000020004" pitchFamily="2" charset="0"/>
+            </a:endParaRPr>
+          </a:p>
+          <a:p>
+            <a:pPr>
+              <a:buFont typeface="Arial" panose="020B0604020202020204" pitchFamily="34" charset="0"/>
+              <a:buChar char="•"/>
+            </a:pPr>
+            <a:r>
+              <a:rPr lang="it-IT" dirty="0">
+                <a:effectLst/>
+                <a:latin typeface="Helvetica Neue" panose="02000503000000020004" pitchFamily="2" charset="0"/>
+              </a:rPr>
+              <a:t>200 </a:t>
+            </a:r>
+            <a:r>
+              <a:rPr lang="it-IT" dirty="0" err="1">
+                <a:effectLst/>
+                <a:latin typeface="Helvetica Neue" panose="02000503000000020004" pitchFamily="2" charset="0"/>
+              </a:rPr>
+              <a:t>individuals</a:t>
+            </a:r>
+            <a:r>
+              <a:rPr lang="it-IT" dirty="0">
+                <a:effectLst/>
+                <a:latin typeface="Helvetica Neue" panose="02000503000000020004" pitchFamily="2" charset="0"/>
+              </a:rPr>
+              <a:t> </a:t>
+            </a:r>
+            <a:r>
+              <a:rPr lang="it-IT" dirty="0" err="1">
+                <a:effectLst/>
+                <a:latin typeface="Helvetica Neue" panose="02000503000000020004" pitchFamily="2" charset="0"/>
+              </a:rPr>
+              <a:t>as</a:t>
+            </a:r>
+            <a:r>
+              <a:rPr lang="it-IT" dirty="0">
+                <a:effectLst/>
+                <a:latin typeface="Helvetica Neue" panose="02000503000000020004" pitchFamily="2" charset="0"/>
+              </a:rPr>
+              <a:t> </a:t>
+            </a:r>
+            <a:r>
+              <a:rPr lang="it-IT" dirty="0" err="1">
+                <a:effectLst/>
+                <a:latin typeface="Helvetica Neue" panose="02000503000000020004" pitchFamily="2" charset="0"/>
+              </a:rPr>
+              <a:t>population</a:t>
+            </a:r>
+            <a:endParaRPr lang="it-IT" dirty="0">
+              <a:effectLst/>
+              <a:latin typeface="Helvetica Neue" panose="02000503000000020004" pitchFamily="2" charset="0"/>
+            </a:endParaRPr>
+          </a:p>
+          <a:p>
+            <a:pPr>
+              <a:buFont typeface="Arial" panose="020B0604020202020204" pitchFamily="34" charset="0"/>
+              <a:buChar char="•"/>
+            </a:pPr>
+            <a:r>
+              <a:rPr lang="it-IT" dirty="0">
+                <a:effectLst/>
+                <a:latin typeface="Helvetica Neue" panose="02000503000000020004" pitchFamily="2" charset="0"/>
+              </a:rPr>
+              <a:t>100 </a:t>
+            </a:r>
+            <a:r>
+              <a:rPr lang="it-IT" dirty="0" err="1">
+                <a:effectLst/>
+                <a:latin typeface="Helvetica Neue" panose="02000503000000020004" pitchFamily="2" charset="0"/>
+              </a:rPr>
+              <a:t>parents</a:t>
+            </a:r>
+            <a:r>
+              <a:rPr lang="it-IT" dirty="0">
+                <a:effectLst/>
+                <a:latin typeface="Helvetica Neue" panose="02000503000000020004" pitchFamily="2" charset="0"/>
+              </a:rPr>
+              <a:t> for </a:t>
+            </a:r>
+            <a:r>
+              <a:rPr lang="it-IT" dirty="0" err="1">
+                <a:effectLst/>
+                <a:latin typeface="Helvetica Neue" panose="02000503000000020004" pitchFamily="2" charset="0"/>
+              </a:rPr>
+              <a:t>each</a:t>
+            </a:r>
+            <a:r>
+              <a:rPr lang="it-IT" dirty="0">
+                <a:effectLst/>
+                <a:latin typeface="Helvetica Neue" panose="02000503000000020004" pitchFamily="2" charset="0"/>
+              </a:rPr>
+              <a:t> </a:t>
+            </a:r>
+            <a:r>
+              <a:rPr lang="it-IT" dirty="0" err="1">
+                <a:effectLst/>
+                <a:latin typeface="Helvetica Neue" panose="02000503000000020004" pitchFamily="2" charset="0"/>
+              </a:rPr>
+              <a:t>epoch</a:t>
+            </a:r>
+            <a:endParaRPr lang="it-IT" dirty="0">
+              <a:effectLst/>
+              <a:latin typeface="Helvetica Neue" panose="02000503000000020004" pitchFamily="2" charset="0"/>
+            </a:endParaRPr>
+          </a:p>
+          <a:p>
+            <a:pPr>
+              <a:buFont typeface="Arial" panose="020B0604020202020204" pitchFamily="34" charset="0"/>
+              <a:buChar char="•"/>
+            </a:pPr>
+            <a:r>
+              <a:rPr lang="it-IT" dirty="0">
+                <a:effectLst/>
+                <a:latin typeface="Helvetica Neue" panose="02000503000000020004" pitchFamily="2" charset="0"/>
+              </a:rPr>
+              <a:t>Tournament size of 50 </a:t>
+            </a:r>
+            <a:r>
+              <a:rPr lang="it-IT" dirty="0" err="1">
+                <a:effectLst/>
+                <a:latin typeface="Helvetica Neue" panose="02000503000000020004" pitchFamily="2" charset="0"/>
+              </a:rPr>
+              <a:t>individuals</a:t>
+            </a:r>
+            <a:r>
+              <a:rPr lang="it-IT" dirty="0">
+                <a:effectLst/>
+                <a:latin typeface="Helvetica Neue" panose="02000503000000020004" pitchFamily="2" charset="0"/>
+              </a:rPr>
+              <a:t> for the </a:t>
+            </a:r>
+            <a:r>
+              <a:rPr lang="it-IT" dirty="0" err="1">
+                <a:effectLst/>
+                <a:latin typeface="Helvetica Neue" panose="02000503000000020004" pitchFamily="2" charset="0"/>
+              </a:rPr>
+              <a:t>simulation</a:t>
+            </a:r>
+            <a:r>
+              <a:rPr lang="it-IT" dirty="0">
+                <a:effectLst/>
+                <a:latin typeface="Helvetica Neue" panose="02000503000000020004" pitchFamily="2" charset="0"/>
+              </a:rPr>
+              <a:t> with the Tournament </a:t>
+            </a:r>
+            <a:r>
+              <a:rPr lang="it-IT" dirty="0" err="1">
+                <a:effectLst/>
+                <a:latin typeface="Helvetica Neue" panose="02000503000000020004" pitchFamily="2" charset="0"/>
+              </a:rPr>
+              <a:t>selection</a:t>
+            </a:r>
+            <a:r>
+              <a:rPr lang="it-IT" dirty="0">
+                <a:effectLst/>
+                <a:latin typeface="Helvetica Neue" panose="02000503000000020004" pitchFamily="2" charset="0"/>
+              </a:rPr>
+              <a:t> strategy</a:t>
+            </a:r>
+          </a:p>
+          <a:p>
+            <a:pPr>
+              <a:buFont typeface="Arial" panose="020B0604020202020204" pitchFamily="34" charset="0"/>
+              <a:buChar char="•"/>
+            </a:pPr>
+            <a:r>
+              <a:rPr lang="it-IT" dirty="0">
+                <a:effectLst/>
+                <a:latin typeface="Helvetica Neue" panose="02000503000000020004" pitchFamily="2" charset="0"/>
+              </a:rPr>
+              <a:t>0.1 </a:t>
+            </a:r>
+            <a:r>
+              <a:rPr lang="it-IT" dirty="0" err="1">
+                <a:effectLst/>
+                <a:latin typeface="Helvetica Neue" panose="02000503000000020004" pitchFamily="2" charset="0"/>
+              </a:rPr>
+              <a:t>as</a:t>
+            </a:r>
+            <a:r>
+              <a:rPr lang="it-IT" dirty="0">
+                <a:effectLst/>
+                <a:latin typeface="Helvetica Neue" panose="02000503000000020004" pitchFamily="2" charset="0"/>
+              </a:rPr>
+              <a:t> </a:t>
+            </a:r>
+            <a:r>
+              <a:rPr lang="it-IT" dirty="0" err="1">
+                <a:effectLst/>
+                <a:latin typeface="Helvetica Neue" panose="02000503000000020004" pitchFamily="2" charset="0"/>
+              </a:rPr>
+              <a:t>mutation</a:t>
+            </a:r>
+            <a:r>
+              <a:rPr lang="it-IT" dirty="0">
+                <a:effectLst/>
+                <a:latin typeface="Helvetica Neue" panose="02000503000000020004" pitchFamily="2" charset="0"/>
+              </a:rPr>
+              <a:t> rate, </a:t>
+            </a:r>
+            <a:r>
+              <a:rPr lang="it-IT" dirty="0" err="1">
+                <a:effectLst/>
+                <a:latin typeface="Helvetica Neue" panose="02000503000000020004" pitchFamily="2" charset="0"/>
+              </a:rPr>
+              <a:t>meaning</a:t>
+            </a:r>
+            <a:r>
+              <a:rPr lang="it-IT" dirty="0">
+                <a:effectLst/>
+                <a:latin typeface="Helvetica Neue" panose="02000503000000020004" pitchFamily="2" charset="0"/>
+              </a:rPr>
+              <a:t> </a:t>
+            </a:r>
+            <a:r>
+              <a:rPr lang="it-IT" dirty="0" err="1">
+                <a:effectLst/>
+                <a:latin typeface="Helvetica Neue" panose="02000503000000020004" pitchFamily="2" charset="0"/>
+              </a:rPr>
+              <a:t>that</a:t>
+            </a:r>
+            <a:r>
+              <a:rPr lang="it-IT" dirty="0">
+                <a:effectLst/>
+                <a:latin typeface="Helvetica Neue" panose="02000503000000020004" pitchFamily="2" charset="0"/>
+              </a:rPr>
+              <a:t> for </a:t>
+            </a:r>
+            <a:r>
+              <a:rPr lang="it-IT" dirty="0" err="1">
+                <a:effectLst/>
+                <a:latin typeface="Helvetica Neue" panose="02000503000000020004" pitchFamily="2" charset="0"/>
+              </a:rPr>
+              <a:t>each</a:t>
+            </a:r>
+            <a:r>
+              <a:rPr lang="it-IT" dirty="0">
+                <a:effectLst/>
+                <a:latin typeface="Helvetica Neue" panose="02000503000000020004" pitchFamily="2" charset="0"/>
+              </a:rPr>
+              <a:t> </a:t>
+            </a:r>
+            <a:r>
+              <a:rPr lang="it-IT" dirty="0" err="1">
+                <a:effectLst/>
+                <a:latin typeface="Helvetica Neue" panose="02000503000000020004" pitchFamily="2" charset="0"/>
+              </a:rPr>
+              <a:t>individual</a:t>
+            </a:r>
+            <a:r>
+              <a:rPr lang="it-IT" dirty="0">
+                <a:effectLst/>
+                <a:latin typeface="Helvetica Neue" panose="02000503000000020004" pitchFamily="2" charset="0"/>
+              </a:rPr>
+              <a:t> </a:t>
+            </a:r>
+            <a:r>
+              <a:rPr lang="it-IT" dirty="0" err="1">
+                <a:effectLst/>
+                <a:latin typeface="Helvetica Neue" panose="02000503000000020004" pitchFamily="2" charset="0"/>
+              </a:rPr>
+              <a:t>generated</a:t>
+            </a:r>
+            <a:r>
+              <a:rPr lang="it-IT" dirty="0">
+                <a:effectLst/>
+                <a:latin typeface="Helvetica Neue" panose="02000503000000020004" pitchFamily="2" charset="0"/>
+              </a:rPr>
+              <a:t> </a:t>
+            </a:r>
+            <a:r>
+              <a:rPr lang="it-IT" dirty="0" err="1">
+                <a:effectLst/>
+                <a:latin typeface="Helvetica Neue" panose="02000503000000020004" pitchFamily="2" charset="0"/>
+              </a:rPr>
+              <a:t>there</a:t>
+            </a:r>
+            <a:r>
+              <a:rPr lang="it-IT" dirty="0">
+                <a:effectLst/>
+                <a:latin typeface="Helvetica Neue" panose="02000503000000020004" pitchFamily="2" charset="0"/>
+              </a:rPr>
+              <a:t> </a:t>
+            </a:r>
+            <a:r>
+              <a:rPr lang="it-IT" dirty="0" err="1">
+                <a:effectLst/>
+                <a:latin typeface="Helvetica Neue" panose="02000503000000020004" pitchFamily="2" charset="0"/>
+              </a:rPr>
+              <a:t>is</a:t>
+            </a:r>
+            <a:r>
+              <a:rPr lang="it-IT" dirty="0">
+                <a:effectLst/>
+                <a:latin typeface="Helvetica Neue" panose="02000503000000020004" pitchFamily="2" charset="0"/>
+              </a:rPr>
+              <a:t> a 10% chance for </a:t>
+            </a:r>
+            <a:r>
+              <a:rPr lang="it-IT" dirty="0" err="1">
+                <a:effectLst/>
+                <a:latin typeface="Helvetica Neue" panose="02000503000000020004" pitchFamily="2" charset="0"/>
+              </a:rPr>
+              <a:t>each</a:t>
+            </a:r>
+            <a:r>
+              <a:rPr lang="it-IT" dirty="0">
+                <a:effectLst/>
+                <a:latin typeface="Helvetica Neue" panose="02000503000000020004" pitchFamily="2" charset="0"/>
+              </a:rPr>
+              <a:t> </a:t>
+            </a:r>
+            <a:r>
+              <a:rPr lang="it-IT" dirty="0" err="1">
+                <a:effectLst/>
+                <a:latin typeface="Helvetica Neue" panose="02000503000000020004" pitchFamily="2" charset="0"/>
+              </a:rPr>
+              <a:t>genome</a:t>
+            </a:r>
+            <a:r>
+              <a:rPr lang="it-IT" dirty="0">
+                <a:effectLst/>
+                <a:latin typeface="Helvetica Neue" panose="02000503000000020004" pitchFamily="2" charset="0"/>
+              </a:rPr>
+              <a:t> </a:t>
+            </a:r>
+            <a:r>
+              <a:rPr lang="it-IT" dirty="0" err="1">
+                <a:effectLst/>
+                <a:latin typeface="Helvetica Neue" panose="02000503000000020004" pitchFamily="2" charset="0"/>
+              </a:rPr>
+              <a:t>value</a:t>
+            </a:r>
+            <a:r>
+              <a:rPr lang="it-IT" dirty="0">
+                <a:effectLst/>
+                <a:latin typeface="Helvetica Neue" panose="02000503000000020004" pitchFamily="2" charset="0"/>
+              </a:rPr>
+              <a:t> to be </a:t>
+            </a:r>
+            <a:r>
+              <a:rPr lang="it-IT" dirty="0" err="1">
+                <a:effectLst/>
+                <a:latin typeface="Helvetica Neue" panose="02000503000000020004" pitchFamily="2" charset="0"/>
+              </a:rPr>
+              <a:t>randomly</a:t>
+            </a:r>
+            <a:r>
+              <a:rPr lang="it-IT" dirty="0">
+                <a:effectLst/>
+                <a:latin typeface="Helvetica Neue" panose="02000503000000020004" pitchFamily="2" charset="0"/>
+              </a:rPr>
+              <a:t> </a:t>
+            </a:r>
+            <a:r>
+              <a:rPr lang="it-IT" dirty="0" err="1">
+                <a:effectLst/>
+                <a:latin typeface="Helvetica Neue" panose="02000503000000020004" pitchFamily="2" charset="0"/>
+              </a:rPr>
+              <a:t>generated</a:t>
+            </a:r>
+            <a:r>
+              <a:rPr lang="it-IT" dirty="0">
+                <a:effectLst/>
+                <a:latin typeface="Helvetica Neue" panose="02000503000000020004" pitchFamily="2" charset="0"/>
+              </a:rPr>
+              <a:t> </a:t>
+            </a:r>
+            <a:r>
+              <a:rPr lang="it-IT" dirty="0" err="1">
+                <a:effectLst/>
+                <a:latin typeface="Helvetica Neue" panose="02000503000000020004" pitchFamily="2" charset="0"/>
+              </a:rPr>
+              <a:t>between</a:t>
+            </a:r>
+            <a:r>
+              <a:rPr lang="it-IT" dirty="0">
+                <a:effectLst/>
+                <a:latin typeface="Helvetica Neue" panose="02000503000000020004" pitchFamily="2" charset="0"/>
+              </a:rPr>
+              <a:t> 0 and 1</a:t>
+            </a:r>
+          </a:p>
+          <a:p>
+            <a:endParaRPr lang="it-IT" dirty="0"/>
+          </a:p>
+        </p:txBody>
+      </p:sp>
+      <p:sp>
+        <p:nvSpPr>
+          <p:cNvPr id="4" name="Segnaposto numero diapositiva 3"/>
+          <p:cNvSpPr>
+            <a:spLocks noGrp="1"/>
+          </p:cNvSpPr>
+          <p:nvPr>
+            <p:ph type="sldNum" sz="quarter" idx="5"/>
+          </p:nvPr>
+        </p:nvSpPr>
+        <p:spPr/>
+        <p:txBody>
+          <a:bodyPr/>
+          <a:lstStyle/>
+          <a:p>
+            <a:fld id="{7C4D90DB-0CD3-2A49-91F8-5405B70E64A8}" type="slidenum">
+              <a:rPr lang="it-IT" smtClean="0"/>
               <a:t>7</a:t>
             </a:fld>
             <a:endParaRPr lang="it-IT"/>
@@ -550,6 +5299,1307 @@
     <p:extLst>
       <p:ext uri="{BB962C8B-B14F-4D97-AF65-F5344CB8AC3E}">
         <p14:creationId xmlns:p14="http://schemas.microsoft.com/office/powerpoint/2010/main" val="2163808579"/>
+      </p:ext>
+    </p:extLst>
+  </p:cSld>
+  <p:clrMapOvr>
+    <a:masterClrMapping/>
+  </p:clrMapOvr>
+</p:notes>
+</file>
+
+<file path=ppt/notesSlides/notesSlide7.xml><?xml version="1.0" encoding="utf-8"?>
+<p:notes xmlns:a="http://schemas.openxmlformats.org/drawingml/2006/main" xmlns:r="http://schemas.openxmlformats.org/officeDocument/2006/relationships" xmlns:p="http://schemas.openxmlformats.org/presentationml/2006/main">
+  <p:cSld>
+    <p:spTree>
+      <p:nvGrpSpPr>
+        <p:cNvPr id="1" name=""/>
+        <p:cNvGrpSpPr/>
+        <p:nvPr/>
+      </p:nvGrpSpPr>
+      <p:grpSpPr>
+        <a:xfrm>
+          <a:off x="0" y="0"/>
+          <a:ext cx="0" cy="0"/>
+          <a:chOff x="0" y="0"/>
+          <a:chExt cx="0" cy="0"/>
+        </a:xfrm>
+      </p:grpSpPr>
+      <p:sp>
+        <p:nvSpPr>
+          <p:cNvPr id="2" name="Segnaposto immagine diapositiva 1"/>
+          <p:cNvSpPr>
+            <a:spLocks noGrp="1" noRot="1" noChangeAspect="1"/>
+          </p:cNvSpPr>
+          <p:nvPr>
+            <p:ph type="sldImg"/>
+          </p:nvPr>
+        </p:nvSpPr>
+        <p:spPr/>
+      </p:sp>
+      <p:sp>
+        <p:nvSpPr>
+          <p:cNvPr id="3" name="Segnaposto note 2"/>
+          <p:cNvSpPr>
+            <a:spLocks noGrp="1"/>
+          </p:cNvSpPr>
+          <p:nvPr>
+            <p:ph type="body" idx="1"/>
+          </p:nvPr>
+        </p:nvSpPr>
+        <p:spPr/>
+        <p:txBody>
+          <a:bodyPr/>
+          <a:lstStyle/>
+          <a:p>
+            <a:endParaRPr lang="it-IT" dirty="0"/>
+          </a:p>
+        </p:txBody>
+      </p:sp>
+      <p:sp>
+        <p:nvSpPr>
+          <p:cNvPr id="4" name="Segnaposto numero diapositiva 3"/>
+          <p:cNvSpPr>
+            <a:spLocks noGrp="1"/>
+          </p:cNvSpPr>
+          <p:nvPr>
+            <p:ph type="sldNum" sz="quarter" idx="5"/>
+          </p:nvPr>
+        </p:nvSpPr>
+        <p:spPr/>
+        <p:txBody>
+          <a:bodyPr/>
+          <a:lstStyle/>
+          <a:p>
+            <a:fld id="{7C4D90DB-0CD3-2A49-91F8-5405B70E64A8}" type="slidenum">
+              <a:rPr lang="it-IT" smtClean="0"/>
+              <a:t>8</a:t>
+            </a:fld>
+            <a:endParaRPr lang="it-IT"/>
+          </a:p>
+        </p:txBody>
+      </p:sp>
+    </p:spTree>
+    <p:extLst>
+      <p:ext uri="{BB962C8B-B14F-4D97-AF65-F5344CB8AC3E}">
+        <p14:creationId xmlns:p14="http://schemas.microsoft.com/office/powerpoint/2010/main" val="3630021394"/>
+      </p:ext>
+    </p:extLst>
+  </p:cSld>
+  <p:clrMapOvr>
+    <a:masterClrMapping/>
+  </p:clrMapOvr>
+</p:notes>
+</file>
+
+<file path=ppt/notesSlides/notesSlide8.xml><?xml version="1.0" encoding="utf-8"?>
+<p:notes xmlns:a="http://schemas.openxmlformats.org/drawingml/2006/main" xmlns:r="http://schemas.openxmlformats.org/officeDocument/2006/relationships" xmlns:p="http://schemas.openxmlformats.org/presentationml/2006/main">
+  <p:cSld>
+    <p:spTree>
+      <p:nvGrpSpPr>
+        <p:cNvPr id="1" name=""/>
+        <p:cNvGrpSpPr/>
+        <p:nvPr/>
+      </p:nvGrpSpPr>
+      <p:grpSpPr>
+        <a:xfrm>
+          <a:off x="0" y="0"/>
+          <a:ext cx="0" cy="0"/>
+          <a:chOff x="0" y="0"/>
+          <a:chExt cx="0" cy="0"/>
+        </a:xfrm>
+      </p:grpSpPr>
+      <p:sp>
+        <p:nvSpPr>
+          <p:cNvPr id="2" name="Segnaposto immagine diapositiva 1"/>
+          <p:cNvSpPr>
+            <a:spLocks noGrp="1" noRot="1" noChangeAspect="1"/>
+          </p:cNvSpPr>
+          <p:nvPr>
+            <p:ph type="sldImg"/>
+          </p:nvPr>
+        </p:nvSpPr>
+        <p:spPr/>
+      </p:sp>
+      <p:sp>
+        <p:nvSpPr>
+          <p:cNvPr id="3" name="Segnaposto note 2"/>
+          <p:cNvSpPr>
+            <a:spLocks noGrp="1"/>
+          </p:cNvSpPr>
+          <p:nvPr>
+            <p:ph type="body" idx="1"/>
+          </p:nvPr>
+        </p:nvSpPr>
+        <p:spPr/>
+        <p:txBody>
+          <a:bodyPr/>
+          <a:lstStyle/>
+          <a:p>
+            <a:pPr marL="0" marR="0" lvl="0" indent="0" algn="l" defTabSz="914400" rtl="0" eaLnBrk="1" fontAlgn="auto" latinLnBrk="0" hangingPunct="1">
+              <a:lnSpc>
+                <a:spcPct val="100000"/>
+              </a:lnSpc>
+              <a:spcBef>
+                <a:spcPts val="0"/>
+              </a:spcBef>
+              <a:spcAft>
+                <a:spcPts val="0"/>
+              </a:spcAft>
+              <a:buClrTx/>
+              <a:buSzTx/>
+              <a:buFontTx/>
+              <a:buNone/>
+              <a:tabLst/>
+              <a:defRPr/>
+            </a:pPr>
+            <a:r>
+              <a:rPr lang="it-IT" dirty="0">
+                <a:effectLst/>
+                <a:latin typeface="Helvetica Neue" panose="02000503000000020004" pitchFamily="2" charset="0"/>
+              </a:rPr>
+              <a:t>Once the </a:t>
+            </a:r>
+            <a:r>
+              <a:rPr lang="it-IT" dirty="0" err="1">
+                <a:effectLst/>
+                <a:latin typeface="Helvetica Neue" panose="02000503000000020004" pitchFamily="2" charset="0"/>
+              </a:rPr>
+              <a:t>simulations</a:t>
+            </a:r>
+            <a:r>
+              <a:rPr lang="it-IT" dirty="0">
+                <a:effectLst/>
+                <a:latin typeface="Helvetica Neue" panose="02000503000000020004" pitchFamily="2" charset="0"/>
+              </a:rPr>
+              <a:t> </a:t>
+            </a:r>
+            <a:r>
+              <a:rPr lang="it-IT" dirty="0" err="1">
+                <a:effectLst/>
+                <a:latin typeface="Helvetica Neue" panose="02000503000000020004" pitchFamily="2" charset="0"/>
+              </a:rPr>
+              <a:t>were</a:t>
+            </a:r>
+            <a:r>
+              <a:rPr lang="it-IT" dirty="0">
+                <a:effectLst/>
+                <a:latin typeface="Helvetica Neue" panose="02000503000000020004" pitchFamily="2" charset="0"/>
+              </a:rPr>
+              <a:t> </a:t>
+            </a:r>
+            <a:r>
+              <a:rPr lang="it-IT" dirty="0" err="1">
+                <a:effectLst/>
+                <a:latin typeface="Helvetica Neue" panose="02000503000000020004" pitchFamily="2" charset="0"/>
+              </a:rPr>
+              <a:t>executed</a:t>
+            </a:r>
+            <a:r>
+              <a:rPr lang="it-IT" dirty="0">
+                <a:effectLst/>
+                <a:latin typeface="Helvetica Neue" panose="02000503000000020004" pitchFamily="2" charset="0"/>
+              </a:rPr>
+              <a:t>, I </a:t>
+            </a:r>
+            <a:r>
+              <a:rPr lang="it-IT" dirty="0" err="1">
+                <a:effectLst/>
+                <a:latin typeface="Helvetica Neue" panose="02000503000000020004" pitchFamily="2" charset="0"/>
+              </a:rPr>
+              <a:t>generated</a:t>
+            </a:r>
+            <a:r>
+              <a:rPr lang="it-IT" dirty="0">
+                <a:effectLst/>
+                <a:latin typeface="Helvetica Neue" panose="02000503000000020004" pitchFamily="2" charset="0"/>
+              </a:rPr>
+              <a:t> </a:t>
+            </a:r>
+            <a:r>
+              <a:rPr lang="it-IT" dirty="0" err="1">
+                <a:effectLst/>
+                <a:latin typeface="Helvetica Neue" panose="02000503000000020004" pitchFamily="2" charset="0"/>
+              </a:rPr>
+              <a:t>several</a:t>
+            </a:r>
+            <a:r>
+              <a:rPr lang="it-IT" dirty="0">
+                <a:effectLst/>
+                <a:latin typeface="Helvetica Neue" panose="02000503000000020004" pitchFamily="2" charset="0"/>
+              </a:rPr>
+              <a:t> </a:t>
+            </a:r>
+            <a:r>
+              <a:rPr lang="it-IT" dirty="0" err="1">
+                <a:effectLst/>
+                <a:latin typeface="Helvetica Neue" panose="02000503000000020004" pitchFamily="2" charset="0"/>
+              </a:rPr>
+              <a:t>graphs</a:t>
+            </a:r>
+            <a:r>
+              <a:rPr lang="it-IT" dirty="0">
+                <a:effectLst/>
+                <a:latin typeface="Helvetica Neue" panose="02000503000000020004" pitchFamily="2" charset="0"/>
+              </a:rPr>
+              <a:t> to track the </a:t>
+            </a:r>
+            <a:r>
+              <a:rPr lang="it-IT" dirty="0" err="1">
+                <a:effectLst/>
+                <a:latin typeface="Helvetica Neue" panose="02000503000000020004" pitchFamily="2" charset="0"/>
+              </a:rPr>
+              <a:t>variability</a:t>
+            </a:r>
+            <a:r>
+              <a:rPr lang="it-IT" dirty="0">
+                <a:effectLst/>
+                <a:latin typeface="Helvetica Neue" panose="02000503000000020004" pitchFamily="2" charset="0"/>
+              </a:rPr>
+              <a:t> of the </a:t>
+            </a:r>
+            <a:r>
+              <a:rPr lang="it-IT" dirty="0" err="1">
+                <a:effectLst/>
+                <a:latin typeface="Helvetica Neue" panose="02000503000000020004" pitchFamily="2" charset="0"/>
+              </a:rPr>
+              <a:t>genome</a:t>
+            </a:r>
+            <a:r>
+              <a:rPr lang="it-IT" dirty="0">
+                <a:effectLst/>
+                <a:latin typeface="Helvetica Neue" panose="02000503000000020004" pitchFamily="2" charset="0"/>
+              </a:rPr>
+              <a:t>. </a:t>
+            </a:r>
+            <a:r>
+              <a:rPr lang="it-IT" dirty="0" err="1">
+                <a:effectLst/>
+                <a:latin typeface="Helvetica Neue" panose="02000503000000020004" pitchFamily="2" charset="0"/>
+              </a:rPr>
+              <a:t>As</a:t>
+            </a:r>
+            <a:r>
+              <a:rPr lang="it-IT" dirty="0">
+                <a:effectLst/>
+                <a:latin typeface="Helvetica Neue" panose="02000503000000020004" pitchFamily="2" charset="0"/>
+              </a:rPr>
+              <a:t> </a:t>
+            </a:r>
+            <a:r>
+              <a:rPr lang="it-IT" dirty="0" err="1">
+                <a:effectLst/>
+                <a:latin typeface="Helvetica Neue" panose="02000503000000020004" pitchFamily="2" charset="0"/>
+              </a:rPr>
+              <a:t>expected</a:t>
+            </a:r>
+            <a:r>
+              <a:rPr lang="it-IT" dirty="0">
+                <a:effectLst/>
+                <a:latin typeface="Helvetica Neue" panose="02000503000000020004" pitchFamily="2" charset="0"/>
+              </a:rPr>
+              <a:t>, </a:t>
+            </a:r>
+            <a:r>
+              <a:rPr lang="it-IT" dirty="0" err="1">
+                <a:effectLst/>
+                <a:latin typeface="Helvetica Neue" panose="02000503000000020004" pitchFamily="2" charset="0"/>
+              </a:rPr>
+              <a:t>we</a:t>
+            </a:r>
+            <a:r>
+              <a:rPr lang="it-IT" dirty="0">
+                <a:effectLst/>
+                <a:latin typeface="Helvetica Neue" panose="02000503000000020004" pitchFamily="2" charset="0"/>
+              </a:rPr>
+              <a:t> </a:t>
+            </a:r>
+            <a:r>
+              <a:rPr lang="it-IT" dirty="0" err="1">
+                <a:effectLst/>
+                <a:latin typeface="Helvetica Neue" panose="02000503000000020004" pitchFamily="2" charset="0"/>
+              </a:rPr>
+              <a:t>observed</a:t>
+            </a:r>
+            <a:r>
+              <a:rPr lang="it-IT" dirty="0">
+                <a:effectLst/>
+                <a:latin typeface="Helvetica Neue" panose="02000503000000020004" pitchFamily="2" charset="0"/>
+              </a:rPr>
+              <a:t> </a:t>
+            </a:r>
+            <a:r>
+              <a:rPr lang="it-IT" dirty="0" err="1">
+                <a:effectLst/>
+                <a:latin typeface="Helvetica Neue" panose="02000503000000020004" pitchFamily="2" charset="0"/>
+              </a:rPr>
+              <a:t>greater</a:t>
+            </a:r>
+            <a:r>
+              <a:rPr lang="it-IT" dirty="0">
+                <a:effectLst/>
+                <a:latin typeface="Helvetica Neue" panose="02000503000000020004" pitchFamily="2" charset="0"/>
+              </a:rPr>
+              <a:t> </a:t>
+            </a:r>
+            <a:r>
+              <a:rPr lang="it-IT" dirty="0" err="1">
+                <a:effectLst/>
+                <a:latin typeface="Helvetica Neue" panose="02000503000000020004" pitchFamily="2" charset="0"/>
+              </a:rPr>
+              <a:t>variance</a:t>
+            </a:r>
+            <a:r>
+              <a:rPr lang="it-IT" dirty="0">
+                <a:effectLst/>
+                <a:latin typeface="Helvetica Neue" panose="02000503000000020004" pitchFamily="2" charset="0"/>
+              </a:rPr>
+              <a:t> in the </a:t>
+            </a:r>
+            <a:r>
+              <a:rPr lang="it-IT" dirty="0" err="1">
+                <a:effectLst/>
+                <a:latin typeface="Helvetica Neue" panose="02000503000000020004" pitchFamily="2" charset="0"/>
+              </a:rPr>
+              <a:t>genome</a:t>
+            </a:r>
+            <a:r>
+              <a:rPr lang="it-IT" dirty="0">
+                <a:effectLst/>
+                <a:latin typeface="Helvetica Neue" panose="02000503000000020004" pitchFamily="2" charset="0"/>
+              </a:rPr>
+              <a:t> for the </a:t>
+            </a:r>
+            <a:r>
+              <a:rPr lang="it-IT" dirty="0" err="1">
+                <a:effectLst/>
+                <a:latin typeface="Helvetica Neue" panose="02000503000000020004" pitchFamily="2" charset="0"/>
+              </a:rPr>
+              <a:t>simulation</a:t>
+            </a:r>
+            <a:r>
+              <a:rPr lang="it-IT" dirty="0">
+                <a:effectLst/>
+                <a:latin typeface="Helvetica Neue" panose="02000503000000020004" pitchFamily="2" charset="0"/>
+              </a:rPr>
+              <a:t> </a:t>
+            </a:r>
+            <a:r>
+              <a:rPr lang="it-IT" dirty="0" err="1">
+                <a:effectLst/>
+                <a:latin typeface="Helvetica Neue" panose="02000503000000020004" pitchFamily="2" charset="0"/>
+              </a:rPr>
+              <a:t>implementing</a:t>
+            </a:r>
+            <a:r>
+              <a:rPr lang="it-IT" dirty="0">
+                <a:effectLst/>
+                <a:latin typeface="Helvetica Neue" panose="02000503000000020004" pitchFamily="2" charset="0"/>
+              </a:rPr>
+              <a:t> the roulette </a:t>
+            </a:r>
+            <a:r>
+              <a:rPr lang="it-IT" dirty="0" err="1">
+                <a:effectLst/>
+                <a:latin typeface="Helvetica Neue" panose="02000503000000020004" pitchFamily="2" charset="0"/>
+              </a:rPr>
+              <a:t>wheel</a:t>
+            </a:r>
+            <a:r>
+              <a:rPr lang="it-IT" dirty="0">
+                <a:effectLst/>
+                <a:latin typeface="Helvetica Neue" panose="02000503000000020004" pitchFamily="2" charset="0"/>
+              </a:rPr>
+              <a:t> strategy and </a:t>
+            </a:r>
+            <a:r>
+              <a:rPr lang="it-IT" dirty="0" err="1">
+                <a:effectLst/>
+                <a:latin typeface="Helvetica Neue" panose="02000503000000020004" pitchFamily="2" charset="0"/>
+              </a:rPr>
+              <a:t>rapid</a:t>
+            </a:r>
+            <a:r>
+              <a:rPr lang="it-IT" dirty="0">
+                <a:effectLst/>
+                <a:latin typeface="Helvetica Neue" panose="02000503000000020004" pitchFamily="2" charset="0"/>
+              </a:rPr>
+              <a:t> </a:t>
+            </a:r>
+            <a:r>
+              <a:rPr lang="it-IT" dirty="0" err="1">
+                <a:effectLst/>
+                <a:latin typeface="Helvetica Neue" panose="02000503000000020004" pitchFamily="2" charset="0"/>
+              </a:rPr>
+              <a:t>convergence</a:t>
+            </a:r>
+            <a:r>
+              <a:rPr lang="it-IT" dirty="0">
+                <a:effectLst/>
+                <a:latin typeface="Helvetica Neue" panose="02000503000000020004" pitchFamily="2" charset="0"/>
+              </a:rPr>
+              <a:t> for the </a:t>
+            </a:r>
+            <a:r>
+              <a:rPr lang="it-IT" dirty="0" err="1">
+                <a:effectLst/>
+                <a:latin typeface="Helvetica Neue" panose="02000503000000020004" pitchFamily="2" charset="0"/>
+              </a:rPr>
+              <a:t>simulation</a:t>
+            </a:r>
+            <a:r>
+              <a:rPr lang="it-IT" dirty="0">
+                <a:effectLst/>
+                <a:latin typeface="Helvetica Neue" panose="02000503000000020004" pitchFamily="2" charset="0"/>
+              </a:rPr>
+              <a:t> </a:t>
+            </a:r>
+            <a:r>
+              <a:rPr lang="it-IT" dirty="0" err="1">
+                <a:effectLst/>
+                <a:latin typeface="Helvetica Neue" panose="02000503000000020004" pitchFamily="2" charset="0"/>
+              </a:rPr>
+              <a:t>using</a:t>
+            </a:r>
+            <a:r>
+              <a:rPr lang="it-IT" dirty="0">
+                <a:effectLst/>
+                <a:latin typeface="Helvetica Neue" panose="02000503000000020004" pitchFamily="2" charset="0"/>
+              </a:rPr>
+              <a:t> the </a:t>
+            </a:r>
+            <a:r>
+              <a:rPr lang="it-IT" dirty="0" err="1">
+                <a:effectLst/>
+                <a:latin typeface="Helvetica Neue" panose="02000503000000020004" pitchFamily="2" charset="0"/>
+              </a:rPr>
+              <a:t>tournament</a:t>
+            </a:r>
+            <a:r>
+              <a:rPr lang="it-IT" dirty="0">
+                <a:effectLst/>
+                <a:latin typeface="Helvetica Neue" panose="02000503000000020004" pitchFamily="2" charset="0"/>
+              </a:rPr>
+              <a:t> </a:t>
+            </a:r>
+            <a:r>
+              <a:rPr lang="it-IT" dirty="0" err="1">
+                <a:effectLst/>
+                <a:latin typeface="Helvetica Neue" panose="02000503000000020004" pitchFamily="2" charset="0"/>
+              </a:rPr>
+              <a:t>selection</a:t>
+            </a:r>
+            <a:r>
+              <a:rPr lang="it-IT" dirty="0">
+                <a:effectLst/>
+                <a:latin typeface="Helvetica Neue" panose="02000503000000020004" pitchFamily="2" charset="0"/>
+              </a:rPr>
+              <a:t> strategy. </a:t>
+            </a:r>
+            <a:r>
+              <a:rPr lang="it-IT" dirty="0" err="1">
+                <a:effectLst/>
+                <a:latin typeface="Helvetica Neue" panose="02000503000000020004" pitchFamily="2" charset="0"/>
+              </a:rPr>
+              <a:t>We</a:t>
+            </a:r>
+            <a:r>
+              <a:rPr lang="it-IT" dirty="0">
+                <a:effectLst/>
+                <a:latin typeface="Helvetica Neue" panose="02000503000000020004" pitchFamily="2" charset="0"/>
+              </a:rPr>
+              <a:t> can </a:t>
+            </a:r>
+            <a:r>
+              <a:rPr lang="it-IT" dirty="0" err="1">
+                <a:effectLst/>
+                <a:latin typeface="Helvetica Neue" panose="02000503000000020004" pitchFamily="2" charset="0"/>
+              </a:rPr>
+              <a:t>appreciate</a:t>
+            </a:r>
+            <a:r>
+              <a:rPr lang="it-IT" dirty="0">
+                <a:effectLst/>
+                <a:latin typeface="Helvetica Neue" panose="02000503000000020004" pitchFamily="2" charset="0"/>
+              </a:rPr>
+              <a:t> </a:t>
+            </a:r>
+            <a:r>
+              <a:rPr lang="it-IT" dirty="0" err="1">
+                <a:effectLst/>
+                <a:latin typeface="Helvetica Neue" panose="02000503000000020004" pitchFamily="2" charset="0"/>
+              </a:rPr>
+              <a:t>that</a:t>
+            </a:r>
+            <a:r>
+              <a:rPr lang="it-IT" dirty="0">
+                <a:effectLst/>
+                <a:latin typeface="Helvetica Neue" panose="02000503000000020004" pitchFamily="2" charset="0"/>
+              </a:rPr>
+              <a:t> </a:t>
+            </a:r>
+            <a:r>
+              <a:rPr lang="it-IT" dirty="0" err="1">
+                <a:effectLst/>
+                <a:latin typeface="Helvetica Neue" panose="02000503000000020004" pitchFamily="2" charset="0"/>
+              </a:rPr>
+              <a:t>both</a:t>
+            </a:r>
+            <a:r>
+              <a:rPr lang="it-IT" dirty="0">
+                <a:effectLst/>
+                <a:latin typeface="Helvetica Neue" panose="02000503000000020004" pitchFamily="2" charset="0"/>
+              </a:rPr>
+              <a:t> </a:t>
+            </a:r>
+            <a:r>
+              <a:rPr lang="it-IT" dirty="0" err="1">
+                <a:effectLst/>
+                <a:latin typeface="Helvetica Neue" panose="02000503000000020004" pitchFamily="2" charset="0"/>
+              </a:rPr>
+              <a:t>simulations</a:t>
+            </a:r>
+            <a:r>
+              <a:rPr lang="it-IT" dirty="0">
+                <a:effectLst/>
+                <a:latin typeface="Helvetica Neue" panose="02000503000000020004" pitchFamily="2" charset="0"/>
+              </a:rPr>
+              <a:t> converge on a </a:t>
+            </a:r>
+            <a:r>
+              <a:rPr lang="it-IT" dirty="0" err="1">
+                <a:effectLst/>
+                <a:latin typeface="Helvetica Neue" panose="02000503000000020004" pitchFamily="2" charset="0"/>
+              </a:rPr>
+              <a:t>similar</a:t>
+            </a:r>
+            <a:r>
+              <a:rPr lang="it-IT" dirty="0">
+                <a:effectLst/>
+                <a:latin typeface="Helvetica Neue" panose="02000503000000020004" pitchFamily="2" charset="0"/>
+              </a:rPr>
+              <a:t> </a:t>
+            </a:r>
+            <a:r>
+              <a:rPr lang="it-IT" dirty="0" err="1">
+                <a:effectLst/>
+                <a:latin typeface="Helvetica Neue" panose="02000503000000020004" pitchFamily="2" charset="0"/>
+              </a:rPr>
+              <a:t>solution</a:t>
+            </a:r>
+            <a:r>
+              <a:rPr lang="it-IT" dirty="0">
+                <a:effectLst/>
+                <a:latin typeface="Helvetica Neue" panose="02000503000000020004" pitchFamily="2" charset="0"/>
+              </a:rPr>
+              <a:t>, </a:t>
+            </a:r>
+            <a:r>
+              <a:rPr lang="it-IT" dirty="0" err="1">
+                <a:effectLst/>
+                <a:latin typeface="Helvetica Neue" panose="02000503000000020004" pitchFamily="2" charset="0"/>
+              </a:rPr>
+              <a:t>avoiding</a:t>
+            </a:r>
+            <a:r>
+              <a:rPr lang="it-IT" dirty="0">
+                <a:effectLst/>
+                <a:latin typeface="Helvetica Neue" panose="02000503000000020004" pitchFamily="2" charset="0"/>
+              </a:rPr>
+              <a:t> </a:t>
+            </a:r>
+            <a:r>
+              <a:rPr lang="it-IT" dirty="0" err="1">
+                <a:effectLst/>
+                <a:latin typeface="Helvetica Neue" panose="02000503000000020004" pitchFamily="2" charset="0"/>
+              </a:rPr>
+              <a:t>moves</a:t>
+            </a:r>
+            <a:r>
+              <a:rPr lang="it-IT" dirty="0">
+                <a:effectLst/>
+                <a:latin typeface="Helvetica Neue" panose="02000503000000020004" pitchFamily="2" charset="0"/>
+              </a:rPr>
+              <a:t> </a:t>
+            </a:r>
+            <a:r>
+              <a:rPr lang="it-IT" dirty="0" err="1">
+                <a:effectLst/>
+                <a:latin typeface="Helvetica Neue" panose="02000503000000020004" pitchFamily="2" charset="0"/>
+              </a:rPr>
+              <a:t>that</a:t>
+            </a:r>
+            <a:r>
+              <a:rPr lang="it-IT" dirty="0">
+                <a:effectLst/>
+                <a:latin typeface="Helvetica Neue" panose="02000503000000020004" pitchFamily="2" charset="0"/>
+              </a:rPr>
+              <a:t> lead to a Nim sum of zero.</a:t>
+            </a:r>
+          </a:p>
+          <a:p>
+            <a:endParaRPr lang="it-IT" dirty="0"/>
+          </a:p>
+          <a:p>
+            <a:endParaRPr lang="it-IT" dirty="0"/>
+          </a:p>
+        </p:txBody>
+      </p:sp>
+      <p:sp>
+        <p:nvSpPr>
+          <p:cNvPr id="4" name="Segnaposto numero diapositiva 3"/>
+          <p:cNvSpPr>
+            <a:spLocks noGrp="1"/>
+          </p:cNvSpPr>
+          <p:nvPr>
+            <p:ph type="sldNum" sz="quarter" idx="5"/>
+          </p:nvPr>
+        </p:nvSpPr>
+        <p:spPr/>
+        <p:txBody>
+          <a:bodyPr/>
+          <a:lstStyle/>
+          <a:p>
+            <a:fld id="{7C4D90DB-0CD3-2A49-91F8-5405B70E64A8}" type="slidenum">
+              <a:rPr lang="it-IT" smtClean="0"/>
+              <a:t>9</a:t>
+            </a:fld>
+            <a:endParaRPr lang="it-IT"/>
+          </a:p>
+        </p:txBody>
+      </p:sp>
+    </p:spTree>
+    <p:extLst>
+      <p:ext uri="{BB962C8B-B14F-4D97-AF65-F5344CB8AC3E}">
+        <p14:creationId xmlns:p14="http://schemas.microsoft.com/office/powerpoint/2010/main" val="6266199"/>
+      </p:ext>
+    </p:extLst>
+  </p:cSld>
+  <p:clrMapOvr>
+    <a:masterClrMapping/>
+  </p:clrMapOvr>
+</p:notes>
+</file>
+
+<file path=ppt/notesSlides/notesSlide9.xml><?xml version="1.0" encoding="utf-8"?>
+<p:notes xmlns:a="http://schemas.openxmlformats.org/drawingml/2006/main" xmlns:r="http://schemas.openxmlformats.org/officeDocument/2006/relationships" xmlns:p="http://schemas.openxmlformats.org/presentationml/2006/main">
+  <p:cSld>
+    <p:spTree>
+      <p:nvGrpSpPr>
+        <p:cNvPr id="1" name=""/>
+        <p:cNvGrpSpPr/>
+        <p:nvPr/>
+      </p:nvGrpSpPr>
+      <p:grpSpPr>
+        <a:xfrm>
+          <a:off x="0" y="0"/>
+          <a:ext cx="0" cy="0"/>
+          <a:chOff x="0" y="0"/>
+          <a:chExt cx="0" cy="0"/>
+        </a:xfrm>
+      </p:grpSpPr>
+      <p:sp>
+        <p:nvSpPr>
+          <p:cNvPr id="2" name="Segnaposto immagine diapositiva 1"/>
+          <p:cNvSpPr>
+            <a:spLocks noGrp="1" noRot="1" noChangeAspect="1"/>
+          </p:cNvSpPr>
+          <p:nvPr>
+            <p:ph type="sldImg"/>
+          </p:nvPr>
+        </p:nvSpPr>
+        <p:spPr/>
+      </p:sp>
+      <p:sp>
+        <p:nvSpPr>
+          <p:cNvPr id="3" name="Segnaposto note 2"/>
+          <p:cNvSpPr>
+            <a:spLocks noGrp="1"/>
+          </p:cNvSpPr>
+          <p:nvPr>
+            <p:ph type="body" idx="1"/>
+          </p:nvPr>
+        </p:nvSpPr>
+        <p:spPr/>
+        <p:txBody>
+          <a:bodyPr/>
+          <a:lstStyle/>
+          <a:p>
+            <a:pPr marL="0" marR="0" lvl="0" indent="0" algn="l" defTabSz="914400" rtl="0" eaLnBrk="1" fontAlgn="auto" latinLnBrk="0" hangingPunct="1">
+              <a:lnSpc>
+                <a:spcPct val="100000"/>
+              </a:lnSpc>
+              <a:spcBef>
+                <a:spcPts val="0"/>
+              </a:spcBef>
+              <a:spcAft>
+                <a:spcPts val="0"/>
+              </a:spcAft>
+              <a:buClrTx/>
+              <a:buSzTx/>
+              <a:buFontTx/>
+              <a:buNone/>
+              <a:tabLst/>
+              <a:defRPr/>
+            </a:pPr>
+            <a:r>
+              <a:rPr lang="it-IT" dirty="0">
+                <a:effectLst/>
+                <a:latin typeface="Helvetica Neue" panose="02000503000000020004" pitchFamily="2" charset="0"/>
+              </a:rPr>
+              <a:t>I </a:t>
+            </a:r>
+            <a:r>
+              <a:rPr lang="it-IT" dirty="0" err="1">
+                <a:effectLst/>
+                <a:latin typeface="Helvetica Neue" panose="02000503000000020004" pitchFamily="2" charset="0"/>
+              </a:rPr>
+              <a:t>also</a:t>
+            </a:r>
+            <a:r>
+              <a:rPr lang="it-IT" dirty="0">
+                <a:effectLst/>
+                <a:latin typeface="Helvetica Neue" panose="02000503000000020004" pitchFamily="2" charset="0"/>
+              </a:rPr>
+              <a:t> </a:t>
+            </a:r>
+            <a:r>
+              <a:rPr lang="it-IT" dirty="0" err="1">
+                <a:effectLst/>
+                <a:latin typeface="Helvetica Neue" panose="02000503000000020004" pitchFamily="2" charset="0"/>
+              </a:rPr>
+              <a:t>plotted</a:t>
+            </a:r>
+            <a:r>
+              <a:rPr lang="it-IT" dirty="0">
+                <a:effectLst/>
+                <a:latin typeface="Helvetica Neue" panose="02000503000000020004" pitchFamily="2" charset="0"/>
+              </a:rPr>
+              <a:t> the </a:t>
+            </a:r>
+            <a:r>
+              <a:rPr lang="it-IT" dirty="0" err="1">
+                <a:effectLst/>
+                <a:latin typeface="Helvetica Neue" panose="02000503000000020004" pitchFamily="2" charset="0"/>
+              </a:rPr>
+              <a:t>progression</a:t>
+            </a:r>
+            <a:r>
+              <a:rPr lang="it-IT" dirty="0">
+                <a:effectLst/>
+                <a:latin typeface="Helvetica Neue" panose="02000503000000020004" pitchFamily="2" charset="0"/>
+              </a:rPr>
+              <a:t> of </a:t>
+            </a:r>
+            <a:r>
+              <a:rPr lang="it-IT" dirty="0" err="1">
+                <a:effectLst/>
+                <a:latin typeface="Helvetica Neue" panose="02000503000000020004" pitchFamily="2" charset="0"/>
+              </a:rPr>
+              <a:t>victories</a:t>
+            </a:r>
+            <a:r>
+              <a:rPr lang="it-IT" dirty="0">
+                <a:effectLst/>
+                <a:latin typeface="Helvetica Neue" panose="02000503000000020004" pitchFamily="2" charset="0"/>
+              </a:rPr>
+              <a:t> for </a:t>
+            </a:r>
+            <a:r>
+              <a:rPr lang="it-IT" dirty="0" err="1">
+                <a:effectLst/>
+                <a:latin typeface="Helvetica Neue" panose="02000503000000020004" pitchFamily="2" charset="0"/>
+              </a:rPr>
+              <a:t>each</a:t>
+            </a:r>
+            <a:r>
+              <a:rPr lang="it-IT" dirty="0">
+                <a:effectLst/>
+                <a:latin typeface="Helvetica Neue" panose="02000503000000020004" pitchFamily="2" charset="0"/>
+              </a:rPr>
+              <a:t> </a:t>
+            </a:r>
+            <a:r>
+              <a:rPr lang="it-IT" dirty="0" err="1">
+                <a:effectLst/>
+                <a:latin typeface="Helvetica Neue" panose="02000503000000020004" pitchFamily="2" charset="0"/>
+              </a:rPr>
+              <a:t>epoch</a:t>
+            </a:r>
+            <a:r>
+              <a:rPr lang="it-IT" dirty="0">
+                <a:effectLst/>
+                <a:latin typeface="Helvetica Neue" panose="02000503000000020004" pitchFamily="2" charset="0"/>
+              </a:rPr>
+              <a:t>. </a:t>
+            </a:r>
+            <a:r>
+              <a:rPr lang="it-IT" dirty="0" err="1">
+                <a:effectLst/>
+                <a:latin typeface="Helvetica Neue" panose="02000503000000020004" pitchFamily="2" charset="0"/>
+              </a:rPr>
+              <a:t>These</a:t>
+            </a:r>
+            <a:r>
+              <a:rPr lang="it-IT" dirty="0">
+                <a:effectLst/>
+                <a:latin typeface="Helvetica Neue" panose="02000503000000020004" pitchFamily="2" charset="0"/>
+              </a:rPr>
+              <a:t> </a:t>
+            </a:r>
+            <a:r>
+              <a:rPr lang="it-IT" dirty="0" err="1">
+                <a:effectLst/>
+                <a:latin typeface="Helvetica Neue" panose="02000503000000020004" pitchFamily="2" charset="0"/>
+              </a:rPr>
+              <a:t>two</a:t>
+            </a:r>
+            <a:r>
+              <a:rPr lang="it-IT" dirty="0">
+                <a:effectLst/>
+                <a:latin typeface="Helvetica Neue" panose="02000503000000020004" pitchFamily="2" charset="0"/>
+              </a:rPr>
+              <a:t> </a:t>
+            </a:r>
+            <a:r>
+              <a:rPr lang="it-IT" dirty="0" err="1">
+                <a:effectLst/>
+                <a:latin typeface="Helvetica Neue" panose="02000503000000020004" pitchFamily="2" charset="0"/>
+              </a:rPr>
+              <a:t>graphs</a:t>
+            </a:r>
+            <a:r>
+              <a:rPr lang="it-IT" dirty="0">
+                <a:effectLst/>
+                <a:latin typeface="Helvetica Neue" panose="02000503000000020004" pitchFamily="2" charset="0"/>
+              </a:rPr>
+              <a:t> </a:t>
+            </a:r>
+            <a:r>
+              <a:rPr lang="it-IT" dirty="0" err="1">
+                <a:effectLst/>
+                <a:latin typeface="Helvetica Neue" panose="02000503000000020004" pitchFamily="2" charset="0"/>
+              </a:rPr>
+              <a:t>demonstrate</a:t>
+            </a:r>
+            <a:r>
+              <a:rPr lang="it-IT" dirty="0">
+                <a:effectLst/>
+                <a:latin typeface="Helvetica Neue" panose="02000503000000020004" pitchFamily="2" charset="0"/>
+              </a:rPr>
+              <a:t> </a:t>
+            </a:r>
+            <a:r>
+              <a:rPr lang="it-IT" dirty="0" err="1">
+                <a:effectLst/>
+                <a:latin typeface="Helvetica Neue" panose="02000503000000020004" pitchFamily="2" charset="0"/>
+              </a:rPr>
+              <a:t>that</a:t>
+            </a:r>
+            <a:r>
+              <a:rPr lang="it-IT" dirty="0">
+                <a:effectLst/>
+                <a:latin typeface="Helvetica Neue" panose="02000503000000020004" pitchFamily="2" charset="0"/>
+              </a:rPr>
+              <a:t> the </a:t>
+            </a:r>
+            <a:r>
+              <a:rPr lang="it-IT" dirty="0" err="1">
+                <a:effectLst/>
+                <a:latin typeface="Helvetica Neue" panose="02000503000000020004" pitchFamily="2" charset="0"/>
+              </a:rPr>
+              <a:t>simulation</a:t>
+            </a:r>
+            <a:r>
+              <a:rPr lang="it-IT" dirty="0">
+                <a:effectLst/>
+                <a:latin typeface="Helvetica Neue" panose="02000503000000020004" pitchFamily="2" charset="0"/>
+              </a:rPr>
+              <a:t> with the </a:t>
+            </a:r>
+            <a:r>
+              <a:rPr lang="it-IT" dirty="0" err="1">
+                <a:effectLst/>
+                <a:latin typeface="Helvetica Neue" panose="02000503000000020004" pitchFamily="2" charset="0"/>
+              </a:rPr>
+              <a:t>tournament</a:t>
+            </a:r>
+            <a:r>
+              <a:rPr lang="it-IT" dirty="0">
+                <a:effectLst/>
+                <a:latin typeface="Helvetica Neue" panose="02000503000000020004" pitchFamily="2" charset="0"/>
+              </a:rPr>
+              <a:t> </a:t>
+            </a:r>
+            <a:r>
+              <a:rPr lang="it-IT" dirty="0" err="1">
+                <a:effectLst/>
+                <a:latin typeface="Helvetica Neue" panose="02000503000000020004" pitchFamily="2" charset="0"/>
+              </a:rPr>
+              <a:t>selection</a:t>
+            </a:r>
+            <a:r>
+              <a:rPr lang="it-IT" dirty="0">
+                <a:effectLst/>
+                <a:latin typeface="Helvetica Neue" panose="02000503000000020004" pitchFamily="2" charset="0"/>
+              </a:rPr>
+              <a:t> strategy </a:t>
+            </a:r>
+            <a:r>
+              <a:rPr lang="it-IT" dirty="0" err="1">
+                <a:effectLst/>
+                <a:latin typeface="Helvetica Neue" panose="02000503000000020004" pitchFamily="2" charset="0"/>
+              </a:rPr>
+              <a:t>has</a:t>
+            </a:r>
+            <a:r>
+              <a:rPr lang="it-IT" dirty="0">
+                <a:effectLst/>
+                <a:latin typeface="Helvetica Neue" panose="02000503000000020004" pitchFamily="2" charset="0"/>
+              </a:rPr>
+              <a:t> a </a:t>
+            </a:r>
+            <a:r>
+              <a:rPr lang="it-IT" dirty="0" err="1">
+                <a:effectLst/>
+                <a:latin typeface="Helvetica Neue" panose="02000503000000020004" pitchFamily="2" charset="0"/>
+              </a:rPr>
+              <a:t>quicker</a:t>
+            </a:r>
+            <a:r>
+              <a:rPr lang="it-IT" dirty="0">
+                <a:effectLst/>
+                <a:latin typeface="Helvetica Neue" panose="02000503000000020004" pitchFamily="2" charset="0"/>
+              </a:rPr>
+              <a:t> </a:t>
+            </a:r>
+            <a:r>
+              <a:rPr lang="it-IT" dirty="0" err="1">
+                <a:effectLst/>
+                <a:latin typeface="Helvetica Neue" panose="02000503000000020004" pitchFamily="2" charset="0"/>
+              </a:rPr>
+              <a:t>convergence</a:t>
+            </a:r>
+            <a:r>
+              <a:rPr lang="it-IT" dirty="0">
+                <a:effectLst/>
+                <a:latin typeface="Helvetica Neue" panose="02000503000000020004" pitchFamily="2" charset="0"/>
+              </a:rPr>
+              <a:t> and a </a:t>
+            </a:r>
+            <a:r>
+              <a:rPr lang="it-IT" dirty="0" err="1">
+                <a:effectLst/>
+                <a:latin typeface="Helvetica Neue" panose="02000503000000020004" pitchFamily="2" charset="0"/>
+              </a:rPr>
+              <a:t>higher</a:t>
+            </a:r>
+            <a:r>
+              <a:rPr lang="it-IT" dirty="0">
+                <a:effectLst/>
+                <a:latin typeface="Helvetica Neue" panose="02000503000000020004" pitchFamily="2" charset="0"/>
+              </a:rPr>
+              <a:t> </a:t>
+            </a:r>
+            <a:r>
+              <a:rPr lang="it-IT" dirty="0" err="1">
+                <a:effectLst/>
+                <a:latin typeface="Helvetica Neue" panose="02000503000000020004" pitchFamily="2" charset="0"/>
+              </a:rPr>
+              <a:t>number</a:t>
+            </a:r>
+            <a:r>
+              <a:rPr lang="it-IT" dirty="0">
+                <a:effectLst/>
+                <a:latin typeface="Helvetica Neue" panose="02000503000000020004" pitchFamily="2" charset="0"/>
+              </a:rPr>
+              <a:t> of </a:t>
+            </a:r>
+            <a:r>
+              <a:rPr lang="it-IT" dirty="0" err="1">
+                <a:effectLst/>
+                <a:latin typeface="Helvetica Neue" panose="02000503000000020004" pitchFamily="2" charset="0"/>
+              </a:rPr>
+              <a:t>victories</a:t>
+            </a:r>
+            <a:r>
+              <a:rPr lang="it-IT" dirty="0">
+                <a:effectLst/>
+                <a:latin typeface="Helvetica Neue" panose="02000503000000020004" pitchFamily="2" charset="0"/>
+              </a:rPr>
+              <a:t> </a:t>
+            </a:r>
+            <a:r>
+              <a:rPr lang="it-IT" dirty="0" err="1">
+                <a:effectLst/>
+                <a:latin typeface="Helvetica Neue" panose="02000503000000020004" pitchFamily="2" charset="0"/>
+              </a:rPr>
+              <a:t>compared</a:t>
+            </a:r>
+            <a:r>
+              <a:rPr lang="it-IT" dirty="0">
+                <a:effectLst/>
+                <a:latin typeface="Helvetica Neue" panose="02000503000000020004" pitchFamily="2" charset="0"/>
+              </a:rPr>
+              <a:t> to the </a:t>
+            </a:r>
+            <a:r>
+              <a:rPr lang="it-IT" dirty="0" err="1">
+                <a:effectLst/>
+                <a:latin typeface="Helvetica Neue" panose="02000503000000020004" pitchFamily="2" charset="0"/>
+              </a:rPr>
+              <a:t>simulation</a:t>
+            </a:r>
+            <a:r>
+              <a:rPr lang="it-IT" dirty="0">
+                <a:effectLst/>
+                <a:latin typeface="Helvetica Neue" panose="02000503000000020004" pitchFamily="2" charset="0"/>
+              </a:rPr>
+              <a:t> </a:t>
+            </a:r>
+            <a:r>
+              <a:rPr lang="it-IT" dirty="0" err="1">
+                <a:effectLst/>
+                <a:latin typeface="Helvetica Neue" panose="02000503000000020004" pitchFamily="2" charset="0"/>
+              </a:rPr>
+              <a:t>done</a:t>
+            </a:r>
+            <a:r>
+              <a:rPr lang="it-IT" dirty="0">
+                <a:effectLst/>
+                <a:latin typeface="Helvetica Neue" panose="02000503000000020004" pitchFamily="2" charset="0"/>
+              </a:rPr>
+              <a:t> with roulette </a:t>
+            </a:r>
+            <a:r>
+              <a:rPr lang="it-IT" dirty="0" err="1">
+                <a:effectLst/>
+                <a:latin typeface="Helvetica Neue" panose="02000503000000020004" pitchFamily="2" charset="0"/>
+              </a:rPr>
+              <a:t>selection</a:t>
+            </a:r>
+            <a:r>
+              <a:rPr lang="it-IT" dirty="0">
+                <a:effectLst/>
+                <a:latin typeface="Helvetica Neue" panose="02000503000000020004" pitchFamily="2" charset="0"/>
+              </a:rPr>
+              <a:t>. </a:t>
+            </a:r>
+            <a:r>
+              <a:rPr lang="it-IT" dirty="0" err="1">
+                <a:effectLst/>
+                <a:latin typeface="Helvetica Neue" panose="02000503000000020004" pitchFamily="2" charset="0"/>
+              </a:rPr>
+              <a:t>We</a:t>
+            </a:r>
+            <a:r>
+              <a:rPr lang="it-IT" dirty="0">
+                <a:effectLst/>
+                <a:latin typeface="Helvetica Neue" panose="02000503000000020004" pitchFamily="2" charset="0"/>
+              </a:rPr>
+              <a:t> </a:t>
+            </a:r>
+            <a:r>
+              <a:rPr lang="it-IT" dirty="0" err="1">
+                <a:effectLst/>
+                <a:latin typeface="Helvetica Neue" panose="02000503000000020004" pitchFamily="2" charset="0"/>
+              </a:rPr>
+              <a:t>have</a:t>
+            </a:r>
+            <a:r>
+              <a:rPr lang="it-IT" dirty="0">
+                <a:effectLst/>
+                <a:latin typeface="Helvetica Neue" panose="02000503000000020004" pitchFamily="2" charset="0"/>
+              </a:rPr>
+              <a:t> a </a:t>
+            </a:r>
+            <a:r>
+              <a:rPr lang="it-IT" dirty="0" err="1">
+                <a:effectLst/>
+                <a:latin typeface="Helvetica Neue" panose="02000503000000020004" pitchFamily="2" charset="0"/>
+              </a:rPr>
+              <a:t>total</a:t>
+            </a:r>
+            <a:r>
+              <a:rPr lang="it-IT" dirty="0">
+                <a:effectLst/>
+                <a:latin typeface="Helvetica Neue" panose="02000503000000020004" pitchFamily="2" charset="0"/>
+              </a:rPr>
+              <a:t> </a:t>
+            </a:r>
+            <a:r>
+              <a:rPr lang="it-IT" dirty="0" err="1">
+                <a:effectLst/>
+                <a:latin typeface="Helvetica Neue" panose="02000503000000020004" pitchFamily="2" charset="0"/>
+              </a:rPr>
+              <a:t>number</a:t>
+            </a:r>
+            <a:r>
+              <a:rPr lang="it-IT" dirty="0">
+                <a:effectLst/>
+                <a:latin typeface="Helvetica Neue" panose="02000503000000020004" pitchFamily="2" charset="0"/>
+              </a:rPr>
+              <a:t> of </a:t>
+            </a:r>
+            <a:r>
+              <a:rPr lang="it-IT" dirty="0" err="1">
+                <a:effectLst/>
+                <a:latin typeface="Helvetica Neue" panose="02000503000000020004" pitchFamily="2" charset="0"/>
+              </a:rPr>
+              <a:t>victories</a:t>
+            </a:r>
+            <a:r>
+              <a:rPr lang="it-IT" dirty="0">
+                <a:effectLst/>
+                <a:latin typeface="Helvetica Neue" panose="02000503000000020004" pitchFamily="2" charset="0"/>
+              </a:rPr>
+              <a:t> </a:t>
+            </a:r>
+            <a:r>
+              <a:rPr lang="it-IT" dirty="0" err="1">
+                <a:effectLst/>
+                <a:latin typeface="Helvetica Neue" panose="02000503000000020004" pitchFamily="2" charset="0"/>
+              </a:rPr>
+              <a:t>that</a:t>
+            </a:r>
+            <a:r>
+              <a:rPr lang="it-IT" dirty="0">
+                <a:effectLst/>
+                <a:latin typeface="Helvetica Neue" panose="02000503000000020004" pitchFamily="2" charset="0"/>
+              </a:rPr>
+              <a:t> </a:t>
+            </a:r>
+            <a:r>
+              <a:rPr lang="it-IT" dirty="0" err="1">
+                <a:effectLst/>
+                <a:latin typeface="Helvetica Neue" panose="02000503000000020004" pitchFamily="2" charset="0"/>
+              </a:rPr>
+              <a:t>nearly</a:t>
+            </a:r>
+            <a:r>
+              <a:rPr lang="it-IT" dirty="0">
+                <a:effectLst/>
+                <a:latin typeface="Helvetica Neue" panose="02000503000000020004" pitchFamily="2" charset="0"/>
+              </a:rPr>
+              <a:t> </a:t>
+            </a:r>
+            <a:r>
+              <a:rPr lang="it-IT" dirty="0" err="1">
+                <a:effectLst/>
+                <a:latin typeface="Helvetica Neue" panose="02000503000000020004" pitchFamily="2" charset="0"/>
+              </a:rPr>
+              <a:t>reaches</a:t>
+            </a:r>
+            <a:r>
+              <a:rPr lang="it-IT" dirty="0">
+                <a:effectLst/>
+                <a:latin typeface="Helvetica Neue" panose="02000503000000020004" pitchFamily="2" charset="0"/>
+              </a:rPr>
+              <a:t> 4000, and on the </a:t>
+            </a:r>
+            <a:r>
+              <a:rPr lang="it-IT" dirty="0" err="1">
+                <a:effectLst/>
+                <a:latin typeface="Helvetica Neue" panose="02000503000000020004" pitchFamily="2" charset="0"/>
+              </a:rPr>
+              <a:t>other</a:t>
+            </a:r>
+            <a:r>
+              <a:rPr lang="it-IT" dirty="0">
+                <a:effectLst/>
+                <a:latin typeface="Helvetica Neue" panose="02000503000000020004" pitchFamily="2" charset="0"/>
+              </a:rPr>
+              <a:t> hand, </a:t>
+            </a:r>
+            <a:r>
+              <a:rPr lang="it-IT" dirty="0" err="1">
+                <a:effectLst/>
+                <a:latin typeface="Helvetica Neue" panose="02000503000000020004" pitchFamily="2" charset="0"/>
+              </a:rPr>
+              <a:t>number</a:t>
+            </a:r>
+            <a:r>
+              <a:rPr lang="it-IT" dirty="0">
+                <a:effectLst/>
+                <a:latin typeface="Helvetica Neue" panose="02000503000000020004" pitchFamily="2" charset="0"/>
+              </a:rPr>
+              <a:t> of </a:t>
+            </a:r>
+            <a:r>
+              <a:rPr lang="it-IT" dirty="0" err="1">
+                <a:effectLst/>
+                <a:latin typeface="Helvetica Neue" panose="02000503000000020004" pitchFamily="2" charset="0"/>
+              </a:rPr>
+              <a:t>victories</a:t>
+            </a:r>
+            <a:r>
+              <a:rPr lang="it-IT" dirty="0">
+                <a:effectLst/>
+                <a:latin typeface="Helvetica Neue" panose="02000503000000020004" pitchFamily="2" charset="0"/>
+              </a:rPr>
+              <a:t> </a:t>
+            </a:r>
+            <a:r>
+              <a:rPr lang="it-IT" dirty="0" err="1">
+                <a:effectLst/>
+                <a:latin typeface="Helvetica Neue" panose="02000503000000020004" pitchFamily="2" charset="0"/>
+              </a:rPr>
+              <a:t>is</a:t>
+            </a:r>
+            <a:r>
+              <a:rPr lang="it-IT" dirty="0">
+                <a:effectLst/>
+                <a:latin typeface="Helvetica Neue" panose="02000503000000020004" pitchFamily="2" charset="0"/>
+              </a:rPr>
+              <a:t> </a:t>
+            </a:r>
+            <a:r>
+              <a:rPr lang="it-IT" dirty="0" err="1">
+                <a:effectLst/>
+                <a:latin typeface="Helvetica Neue" panose="02000503000000020004" pitchFamily="2" charset="0"/>
+              </a:rPr>
+              <a:t>around</a:t>
+            </a:r>
+            <a:r>
+              <a:rPr lang="it-IT" dirty="0">
+                <a:effectLst/>
+                <a:latin typeface="Helvetica Neue" panose="02000503000000020004" pitchFamily="2" charset="0"/>
+              </a:rPr>
+              <a:t> 3500.</a:t>
+            </a:r>
+          </a:p>
+          <a:p>
+            <a:endParaRPr lang="it-IT" dirty="0"/>
+          </a:p>
+        </p:txBody>
+      </p:sp>
+      <p:sp>
+        <p:nvSpPr>
+          <p:cNvPr id="4" name="Segnaposto numero diapositiva 3"/>
+          <p:cNvSpPr>
+            <a:spLocks noGrp="1"/>
+          </p:cNvSpPr>
+          <p:nvPr>
+            <p:ph type="sldNum" sz="quarter" idx="5"/>
+          </p:nvPr>
+        </p:nvSpPr>
+        <p:spPr/>
+        <p:txBody>
+          <a:bodyPr/>
+          <a:lstStyle/>
+          <a:p>
+            <a:fld id="{7C4D90DB-0CD3-2A49-91F8-5405B70E64A8}" type="slidenum">
+              <a:rPr lang="it-IT" smtClean="0"/>
+              <a:t>10</a:t>
+            </a:fld>
+            <a:endParaRPr lang="it-IT"/>
+          </a:p>
+        </p:txBody>
+      </p:sp>
+    </p:spTree>
+    <p:extLst>
+      <p:ext uri="{BB962C8B-B14F-4D97-AF65-F5344CB8AC3E}">
+        <p14:creationId xmlns:p14="http://schemas.microsoft.com/office/powerpoint/2010/main" val="781908422"/>
       </p:ext>
     </p:extLst>
   </p:cSld>
@@ -5195,14 +11245,14 @@
           <p:nvPr/>
         </p:nvPicPr>
         <p:blipFill>
-          <a:blip r:embed="rId2"/>
+          <a:blip r:embed="rId3"/>
           <a:srcRect/>
           <a:stretch/>
         </p:blipFill>
         <p:spPr>
           <a:xfrm>
             <a:off x="201017" y="1633577"/>
-            <a:ext cx="5868001" cy="3520800"/>
+            <a:ext cx="5868000" cy="3520800"/>
           </a:xfrm>
           <a:prstGeom prst="rect">
             <a:avLst/>
@@ -5224,14 +11274,14 @@
           <p:nvPr/>
         </p:nvPicPr>
         <p:blipFill>
-          <a:blip r:embed="rId3"/>
+          <a:blip r:embed="rId4"/>
           <a:srcRect/>
           <a:stretch/>
         </p:blipFill>
         <p:spPr>
           <a:xfrm>
             <a:off x="6196509" y="1633578"/>
-            <a:ext cx="5865162" cy="3519097"/>
+            <a:ext cx="5865161" cy="3519097"/>
           </a:xfrm>
           <a:prstGeom prst="rect">
             <a:avLst/>
@@ -5683,7 +11733,7 @@
           <p:nvPr/>
         </p:nvPicPr>
         <p:blipFill>
-          <a:blip r:embed="rId2"/>
+          <a:blip r:embed="rId3"/>
           <a:srcRect/>
           <a:stretch/>
         </p:blipFill>
@@ -5712,7 +11762,7 @@
           <p:nvPr/>
         </p:nvPicPr>
         <p:blipFill>
-          <a:blip r:embed="rId3"/>
+          <a:blip r:embed="rId4"/>
           <a:srcRect/>
           <a:stretch/>
         </p:blipFill>
@@ -6670,7 +12720,7 @@
           <p:nvPr/>
         </p:nvPicPr>
         <p:blipFill rotWithShape="1">
-          <a:blip r:embed="rId2">
+          <a:blip r:embed="rId3">
             <a:duotone>
               <a:schemeClr val="bg2">
                 <a:shade val="45000"/>
@@ -7529,7 +13579,7 @@
           <p:nvPr/>
         </p:nvPicPr>
         <p:blipFill rotWithShape="1">
-          <a:blip r:embed="rId2">
+          <a:blip r:embed="rId3">
             <a:duotone>
               <a:schemeClr val="bg2">
                 <a:shade val="45000"/>
@@ -8429,7 +14479,7 @@
           <p:nvPr/>
         </p:nvPicPr>
         <p:blipFill rotWithShape="1">
-          <a:blip r:embed="rId2">
+          <a:blip r:embed="rId3">
             <a:duotone>
               <a:schemeClr val="bg2">
                 <a:shade val="45000"/>
@@ -9373,7 +15423,7 @@
           <p:nvPr/>
         </p:nvPicPr>
         <p:blipFill rotWithShape="1">
-          <a:blip r:embed="rId2">
+          <a:blip r:embed="rId3">
             <a:duotone>
               <a:schemeClr val="bg2">
                 <a:shade val="45000"/>
@@ -10362,7 +16412,7 @@
           <p:nvPr/>
         </p:nvPicPr>
         <p:blipFill rotWithShape="1">
-          <a:blip r:embed="rId2">
+          <a:blip r:embed="rId3">
             <a:duotone>
               <a:prstClr val="black"/>
               <a:schemeClr val="tx2">
@@ -11201,7 +17251,7 @@
             </a:pPr>
             <a:r>
               <a:rPr lang="it-IT" sz="1600" b="1" dirty="0"/>
-              <a:t>25 </a:t>
+              <a:t>30 </a:t>
             </a:r>
             <a:r>
               <a:rPr lang="it-IT" sz="1600" b="1" dirty="0" err="1"/>
@@ -12055,7 +18105,7 @@
           <p:nvPr/>
         </p:nvPicPr>
         <p:blipFill rotWithShape="1">
-          <a:blip r:embed="rId2">
+          <a:blip r:embed="rId3">
             <a:duotone>
               <a:schemeClr val="bg2">
                 <a:shade val="45000"/>
@@ -12799,40 +18849,10 @@
       </p:sp>
       <p:pic>
         <p:nvPicPr>
-          <p:cNvPr id="3" name="Immagine 2" descr="Immagine che contiene testo, schermata, numero, linea&#10;&#10;Descrizione generata automaticamente">
+          <p:cNvPr id="3" name="Immagine 2">
             <a:extLst>
               <a:ext uri="{FF2B5EF4-FFF2-40B4-BE49-F238E27FC236}">
                 <a16:creationId xmlns:a16="http://schemas.microsoft.com/office/drawing/2014/main" id="{B933B4F3-14B5-1299-A5FA-234961F6688D}"/>
-              </a:ext>
-            </a:extLst>
-          </p:cNvPr>
-          <p:cNvPicPr>
-            <a:picLocks noChangeAspect="1"/>
-          </p:cNvPicPr>
-          <p:nvPr/>
-        </p:nvPicPr>
-        <p:blipFill>
-          <a:blip r:embed="rId2"/>
-          <a:stretch>
-            <a:fillRect/>
-          </a:stretch>
-        </p:blipFill>
-        <p:spPr>
-          <a:xfrm>
-            <a:off x="773752" y="900146"/>
-            <a:ext cx="4719696" cy="5663635"/>
-          </a:xfrm>
-          <a:prstGeom prst="rect">
-            <a:avLst/>
-          </a:prstGeom>
-        </p:spPr>
-      </p:pic>
-      <p:pic>
-        <p:nvPicPr>
-          <p:cNvPr id="5" name="Immagine 4" descr="Immagine che contiene testo, schermata, numero, Parallelo&#10;&#10;Descrizione generata automaticamente">
-            <a:extLst>
-              <a:ext uri="{FF2B5EF4-FFF2-40B4-BE49-F238E27FC236}">
-                <a16:creationId xmlns:a16="http://schemas.microsoft.com/office/drawing/2014/main" id="{95E3AB0D-DD04-2461-E07C-798C457853E7}"/>
               </a:ext>
             </a:extLst>
           </p:cNvPr>
@@ -12843,9 +18863,37 @@
         </p:nvPicPr>
         <p:blipFill>
           <a:blip r:embed="rId3"/>
-          <a:stretch>
-            <a:fillRect/>
-          </a:stretch>
+          <a:srcRect/>
+          <a:stretch/>
+        </p:blipFill>
+        <p:spPr>
+          <a:xfrm>
+            <a:off x="773752" y="900146"/>
+            <a:ext cx="4719695" cy="5663635"/>
+          </a:xfrm>
+          <a:prstGeom prst="rect">
+            <a:avLst/>
+          </a:prstGeom>
+        </p:spPr>
+      </p:pic>
+      <p:pic>
+        <p:nvPicPr>
+          <p:cNvPr id="5" name="Immagine 4">
+            <a:extLst>
+              <a:ext uri="{FF2B5EF4-FFF2-40B4-BE49-F238E27FC236}">
+                <a16:creationId xmlns:a16="http://schemas.microsoft.com/office/drawing/2014/main" id="{95E3AB0D-DD04-2461-E07C-798C457853E7}"/>
+              </a:ext>
+            </a:extLst>
+          </p:cNvPr>
+          <p:cNvPicPr>
+            <a:picLocks noChangeAspect="1"/>
+          </p:cNvPicPr>
+          <p:nvPr/>
+        </p:nvPicPr>
+        <p:blipFill>
+          <a:blip r:embed="rId4"/>
+          <a:srcRect/>
+          <a:stretch/>
         </p:blipFill>
         <p:spPr>
           <a:xfrm>
